--- a/completeness/completeness_TEX/figs/figs.pptx
+++ b/completeness/completeness_TEX/figs/figs.pptx
@@ -8,6 +8,7 @@
     <p:sldId id="256" r:id="rId2"/>
     <p:sldId id="257" r:id="rId3"/>
     <p:sldId id="258" r:id="rId4"/>
+    <p:sldId id="259" r:id="rId5"/>
   </p:sldIdLst>
   <p:sldSz cx="12192000" cy="6858000"/>
   <p:notesSz cx="6858000" cy="9144000"/>
@@ -245,7 +246,7 @@
           <a:p>
             <a:fld id="{5A779009-EA30-43A9-A43B-F006CC3D9B84}" type="datetimeFigureOut">
               <a:rPr lang="en-US" smtClean="0"/>
-              <a:t>8/23/2016</a:t>
+              <a:t>8/25/2016</a:t>
             </a:fld>
             <a:endParaRPr lang="en-US"/>
           </a:p>
@@ -415,7 +416,7 @@
           <a:p>
             <a:fld id="{5A779009-EA30-43A9-A43B-F006CC3D9B84}" type="datetimeFigureOut">
               <a:rPr lang="en-US" smtClean="0"/>
-              <a:t>8/23/2016</a:t>
+              <a:t>8/25/2016</a:t>
             </a:fld>
             <a:endParaRPr lang="en-US"/>
           </a:p>
@@ -595,7 +596,7 @@
           <a:p>
             <a:fld id="{5A779009-EA30-43A9-A43B-F006CC3D9B84}" type="datetimeFigureOut">
               <a:rPr lang="en-US" smtClean="0"/>
-              <a:t>8/23/2016</a:t>
+              <a:t>8/25/2016</a:t>
             </a:fld>
             <a:endParaRPr lang="en-US"/>
           </a:p>
@@ -765,7 +766,7 @@
           <a:p>
             <a:fld id="{5A779009-EA30-43A9-A43B-F006CC3D9B84}" type="datetimeFigureOut">
               <a:rPr lang="en-US" smtClean="0"/>
-              <a:t>8/23/2016</a:t>
+              <a:t>8/25/2016</a:t>
             </a:fld>
             <a:endParaRPr lang="en-US"/>
           </a:p>
@@ -1011,7 +1012,7 @@
           <a:p>
             <a:fld id="{5A779009-EA30-43A9-A43B-F006CC3D9B84}" type="datetimeFigureOut">
               <a:rPr lang="en-US" smtClean="0"/>
-              <a:t>8/23/2016</a:t>
+              <a:t>8/25/2016</a:t>
             </a:fld>
             <a:endParaRPr lang="en-US"/>
           </a:p>
@@ -1243,7 +1244,7 @@
           <a:p>
             <a:fld id="{5A779009-EA30-43A9-A43B-F006CC3D9B84}" type="datetimeFigureOut">
               <a:rPr lang="en-US" smtClean="0"/>
-              <a:t>8/23/2016</a:t>
+              <a:t>8/25/2016</a:t>
             </a:fld>
             <a:endParaRPr lang="en-US"/>
           </a:p>
@@ -1610,7 +1611,7 @@
           <a:p>
             <a:fld id="{5A779009-EA30-43A9-A43B-F006CC3D9B84}" type="datetimeFigureOut">
               <a:rPr lang="en-US" smtClean="0"/>
-              <a:t>8/23/2016</a:t>
+              <a:t>8/25/2016</a:t>
             </a:fld>
             <a:endParaRPr lang="en-US"/>
           </a:p>
@@ -1728,7 +1729,7 @@
           <a:p>
             <a:fld id="{5A779009-EA30-43A9-A43B-F006CC3D9B84}" type="datetimeFigureOut">
               <a:rPr lang="en-US" smtClean="0"/>
-              <a:t>8/23/2016</a:t>
+              <a:t>8/25/2016</a:t>
             </a:fld>
             <a:endParaRPr lang="en-US"/>
           </a:p>
@@ -1823,7 +1824,7 @@
           <a:p>
             <a:fld id="{5A779009-EA30-43A9-A43B-F006CC3D9B84}" type="datetimeFigureOut">
               <a:rPr lang="en-US" smtClean="0"/>
-              <a:t>8/23/2016</a:t>
+              <a:t>8/25/2016</a:t>
             </a:fld>
             <a:endParaRPr lang="en-US"/>
           </a:p>
@@ -2100,7 +2101,7 @@
           <a:p>
             <a:fld id="{5A779009-EA30-43A9-A43B-F006CC3D9B84}" type="datetimeFigureOut">
               <a:rPr lang="en-US" smtClean="0"/>
-              <a:t>8/23/2016</a:t>
+              <a:t>8/25/2016</a:t>
             </a:fld>
             <a:endParaRPr lang="en-US"/>
           </a:p>
@@ -2353,7 +2354,7 @@
           <a:p>
             <a:fld id="{5A779009-EA30-43A9-A43B-F006CC3D9B84}" type="datetimeFigureOut">
               <a:rPr lang="en-US" smtClean="0"/>
-              <a:t>8/23/2016</a:t>
+              <a:t>8/25/2016</a:t>
             </a:fld>
             <a:endParaRPr lang="en-US"/>
           </a:p>
@@ -2566,7 +2567,7 @@
           <a:p>
             <a:fld id="{5A779009-EA30-43A9-A43B-F006CC3D9B84}" type="datetimeFigureOut">
               <a:rPr lang="en-US" smtClean="0"/>
-              <a:t>8/23/2016</a:t>
+              <a:t>8/25/2016</a:t>
             </a:fld>
             <a:endParaRPr lang="en-US"/>
           </a:p>
@@ -5802,6 +5803,946 @@
 </p:sld>
 </file>
 
+<file path=ppt/slides/slide4.xml><?xml version="1.0" encoding="utf-8"?>
+<p:sld xmlns:a="http://schemas.openxmlformats.org/drawingml/2006/main" xmlns:r="http://schemas.openxmlformats.org/officeDocument/2006/relationships" xmlns:p="http://schemas.openxmlformats.org/presentationml/2006/main">
+  <p:cSld>
+    <p:spTree>
+      <p:nvGrpSpPr>
+        <p:cNvPr id="1" name=""/>
+        <p:cNvGrpSpPr/>
+        <p:nvPr/>
+      </p:nvGrpSpPr>
+      <p:grpSpPr>
+        <a:xfrm>
+          <a:off x="0" y="0"/>
+          <a:ext cx="0" cy="0"/>
+          <a:chOff x="0" y="0"/>
+          <a:chExt cx="0" cy="0"/>
+        </a:xfrm>
+      </p:grpSpPr>
+      <p:sp>
+        <p:nvSpPr>
+          <p:cNvPr id="3" name="Content Placeholder 2"/>
+          <p:cNvSpPr>
+            <a:spLocks noGrp="1"/>
+          </p:cNvSpPr>
+          <p:nvPr>
+            <p:ph idx="1"/>
+          </p:nvPr>
+        </p:nvSpPr>
+        <p:spPr>
+          <a:xfrm>
+            <a:off x="-1213884" y="499454"/>
+            <a:ext cx="8745187" cy="6124630"/>
+          </a:xfrm>
+          <a:ln>
+            <a:solidFill>
+              <a:schemeClr val="tx1"/>
+            </a:solidFill>
+          </a:ln>
+        </p:spPr>
+        <p:txBody>
+          <a:bodyPr>
+            <a:normAutofit fontScale="92500" lnSpcReduction="10000"/>
+          </a:bodyPr>
+          <a:lstStyle/>
+          <a:p>
+            <a:pPr marL="0" indent="0">
+              <a:buNone/>
+            </a:pPr>
+            <a:endParaRPr lang="en-US" sz="2000" b="1" dirty="0" smtClean="0">
+              <a:latin typeface="Courier New" panose="02070309020205020404" pitchFamily="49" charset="0"/>
+              <a:cs typeface="Courier New" panose="02070309020205020404" pitchFamily="49" charset="0"/>
+            </a:endParaRPr>
+          </a:p>
+          <a:p>
+            <a:pPr marL="0" indent="0">
+              <a:buNone/>
+            </a:pPr>
+            <a:r>
+              <a:rPr lang="en-US" sz="2000" b="1" dirty="0" smtClean="0">
+                <a:latin typeface="Courier New" panose="02070309020205020404" pitchFamily="49" charset="0"/>
+                <a:cs typeface="Courier New" panose="02070309020205020404" pitchFamily="49" charset="0"/>
+              </a:rPr>
+              <a:t>node </a:t>
+            </a:r>
+            <a:r>
+              <a:rPr lang="en-US" sz="2000" b="1" dirty="0">
+                <a:latin typeface="Courier New" panose="02070309020205020404" pitchFamily="49" charset="0"/>
+                <a:cs typeface="Courier New" panose="02070309020205020404" pitchFamily="49" charset="0"/>
+              </a:rPr>
+              <a:t>top( in1 : bool; in2: bool) returns (P : bool</a:t>
+            </a:r>
+            <a:r>
+              <a:rPr lang="en-US" sz="2000" b="1" dirty="0" smtClean="0">
+                <a:latin typeface="Courier New" panose="02070309020205020404" pitchFamily="49" charset="0"/>
+                <a:cs typeface="Courier New" panose="02070309020205020404" pitchFamily="49" charset="0"/>
+              </a:rPr>
+              <a:t>);</a:t>
+            </a:r>
+          </a:p>
+          <a:p>
+            <a:pPr marL="0" indent="0">
+              <a:buNone/>
+            </a:pPr>
+            <a:r>
+              <a:rPr lang="en-US" sz="2000" b="1" dirty="0">
+                <a:latin typeface="Courier New" panose="02070309020205020404" pitchFamily="49" charset="0"/>
+                <a:cs typeface="Courier New" panose="02070309020205020404" pitchFamily="49" charset="0"/>
+              </a:rPr>
+              <a:t>	</a:t>
+            </a:r>
+            <a:r>
+              <a:rPr lang="en-US" sz="2000" b="1" dirty="0" smtClean="0">
+                <a:latin typeface="Courier New" panose="02070309020205020404" pitchFamily="49" charset="0"/>
+                <a:cs typeface="Courier New" panose="02070309020205020404" pitchFamily="49" charset="0"/>
+              </a:rPr>
+              <a:t>var  </a:t>
+            </a:r>
+          </a:p>
+          <a:p>
+            <a:pPr marL="0" indent="0">
+              <a:buNone/>
+            </a:pPr>
+            <a:r>
+              <a:rPr lang="en-US" sz="2000" b="1" dirty="0">
+                <a:latin typeface="Courier New" panose="02070309020205020404" pitchFamily="49" charset="0"/>
+                <a:cs typeface="Courier New" panose="02070309020205020404" pitchFamily="49" charset="0"/>
+              </a:rPr>
+              <a:t>	</a:t>
+            </a:r>
+            <a:r>
+              <a:rPr lang="en-US" sz="2000" b="1" dirty="0" smtClean="0">
+                <a:latin typeface="Courier New" panose="02070309020205020404" pitchFamily="49" charset="0"/>
+                <a:cs typeface="Courier New" panose="02070309020205020404" pitchFamily="49" charset="0"/>
+              </a:rPr>
+              <a:t>	x </a:t>
+            </a:r>
+            <a:r>
+              <a:rPr lang="en-US" sz="2000" b="1" dirty="0">
+                <a:latin typeface="Courier New" panose="02070309020205020404" pitchFamily="49" charset="0"/>
+                <a:cs typeface="Courier New" panose="02070309020205020404" pitchFamily="49" charset="0"/>
+              </a:rPr>
+              <a:t>: int;  c1 : bool;   </a:t>
+            </a:r>
+            <a:endParaRPr lang="en-US" sz="2000" b="1" dirty="0" smtClean="0">
+              <a:latin typeface="Courier New" panose="02070309020205020404" pitchFamily="49" charset="0"/>
+              <a:cs typeface="Courier New" panose="02070309020205020404" pitchFamily="49" charset="0"/>
+            </a:endParaRPr>
+          </a:p>
+          <a:p>
+            <a:pPr marL="0" indent="0">
+              <a:buNone/>
+            </a:pPr>
+            <a:r>
+              <a:rPr lang="en-US" sz="2000" b="1" dirty="0">
+                <a:latin typeface="Courier New" panose="02070309020205020404" pitchFamily="49" charset="0"/>
+                <a:cs typeface="Courier New" panose="02070309020205020404" pitchFamily="49" charset="0"/>
+              </a:rPr>
+              <a:t>	</a:t>
+            </a:r>
+            <a:r>
+              <a:rPr lang="en-US" sz="2000" b="1" dirty="0" smtClean="0">
+                <a:latin typeface="Courier New" panose="02070309020205020404" pitchFamily="49" charset="0"/>
+                <a:cs typeface="Courier New" panose="02070309020205020404" pitchFamily="49" charset="0"/>
+              </a:rPr>
+              <a:t>	c2 </a:t>
+            </a:r>
+            <a:r>
+              <a:rPr lang="en-US" sz="2000" b="1" dirty="0">
+                <a:latin typeface="Courier New" panose="02070309020205020404" pitchFamily="49" charset="0"/>
+                <a:cs typeface="Courier New" panose="02070309020205020404" pitchFamily="49" charset="0"/>
+              </a:rPr>
+              <a:t>: bool;  c3 : bool;  </a:t>
+            </a:r>
+            <a:endParaRPr lang="en-US" sz="2000" b="1" dirty="0" smtClean="0">
+              <a:latin typeface="Courier New" panose="02070309020205020404" pitchFamily="49" charset="0"/>
+              <a:cs typeface="Courier New" panose="02070309020205020404" pitchFamily="49" charset="0"/>
+            </a:endParaRPr>
+          </a:p>
+          <a:p>
+            <a:pPr marL="0" indent="0">
+              <a:buNone/>
+            </a:pPr>
+            <a:r>
+              <a:rPr lang="en-US" sz="2000" b="1" dirty="0">
+                <a:latin typeface="Courier New" panose="02070309020205020404" pitchFamily="49" charset="0"/>
+                <a:cs typeface="Courier New" panose="02070309020205020404" pitchFamily="49" charset="0"/>
+              </a:rPr>
+              <a:t>	</a:t>
+            </a:r>
+            <a:r>
+              <a:rPr lang="en-US" sz="2000" b="1" dirty="0" smtClean="0">
+                <a:latin typeface="Courier New" panose="02070309020205020404" pitchFamily="49" charset="0"/>
+                <a:cs typeface="Courier New" panose="02070309020205020404" pitchFamily="49" charset="0"/>
+              </a:rPr>
+              <a:t>	r1 </a:t>
+            </a:r>
+            <a:r>
+              <a:rPr lang="en-US" sz="2000" b="1" dirty="0">
+                <a:latin typeface="Courier New" panose="02070309020205020404" pitchFamily="49" charset="0"/>
+                <a:cs typeface="Courier New" panose="02070309020205020404" pitchFamily="49" charset="0"/>
+              </a:rPr>
+              <a:t>: bool;  r2 : bool</a:t>
+            </a:r>
+            <a:r>
+              <a:rPr lang="en-US" sz="2000" b="1" dirty="0" smtClean="0">
+                <a:latin typeface="Courier New" panose="02070309020205020404" pitchFamily="49" charset="0"/>
+                <a:cs typeface="Courier New" panose="02070309020205020404" pitchFamily="49" charset="0"/>
+              </a:rPr>
+              <a:t>;</a:t>
+            </a:r>
+          </a:p>
+          <a:p>
+            <a:pPr marL="0" indent="0">
+              <a:buNone/>
+            </a:pPr>
+            <a:r>
+              <a:rPr lang="en-US" sz="2000" b="1" dirty="0">
+                <a:latin typeface="Courier New" panose="02070309020205020404" pitchFamily="49" charset="0"/>
+                <a:cs typeface="Courier New" panose="02070309020205020404" pitchFamily="49" charset="0"/>
+              </a:rPr>
+              <a:t>	</a:t>
+            </a:r>
+            <a:r>
+              <a:rPr lang="en-US" sz="2000" b="1" dirty="0" smtClean="0">
+                <a:latin typeface="Courier New" panose="02070309020205020404" pitchFamily="49" charset="0"/>
+                <a:cs typeface="Courier New" panose="02070309020205020404" pitchFamily="49" charset="0"/>
+              </a:rPr>
+              <a:t>let  </a:t>
+            </a:r>
+          </a:p>
+          <a:p>
+            <a:pPr marL="0" indent="0">
+              <a:buNone/>
+            </a:pPr>
+            <a:r>
+              <a:rPr lang="en-US" sz="2000" b="1" dirty="0">
+                <a:latin typeface="Courier New" panose="02070309020205020404" pitchFamily="49" charset="0"/>
+                <a:cs typeface="Courier New" panose="02070309020205020404" pitchFamily="49" charset="0"/>
+              </a:rPr>
+              <a:t>	</a:t>
+            </a:r>
+            <a:r>
+              <a:rPr lang="en-US" sz="2000" b="1" dirty="0" smtClean="0">
+                <a:latin typeface="Courier New" panose="02070309020205020404" pitchFamily="49" charset="0"/>
+                <a:cs typeface="Courier New" panose="02070309020205020404" pitchFamily="49" charset="0"/>
+              </a:rPr>
+              <a:t>	x </a:t>
+            </a:r>
+            <a:r>
+              <a:rPr lang="en-US" sz="2000" b="1" dirty="0">
+                <a:latin typeface="Courier New" panose="02070309020205020404" pitchFamily="49" charset="0"/>
+                <a:cs typeface="Courier New" panose="02070309020205020404" pitchFamily="49" charset="0"/>
+              </a:rPr>
+              <a:t>= 0 -&gt; if (c2 and x &lt; 90) then (10 + pre(x)) </a:t>
+            </a:r>
+            <a:endParaRPr lang="en-US" sz="2000" b="1" dirty="0" smtClean="0">
+              <a:latin typeface="Courier New" panose="02070309020205020404" pitchFamily="49" charset="0"/>
+              <a:cs typeface="Courier New" panose="02070309020205020404" pitchFamily="49" charset="0"/>
+            </a:endParaRPr>
+          </a:p>
+          <a:p>
+            <a:pPr marL="0" indent="0">
+              <a:buNone/>
+            </a:pPr>
+            <a:r>
+              <a:rPr lang="en-US" sz="2000" b="1" dirty="0">
+                <a:latin typeface="Courier New" panose="02070309020205020404" pitchFamily="49" charset="0"/>
+                <a:cs typeface="Courier New" panose="02070309020205020404" pitchFamily="49" charset="0"/>
+              </a:rPr>
+              <a:t>	</a:t>
+            </a:r>
+            <a:r>
+              <a:rPr lang="en-US" sz="2000" b="1" dirty="0" smtClean="0">
+                <a:latin typeface="Courier New" panose="02070309020205020404" pitchFamily="49" charset="0"/>
+                <a:cs typeface="Courier New" panose="02070309020205020404" pitchFamily="49" charset="0"/>
+              </a:rPr>
+              <a:t>		   else </a:t>
+            </a:r>
+            <a:r>
+              <a:rPr lang="en-US" sz="2000" b="1" dirty="0">
+                <a:latin typeface="Courier New" panose="02070309020205020404" pitchFamily="49" charset="0"/>
+                <a:cs typeface="Courier New" panose="02070309020205020404" pitchFamily="49" charset="0"/>
+              </a:rPr>
+              <a:t>(pre(x) - 10);  </a:t>
+            </a:r>
+            <a:endParaRPr lang="en-US" sz="2000" b="1" dirty="0" smtClean="0">
+              <a:latin typeface="Courier New" panose="02070309020205020404" pitchFamily="49" charset="0"/>
+              <a:cs typeface="Courier New" panose="02070309020205020404" pitchFamily="49" charset="0"/>
+            </a:endParaRPr>
+          </a:p>
+          <a:p>
+            <a:pPr marL="0" indent="0">
+              <a:buNone/>
+            </a:pPr>
+            <a:r>
+              <a:rPr lang="en-US" sz="2000" b="1" dirty="0" smtClean="0">
+                <a:latin typeface="Courier New" panose="02070309020205020404" pitchFamily="49" charset="0"/>
+                <a:cs typeface="Courier New" panose="02070309020205020404" pitchFamily="49" charset="0"/>
+              </a:rPr>
+              <a:t>		r1 </a:t>
+            </a:r>
+            <a:r>
+              <a:rPr lang="en-US" sz="2000" b="1" dirty="0">
+                <a:latin typeface="Courier New" panose="02070309020205020404" pitchFamily="49" charset="0"/>
+                <a:cs typeface="Courier New" panose="02070309020205020404" pitchFamily="49" charset="0"/>
+              </a:rPr>
+              <a:t>= in1;  </a:t>
+            </a:r>
+            <a:endParaRPr lang="en-US" sz="2000" b="1" dirty="0" smtClean="0">
+              <a:latin typeface="Courier New" panose="02070309020205020404" pitchFamily="49" charset="0"/>
+              <a:cs typeface="Courier New" panose="02070309020205020404" pitchFamily="49" charset="0"/>
+            </a:endParaRPr>
+          </a:p>
+          <a:p>
+            <a:pPr marL="0" indent="0">
+              <a:buNone/>
+            </a:pPr>
+            <a:r>
+              <a:rPr lang="en-US" sz="2000" b="1" dirty="0">
+                <a:latin typeface="Courier New" panose="02070309020205020404" pitchFamily="49" charset="0"/>
+                <a:cs typeface="Courier New" panose="02070309020205020404" pitchFamily="49" charset="0"/>
+              </a:rPr>
+              <a:t>	</a:t>
+            </a:r>
+            <a:r>
+              <a:rPr lang="en-US" sz="2000" b="1" dirty="0" smtClean="0">
+                <a:latin typeface="Courier New" panose="02070309020205020404" pitchFamily="49" charset="0"/>
+                <a:cs typeface="Courier New" panose="02070309020205020404" pitchFamily="49" charset="0"/>
+              </a:rPr>
+              <a:t>	r2 </a:t>
+            </a:r>
+            <a:r>
+              <a:rPr lang="en-US" sz="2000" b="1" dirty="0">
+                <a:latin typeface="Courier New" panose="02070309020205020404" pitchFamily="49" charset="0"/>
+                <a:cs typeface="Courier New" panose="02070309020205020404" pitchFamily="49" charset="0"/>
+              </a:rPr>
+              <a:t>= not in1;  </a:t>
+            </a:r>
+            <a:endParaRPr lang="en-US" sz="2000" b="1" dirty="0" smtClean="0">
+              <a:latin typeface="Courier New" panose="02070309020205020404" pitchFamily="49" charset="0"/>
+              <a:cs typeface="Courier New" panose="02070309020205020404" pitchFamily="49" charset="0"/>
+            </a:endParaRPr>
+          </a:p>
+          <a:p>
+            <a:pPr marL="0" indent="0">
+              <a:buNone/>
+            </a:pPr>
+            <a:r>
+              <a:rPr lang="en-US" sz="2000" b="1" dirty="0">
+                <a:latin typeface="Courier New" panose="02070309020205020404" pitchFamily="49" charset="0"/>
+                <a:cs typeface="Courier New" panose="02070309020205020404" pitchFamily="49" charset="0"/>
+              </a:rPr>
+              <a:t>	</a:t>
+            </a:r>
+            <a:r>
+              <a:rPr lang="en-US" sz="2000" b="1" dirty="0" smtClean="0">
+                <a:latin typeface="Courier New" panose="02070309020205020404" pitchFamily="49" charset="0"/>
+                <a:cs typeface="Courier New" panose="02070309020205020404" pitchFamily="49" charset="0"/>
+              </a:rPr>
+              <a:t>	c1 </a:t>
+            </a:r>
+            <a:r>
+              <a:rPr lang="en-US" sz="2000" b="1" dirty="0">
+                <a:latin typeface="Courier New" panose="02070309020205020404" pitchFamily="49" charset="0"/>
+                <a:cs typeface="Courier New" panose="02070309020205020404" pitchFamily="49" charset="0"/>
+              </a:rPr>
+              <a:t>= (r1 or r2) and in2; </a:t>
+            </a:r>
+            <a:endParaRPr lang="en-US" sz="2000" b="1" dirty="0" smtClean="0">
+              <a:latin typeface="Courier New" panose="02070309020205020404" pitchFamily="49" charset="0"/>
+              <a:cs typeface="Courier New" panose="02070309020205020404" pitchFamily="49" charset="0"/>
+            </a:endParaRPr>
+          </a:p>
+          <a:p>
+            <a:pPr marL="0" indent="0">
+              <a:buNone/>
+            </a:pPr>
+            <a:r>
+              <a:rPr lang="en-US" sz="2000" b="1" smtClean="0">
+                <a:latin typeface="Courier New" panose="02070309020205020404" pitchFamily="49" charset="0"/>
+                <a:cs typeface="Courier New" panose="02070309020205020404" pitchFamily="49" charset="0"/>
+              </a:rPr>
+              <a:t>		c2 </a:t>
+            </a:r>
+            <a:r>
+              <a:rPr lang="en-US" sz="2000" b="1" dirty="0">
+                <a:latin typeface="Courier New" panose="02070309020205020404" pitchFamily="49" charset="0"/>
+                <a:cs typeface="Courier New" panose="02070309020205020404" pitchFamily="49" charset="0"/>
+              </a:rPr>
+              <a:t>= </a:t>
+            </a:r>
+            <a:r>
+              <a:rPr lang="en-US" sz="2000" b="1">
+                <a:latin typeface="Courier New" panose="02070309020205020404" pitchFamily="49" charset="0"/>
+                <a:cs typeface="Courier New" panose="02070309020205020404" pitchFamily="49" charset="0"/>
+              </a:rPr>
+              <a:t>if </a:t>
+            </a:r>
+            <a:r>
+              <a:rPr lang="en-US" sz="2000" b="1" smtClean="0">
+                <a:latin typeface="Courier New" panose="02070309020205020404" pitchFamily="49" charset="0"/>
+                <a:cs typeface="Courier New" panose="02070309020205020404" pitchFamily="49" charset="0"/>
+              </a:rPr>
+              <a:t>in2 </a:t>
+            </a:r>
+            <a:r>
+              <a:rPr lang="en-US" sz="2000" b="1" dirty="0">
+                <a:latin typeface="Courier New" panose="02070309020205020404" pitchFamily="49" charset="0"/>
+                <a:cs typeface="Courier New" panose="02070309020205020404" pitchFamily="49" charset="0"/>
+              </a:rPr>
+              <a:t>then false else c1;  </a:t>
+            </a:r>
+            <a:endParaRPr lang="en-US" sz="2000" b="1" dirty="0" smtClean="0">
+              <a:latin typeface="Courier New" panose="02070309020205020404" pitchFamily="49" charset="0"/>
+              <a:cs typeface="Courier New" panose="02070309020205020404" pitchFamily="49" charset="0"/>
+            </a:endParaRPr>
+          </a:p>
+          <a:p>
+            <a:pPr marL="0" indent="0">
+              <a:buNone/>
+            </a:pPr>
+            <a:r>
+              <a:rPr lang="en-US" sz="2000" b="1" dirty="0">
+                <a:latin typeface="Courier New" panose="02070309020205020404" pitchFamily="49" charset="0"/>
+                <a:cs typeface="Courier New" panose="02070309020205020404" pitchFamily="49" charset="0"/>
+              </a:rPr>
+              <a:t>	</a:t>
+            </a:r>
+            <a:r>
+              <a:rPr lang="en-US" sz="2000" b="1" dirty="0" smtClean="0">
+                <a:latin typeface="Courier New" panose="02070309020205020404" pitchFamily="49" charset="0"/>
+                <a:cs typeface="Courier New" panose="02070309020205020404" pitchFamily="49" charset="0"/>
+              </a:rPr>
+              <a:t>	c3 </a:t>
+            </a:r>
+            <a:r>
+              <a:rPr lang="en-US" sz="2000" b="1" dirty="0">
+                <a:latin typeface="Courier New" panose="02070309020205020404" pitchFamily="49" charset="0"/>
+                <a:cs typeface="Courier New" panose="02070309020205020404" pitchFamily="49" charset="0"/>
+              </a:rPr>
+              <a:t>= not c2 or c1;  </a:t>
+            </a:r>
+            <a:endParaRPr lang="en-US" sz="2000" b="1" dirty="0" smtClean="0">
+              <a:latin typeface="Courier New" panose="02070309020205020404" pitchFamily="49" charset="0"/>
+              <a:cs typeface="Courier New" panose="02070309020205020404" pitchFamily="49" charset="0"/>
+            </a:endParaRPr>
+          </a:p>
+          <a:p>
+            <a:pPr marL="0" indent="0">
+              <a:buNone/>
+            </a:pPr>
+            <a:r>
+              <a:rPr lang="en-US" sz="2000" b="1" dirty="0">
+                <a:latin typeface="Courier New" panose="02070309020205020404" pitchFamily="49" charset="0"/>
+                <a:cs typeface="Courier New" panose="02070309020205020404" pitchFamily="49" charset="0"/>
+              </a:rPr>
+              <a:t>	</a:t>
+            </a:r>
+            <a:r>
+              <a:rPr lang="en-US" sz="2000" b="1" dirty="0" smtClean="0">
+                <a:latin typeface="Courier New" panose="02070309020205020404" pitchFamily="49" charset="0"/>
+                <a:cs typeface="Courier New" panose="02070309020205020404" pitchFamily="49" charset="0"/>
+              </a:rPr>
+              <a:t>	P </a:t>
+            </a:r>
+            <a:r>
+              <a:rPr lang="en-US" sz="2000" b="1" dirty="0">
+                <a:latin typeface="Courier New" panose="02070309020205020404" pitchFamily="49" charset="0"/>
+                <a:cs typeface="Courier New" panose="02070309020205020404" pitchFamily="49" charset="0"/>
+              </a:rPr>
+              <a:t>=  (x &lt; 100) or c3; </a:t>
+            </a:r>
+            <a:endParaRPr lang="en-US" sz="2000" b="1" dirty="0" smtClean="0">
+              <a:latin typeface="Courier New" panose="02070309020205020404" pitchFamily="49" charset="0"/>
+              <a:cs typeface="Courier New" panose="02070309020205020404" pitchFamily="49" charset="0"/>
+            </a:endParaRPr>
+          </a:p>
+          <a:p>
+            <a:pPr marL="0" indent="0">
+              <a:buNone/>
+            </a:pPr>
+            <a:r>
+              <a:rPr lang="en-US" sz="2000" b="1" dirty="0">
+                <a:latin typeface="Courier New" panose="02070309020205020404" pitchFamily="49" charset="0"/>
+                <a:cs typeface="Courier New" panose="02070309020205020404" pitchFamily="49" charset="0"/>
+              </a:rPr>
+              <a:t>	</a:t>
+            </a:r>
+            <a:r>
+              <a:rPr lang="en-US" sz="2000" b="1" dirty="0" smtClean="0">
+                <a:latin typeface="Courier New" panose="02070309020205020404" pitchFamily="49" charset="0"/>
+                <a:cs typeface="Courier New" panose="02070309020205020404" pitchFamily="49" charset="0"/>
+              </a:rPr>
+              <a:t>tel;</a:t>
+            </a:r>
+          </a:p>
+          <a:p>
+            <a:pPr marL="0" indent="0">
+              <a:buNone/>
+            </a:pPr>
+            <a:r>
+              <a:rPr lang="en-US" sz="2000" b="1" dirty="0" smtClean="0">
+                <a:latin typeface="Courier New" panose="02070309020205020404" pitchFamily="49" charset="0"/>
+                <a:cs typeface="Courier New" panose="02070309020205020404" pitchFamily="49" charset="0"/>
+              </a:rPr>
+              <a:t>				    </a:t>
+            </a:r>
+            <a:r>
+              <a:rPr lang="en-US" sz="2000" b="1" dirty="0" smtClean="0"/>
+              <a:t>(</a:t>
+            </a:r>
+            <a:r>
+              <a:rPr lang="en-US" sz="2000" b="1" dirty="0"/>
+              <a:t>a)</a:t>
+            </a:r>
+          </a:p>
+          <a:p>
+            <a:pPr marL="0" indent="0">
+              <a:buNone/>
+            </a:pPr>
+            <a:endParaRPr lang="en-US" sz="2000" b="1" dirty="0">
+              <a:latin typeface="+mj-lt"/>
+              <a:cs typeface="Courier New" panose="02070309020205020404" pitchFamily="49" charset="0"/>
+            </a:endParaRPr>
+          </a:p>
+        </p:txBody>
+      </p:sp>
+      <p:sp>
+        <p:nvSpPr>
+          <p:cNvPr id="2" name="Rectangle 1"/>
+          <p:cNvSpPr/>
+          <p:nvPr/>
+        </p:nvSpPr>
+        <p:spPr>
+          <a:xfrm>
+            <a:off x="7531303" y="499730"/>
+            <a:ext cx="4660697" cy="6124354"/>
+          </a:xfrm>
+          <a:prstGeom prst="rect">
+            <a:avLst/>
+          </a:prstGeom>
+          <a:noFill/>
+          <a:ln>
+            <a:solidFill>
+              <a:schemeClr val="tx1"/>
+            </a:solidFill>
+          </a:ln>
+        </p:spPr>
+        <p:style>
+          <a:lnRef idx="2">
+            <a:schemeClr val="accent1">
+              <a:shade val="50000"/>
+            </a:schemeClr>
+          </a:lnRef>
+          <a:fillRef idx="1">
+            <a:schemeClr val="accent1"/>
+          </a:fillRef>
+          <a:effectRef idx="0">
+            <a:schemeClr val="accent1"/>
+          </a:effectRef>
+          <a:fontRef idx="minor">
+            <a:schemeClr val="lt1"/>
+          </a:fontRef>
+        </p:style>
+        <p:txBody>
+          <a:bodyPr rtlCol="0" anchor="ctr"/>
+          <a:lstStyle/>
+          <a:p>
+            <a:pPr algn="ctr"/>
+            <a:endParaRPr lang="en-US"/>
+          </a:p>
+        </p:txBody>
+      </p:sp>
+      <p:sp>
+        <p:nvSpPr>
+          <p:cNvPr id="4" name="Rectangle 3"/>
+          <p:cNvSpPr/>
+          <p:nvPr/>
+        </p:nvSpPr>
+        <p:spPr>
+          <a:xfrm>
+            <a:off x="9873057" y="6254752"/>
+            <a:ext cx="452368" cy="369332"/>
+          </a:xfrm>
+          <a:prstGeom prst="rect">
+            <a:avLst/>
+          </a:prstGeom>
+        </p:spPr>
+        <p:txBody>
+          <a:bodyPr wrap="none">
+            <a:spAutoFit/>
+          </a:bodyPr>
+          <a:lstStyle/>
+          <a:p>
+            <a:r>
+              <a:rPr lang="en-US" b="1" dirty="0" smtClean="0"/>
+              <a:t>(b)</a:t>
+            </a:r>
+            <a:endParaRPr lang="en-US" dirty="0"/>
+          </a:p>
+        </p:txBody>
+      </p:sp>
+      <p:sp>
+        <p:nvSpPr>
+          <p:cNvPr id="5" name="Oval 4"/>
+          <p:cNvSpPr/>
+          <p:nvPr/>
+        </p:nvSpPr>
+        <p:spPr>
+          <a:xfrm rot="17641973">
+            <a:off x="8410461" y="1731288"/>
+            <a:ext cx="2186717" cy="2536994"/>
+          </a:xfrm>
+          <a:prstGeom prst="ellipse">
+            <a:avLst/>
+          </a:prstGeom>
+          <a:noFill/>
+          <a:ln>
+            <a:solidFill>
+              <a:schemeClr val="tx1"/>
+            </a:solidFill>
+          </a:ln>
+        </p:spPr>
+        <p:style>
+          <a:lnRef idx="2">
+            <a:schemeClr val="accent1">
+              <a:shade val="50000"/>
+            </a:schemeClr>
+          </a:lnRef>
+          <a:fillRef idx="1">
+            <a:schemeClr val="accent1"/>
+          </a:fillRef>
+          <a:effectRef idx="0">
+            <a:schemeClr val="accent1"/>
+          </a:effectRef>
+          <a:fontRef idx="minor">
+            <a:schemeClr val="lt1"/>
+          </a:fontRef>
+        </p:style>
+        <p:txBody>
+          <a:bodyPr rtlCol="0" anchor="ctr"/>
+          <a:lstStyle/>
+          <a:p>
+            <a:pPr algn="ctr"/>
+            <a:endParaRPr lang="en-US"/>
+          </a:p>
+        </p:txBody>
+      </p:sp>
+      <p:sp>
+        <p:nvSpPr>
+          <p:cNvPr id="6" name="Oval 5"/>
+          <p:cNvSpPr/>
+          <p:nvPr/>
+        </p:nvSpPr>
+        <p:spPr>
+          <a:xfrm rot="17521782">
+            <a:off x="9399648" y="2282855"/>
+            <a:ext cx="2186717" cy="2346612"/>
+          </a:xfrm>
+          <a:prstGeom prst="ellipse">
+            <a:avLst/>
+          </a:prstGeom>
+          <a:noFill/>
+          <a:ln>
+            <a:solidFill>
+              <a:schemeClr val="tx1"/>
+            </a:solidFill>
+          </a:ln>
+        </p:spPr>
+        <p:style>
+          <a:lnRef idx="2">
+            <a:schemeClr val="accent1">
+              <a:shade val="50000"/>
+            </a:schemeClr>
+          </a:lnRef>
+          <a:fillRef idx="1">
+            <a:schemeClr val="accent1"/>
+          </a:fillRef>
+          <a:effectRef idx="0">
+            <a:schemeClr val="accent1"/>
+          </a:effectRef>
+          <a:fontRef idx="minor">
+            <a:schemeClr val="lt1"/>
+          </a:fontRef>
+        </p:style>
+        <p:txBody>
+          <a:bodyPr rtlCol="0" anchor="ctr"/>
+          <a:lstStyle/>
+          <a:p>
+            <a:pPr algn="ctr"/>
+            <a:endParaRPr lang="en-US"/>
+          </a:p>
+        </p:txBody>
+      </p:sp>
+      <p:sp>
+        <p:nvSpPr>
+          <p:cNvPr id="7" name="Rectangle 6"/>
+          <p:cNvSpPr/>
+          <p:nvPr/>
+        </p:nvSpPr>
+        <p:spPr>
+          <a:xfrm>
+            <a:off x="9876479" y="2799730"/>
+            <a:ext cx="343364" cy="461665"/>
+          </a:xfrm>
+          <a:prstGeom prst="rect">
+            <a:avLst/>
+          </a:prstGeom>
+        </p:spPr>
+        <p:txBody>
+          <a:bodyPr wrap="none">
+            <a:spAutoFit/>
+          </a:bodyPr>
+          <a:lstStyle/>
+          <a:p>
+            <a:r>
+              <a:rPr lang="en-US" sz="2400" dirty="0" smtClean="0">
+                <a:solidFill>
+                  <a:srgbClr val="C00000"/>
+                </a:solidFill>
+              </a:rPr>
+              <a:t>P</a:t>
+            </a:r>
+            <a:endParaRPr lang="en-US" sz="2400" dirty="0"/>
+          </a:p>
+        </p:txBody>
+      </p:sp>
+      <p:sp>
+        <p:nvSpPr>
+          <p:cNvPr id="8" name="Rectangle 7"/>
+          <p:cNvSpPr/>
+          <p:nvPr/>
+        </p:nvSpPr>
+        <p:spPr>
+          <a:xfrm>
+            <a:off x="9583252" y="3517724"/>
+            <a:ext cx="470000" cy="461665"/>
+          </a:xfrm>
+          <a:prstGeom prst="rect">
+            <a:avLst/>
+          </a:prstGeom>
+        </p:spPr>
+        <p:txBody>
+          <a:bodyPr wrap="none">
+            <a:spAutoFit/>
+          </a:bodyPr>
+          <a:lstStyle/>
+          <a:p>
+            <a:r>
+              <a:rPr lang="en-US" sz="2400" dirty="0" smtClean="0"/>
+              <a:t>c3</a:t>
+            </a:r>
+            <a:endParaRPr lang="en-US" sz="2400" dirty="0"/>
+          </a:p>
+        </p:txBody>
+      </p:sp>
+      <p:sp>
+        <p:nvSpPr>
+          <p:cNvPr id="9" name="Rectangle 8"/>
+          <p:cNvSpPr/>
+          <p:nvPr/>
+        </p:nvSpPr>
+        <p:spPr>
+          <a:xfrm>
+            <a:off x="8779771" y="2599675"/>
+            <a:ext cx="317716" cy="461665"/>
+          </a:xfrm>
+          <a:prstGeom prst="rect">
+            <a:avLst/>
+          </a:prstGeom>
+        </p:spPr>
+        <p:txBody>
+          <a:bodyPr wrap="none">
+            <a:spAutoFit/>
+          </a:bodyPr>
+          <a:lstStyle/>
+          <a:p>
+            <a:r>
+              <a:rPr lang="en-US" sz="2400" dirty="0" smtClean="0"/>
+              <a:t>x</a:t>
+            </a:r>
+            <a:endParaRPr lang="en-US" sz="2400" dirty="0"/>
+          </a:p>
+        </p:txBody>
+      </p:sp>
+      <p:sp>
+        <p:nvSpPr>
+          <p:cNvPr id="10" name="Rectangle 9"/>
+          <p:cNvSpPr/>
+          <p:nvPr/>
+        </p:nvSpPr>
+        <p:spPr>
+          <a:xfrm>
+            <a:off x="10806748" y="3602680"/>
+            <a:ext cx="470000" cy="461665"/>
+          </a:xfrm>
+          <a:prstGeom prst="rect">
+            <a:avLst/>
+          </a:prstGeom>
+        </p:spPr>
+        <p:txBody>
+          <a:bodyPr wrap="none">
+            <a:spAutoFit/>
+          </a:bodyPr>
+          <a:lstStyle/>
+          <a:p>
+            <a:r>
+              <a:rPr lang="en-US" sz="2400" dirty="0" smtClean="0"/>
+              <a:t>c2</a:t>
+            </a:r>
+            <a:endParaRPr lang="en-US" sz="2400" dirty="0"/>
+          </a:p>
+        </p:txBody>
+      </p:sp>
+      <p:sp>
+        <p:nvSpPr>
+          <p:cNvPr id="12" name="Rectangle 11"/>
+          <p:cNvSpPr/>
+          <p:nvPr/>
+        </p:nvSpPr>
+        <p:spPr>
+          <a:xfrm>
+            <a:off x="8544771" y="4053307"/>
+            <a:ext cx="470000" cy="461665"/>
+          </a:xfrm>
+          <a:prstGeom prst="rect">
+            <a:avLst/>
+          </a:prstGeom>
+        </p:spPr>
+        <p:txBody>
+          <a:bodyPr wrap="none">
+            <a:spAutoFit/>
+          </a:bodyPr>
+          <a:lstStyle/>
+          <a:p>
+            <a:r>
+              <a:rPr lang="en-US" sz="2400" dirty="0" smtClean="0"/>
+              <a:t>c1</a:t>
+            </a:r>
+            <a:endParaRPr lang="en-US" sz="2400" dirty="0"/>
+          </a:p>
+        </p:txBody>
+      </p:sp>
+      <p:sp>
+        <p:nvSpPr>
+          <p:cNvPr id="13" name="Rectangle 12"/>
+          <p:cNvSpPr/>
+          <p:nvPr/>
+        </p:nvSpPr>
+        <p:spPr>
+          <a:xfrm>
+            <a:off x="9824382" y="1376891"/>
+            <a:ext cx="447558" cy="461665"/>
+          </a:xfrm>
+          <a:prstGeom prst="rect">
+            <a:avLst/>
+          </a:prstGeom>
+        </p:spPr>
+        <p:txBody>
+          <a:bodyPr wrap="square">
+            <a:spAutoFit/>
+          </a:bodyPr>
+          <a:lstStyle/>
+          <a:p>
+            <a:r>
+              <a:rPr lang="en-US" sz="2400" dirty="0" smtClean="0"/>
+              <a:t>r1</a:t>
+            </a:r>
+            <a:endParaRPr lang="en-US" sz="2400" dirty="0"/>
+          </a:p>
+        </p:txBody>
+      </p:sp>
+      <p:sp>
+        <p:nvSpPr>
+          <p:cNvPr id="14" name="Rectangle 13"/>
+          <p:cNvSpPr/>
+          <p:nvPr/>
+        </p:nvSpPr>
+        <p:spPr>
+          <a:xfrm>
+            <a:off x="10772640" y="1770690"/>
+            <a:ext cx="447558" cy="461665"/>
+          </a:xfrm>
+          <a:prstGeom prst="rect">
+            <a:avLst/>
+          </a:prstGeom>
+        </p:spPr>
+        <p:txBody>
+          <a:bodyPr wrap="none">
+            <a:spAutoFit/>
+          </a:bodyPr>
+          <a:lstStyle/>
+          <a:p>
+            <a:r>
+              <a:rPr lang="en-US" sz="2400" dirty="0" smtClean="0"/>
+              <a:t>r2</a:t>
+            </a:r>
+            <a:endParaRPr lang="en-US" sz="2400" dirty="0"/>
+          </a:p>
+        </p:txBody>
+      </p:sp>
+      <p:sp>
+        <p:nvSpPr>
+          <p:cNvPr id="15" name="Oval 14"/>
+          <p:cNvSpPr/>
+          <p:nvPr/>
+        </p:nvSpPr>
+        <p:spPr>
+          <a:xfrm rot="17521782">
+            <a:off x="7726455" y="1145223"/>
+            <a:ext cx="4521558" cy="4099412"/>
+          </a:xfrm>
+          <a:prstGeom prst="ellipse">
+            <a:avLst/>
+          </a:prstGeom>
+          <a:noFill/>
+          <a:ln w="19050">
+            <a:solidFill>
+              <a:schemeClr val="tx1"/>
+            </a:solidFill>
+            <a:prstDash val="lgDash"/>
+          </a:ln>
+        </p:spPr>
+        <p:style>
+          <a:lnRef idx="2">
+            <a:schemeClr val="accent1">
+              <a:shade val="50000"/>
+            </a:schemeClr>
+          </a:lnRef>
+          <a:fillRef idx="1">
+            <a:schemeClr val="accent1"/>
+          </a:fillRef>
+          <a:effectRef idx="0">
+            <a:schemeClr val="accent1"/>
+          </a:effectRef>
+          <a:fontRef idx="minor">
+            <a:schemeClr val="lt1"/>
+          </a:fontRef>
+        </p:style>
+        <p:txBody>
+          <a:bodyPr rtlCol="0" anchor="ctr"/>
+          <a:lstStyle/>
+          <a:p>
+            <a:pPr algn="ctr"/>
+            <a:endParaRPr lang="en-US"/>
+          </a:p>
+        </p:txBody>
+      </p:sp>
+    </p:spTree>
+    <p:extLst>
+      <p:ext uri="{BB962C8B-B14F-4D97-AF65-F5344CB8AC3E}">
+        <p14:creationId xmlns:p14="http://schemas.microsoft.com/office/powerpoint/2010/main" val="1337452540"/>
+      </p:ext>
+    </p:extLst>
+  </p:cSld>
+  <p:clrMapOvr>
+    <a:masterClrMapping/>
+  </p:clrMapOvr>
+</p:sld>
+</file>
+
 <file path=ppt/theme/theme1.xml><?xml version="1.0" encoding="utf-8"?>
 <a:theme xmlns:a="http://schemas.openxmlformats.org/drawingml/2006/main" name="Office Theme">
   <a:themeElements>

--- a/completeness/completeness_TEX/figs/figs.pptx
+++ b/completeness/completeness_TEX/figs/figs.pptx
@@ -7,8 +7,9 @@
   <p:sldIdLst>
     <p:sldId id="256" r:id="rId2"/>
     <p:sldId id="257" r:id="rId3"/>
-    <p:sldId id="258" r:id="rId4"/>
-    <p:sldId id="259" r:id="rId5"/>
+    <p:sldId id="260" r:id="rId4"/>
+    <p:sldId id="258" r:id="rId5"/>
+    <p:sldId id="259" r:id="rId6"/>
   </p:sldIdLst>
   <p:sldSz cx="12192000" cy="6858000"/>
   <p:notesSz cx="6858000" cy="9144000"/>
@@ -246,7 +247,7 @@
           <a:p>
             <a:fld id="{5A779009-EA30-43A9-A43B-F006CC3D9B84}" type="datetimeFigureOut">
               <a:rPr lang="en-US" smtClean="0"/>
-              <a:t>8/25/2016</a:t>
+              <a:t>1/22/2017</a:t>
             </a:fld>
             <a:endParaRPr lang="en-US"/>
           </a:p>
@@ -416,7 +417,7 @@
           <a:p>
             <a:fld id="{5A779009-EA30-43A9-A43B-F006CC3D9B84}" type="datetimeFigureOut">
               <a:rPr lang="en-US" smtClean="0"/>
-              <a:t>8/25/2016</a:t>
+              <a:t>1/22/2017</a:t>
             </a:fld>
             <a:endParaRPr lang="en-US"/>
           </a:p>
@@ -596,7 +597,7 @@
           <a:p>
             <a:fld id="{5A779009-EA30-43A9-A43B-F006CC3D9B84}" type="datetimeFigureOut">
               <a:rPr lang="en-US" smtClean="0"/>
-              <a:t>8/25/2016</a:t>
+              <a:t>1/22/2017</a:t>
             </a:fld>
             <a:endParaRPr lang="en-US"/>
           </a:p>
@@ -766,7 +767,7 @@
           <a:p>
             <a:fld id="{5A779009-EA30-43A9-A43B-F006CC3D9B84}" type="datetimeFigureOut">
               <a:rPr lang="en-US" smtClean="0"/>
-              <a:t>8/25/2016</a:t>
+              <a:t>1/22/2017</a:t>
             </a:fld>
             <a:endParaRPr lang="en-US"/>
           </a:p>
@@ -1012,7 +1013,7 @@
           <a:p>
             <a:fld id="{5A779009-EA30-43A9-A43B-F006CC3D9B84}" type="datetimeFigureOut">
               <a:rPr lang="en-US" smtClean="0"/>
-              <a:t>8/25/2016</a:t>
+              <a:t>1/22/2017</a:t>
             </a:fld>
             <a:endParaRPr lang="en-US"/>
           </a:p>
@@ -1244,7 +1245,7 @@
           <a:p>
             <a:fld id="{5A779009-EA30-43A9-A43B-F006CC3D9B84}" type="datetimeFigureOut">
               <a:rPr lang="en-US" smtClean="0"/>
-              <a:t>8/25/2016</a:t>
+              <a:t>1/22/2017</a:t>
             </a:fld>
             <a:endParaRPr lang="en-US"/>
           </a:p>
@@ -1611,7 +1612,7 @@
           <a:p>
             <a:fld id="{5A779009-EA30-43A9-A43B-F006CC3D9B84}" type="datetimeFigureOut">
               <a:rPr lang="en-US" smtClean="0"/>
-              <a:t>8/25/2016</a:t>
+              <a:t>1/22/2017</a:t>
             </a:fld>
             <a:endParaRPr lang="en-US"/>
           </a:p>
@@ -1729,7 +1730,7 @@
           <a:p>
             <a:fld id="{5A779009-EA30-43A9-A43B-F006CC3D9B84}" type="datetimeFigureOut">
               <a:rPr lang="en-US" smtClean="0"/>
-              <a:t>8/25/2016</a:t>
+              <a:t>1/22/2017</a:t>
             </a:fld>
             <a:endParaRPr lang="en-US"/>
           </a:p>
@@ -1824,7 +1825,7 @@
           <a:p>
             <a:fld id="{5A779009-EA30-43A9-A43B-F006CC3D9B84}" type="datetimeFigureOut">
               <a:rPr lang="en-US" smtClean="0"/>
-              <a:t>8/25/2016</a:t>
+              <a:t>1/22/2017</a:t>
             </a:fld>
             <a:endParaRPr lang="en-US"/>
           </a:p>
@@ -2101,7 +2102,7 @@
           <a:p>
             <a:fld id="{5A779009-EA30-43A9-A43B-F006CC3D9B84}" type="datetimeFigureOut">
               <a:rPr lang="en-US" smtClean="0"/>
-              <a:t>8/25/2016</a:t>
+              <a:t>1/22/2017</a:t>
             </a:fld>
             <a:endParaRPr lang="en-US"/>
           </a:p>
@@ -2354,7 +2355,7 @@
           <a:p>
             <a:fld id="{5A779009-EA30-43A9-A43B-F006CC3D9B84}" type="datetimeFigureOut">
               <a:rPr lang="en-US" smtClean="0"/>
-              <a:t>8/25/2016</a:t>
+              <a:t>1/22/2017</a:t>
             </a:fld>
             <a:endParaRPr lang="en-US"/>
           </a:p>
@@ -2567,7 +2568,7 @@
           <a:p>
             <a:fld id="{5A779009-EA30-43A9-A43B-F006CC3D9B84}" type="datetimeFigureOut">
               <a:rPr lang="en-US" smtClean="0"/>
-              <a:t>8/25/2016</a:t>
+              <a:t>1/22/2017</a:t>
             </a:fld>
             <a:endParaRPr lang="en-US"/>
           </a:p>
@@ -4292,6 +4293,1011 @@
 </file>
 
 <file path=ppt/slides/slide3.xml><?xml version="1.0" encoding="utf-8"?>
+<p:sld xmlns:a="http://schemas.openxmlformats.org/drawingml/2006/main" xmlns:r="http://schemas.openxmlformats.org/officeDocument/2006/relationships" xmlns:p="http://schemas.openxmlformats.org/presentationml/2006/main">
+  <p:cSld>
+    <p:spTree>
+      <p:nvGrpSpPr>
+        <p:cNvPr id="1" name=""/>
+        <p:cNvGrpSpPr/>
+        <p:nvPr/>
+      </p:nvGrpSpPr>
+      <p:grpSpPr>
+        <a:xfrm>
+          <a:off x="0" y="0"/>
+          <a:ext cx="0" cy="0"/>
+          <a:chOff x="0" y="0"/>
+          <a:chExt cx="0" cy="0"/>
+        </a:xfrm>
+      </p:grpSpPr>
+      <p:sp>
+        <p:nvSpPr>
+          <p:cNvPr id="3" name="Content Placeholder 2"/>
+          <p:cNvSpPr>
+            <a:spLocks noGrp="1"/>
+          </p:cNvSpPr>
+          <p:nvPr>
+            <p:ph idx="1"/>
+          </p:nvPr>
+        </p:nvSpPr>
+        <p:spPr>
+          <a:xfrm>
+            <a:off x="838200" y="577970"/>
+            <a:ext cx="6640902" cy="6219645"/>
+          </a:xfrm>
+        </p:spPr>
+        <p:txBody>
+          <a:bodyPr>
+            <a:noAutofit/>
+          </a:bodyPr>
+          <a:lstStyle/>
+          <a:p>
+            <a:pPr marL="0" indent="0">
+              <a:buNone/>
+            </a:pPr>
+            <a:r>
+              <a:rPr lang="en-US" sz="1600" b="1" dirty="0">
+                <a:latin typeface="Courier New" panose="02070309020205020404" pitchFamily="49" charset="0"/>
+                <a:cs typeface="Courier New" panose="02070309020205020404" pitchFamily="49" charset="0"/>
+              </a:rPr>
+              <a:t>node</a:t>
+            </a:r>
+            <a:r>
+              <a:rPr lang="en-US" sz="1600" dirty="0">
+                <a:latin typeface="Courier New" panose="02070309020205020404" pitchFamily="49" charset="0"/>
+                <a:cs typeface="Courier New" panose="02070309020205020404" pitchFamily="49" charset="0"/>
+              </a:rPr>
+              <a:t> </a:t>
+            </a:r>
+            <a:r>
+              <a:rPr lang="en-US" sz="1600" dirty="0" err="1">
+                <a:latin typeface="Courier New" panose="02070309020205020404" pitchFamily="49" charset="0"/>
+                <a:cs typeface="Courier New" panose="02070309020205020404" pitchFamily="49" charset="0"/>
+              </a:rPr>
+              <a:t>asw</a:t>
+            </a:r>
+            <a:r>
+              <a:rPr lang="en-US" sz="1600" dirty="0">
+                <a:latin typeface="Courier New" panose="02070309020205020404" pitchFamily="49" charset="0"/>
+                <a:cs typeface="Courier New" panose="02070309020205020404" pitchFamily="49" charset="0"/>
+              </a:rPr>
+              <a:t>(alt1, alt2: </a:t>
+            </a:r>
+            <a:r>
+              <a:rPr lang="en-US" sz="1600" b="1" dirty="0" err="1">
+                <a:latin typeface="Courier New" panose="02070309020205020404" pitchFamily="49" charset="0"/>
+                <a:cs typeface="Courier New" panose="02070309020205020404" pitchFamily="49" charset="0"/>
+              </a:rPr>
+              <a:t>int</a:t>
+            </a:r>
+            <a:r>
+              <a:rPr lang="en-US" sz="1600" dirty="0">
+                <a:latin typeface="Courier New" panose="02070309020205020404" pitchFamily="49" charset="0"/>
+                <a:cs typeface="Courier New" panose="02070309020205020404" pitchFamily="49" charset="0"/>
+              </a:rPr>
+              <a:t>; inhibit: </a:t>
+            </a:r>
+            <a:r>
+              <a:rPr lang="en-US" sz="1600" b="1" dirty="0">
+                <a:latin typeface="Courier New" panose="02070309020205020404" pitchFamily="49" charset="0"/>
+                <a:cs typeface="Courier New" panose="02070309020205020404" pitchFamily="49" charset="0"/>
+              </a:rPr>
+              <a:t>bool</a:t>
+            </a:r>
+            <a:r>
+              <a:rPr lang="en-US" sz="1600" dirty="0">
+                <a:latin typeface="Courier New" panose="02070309020205020404" pitchFamily="49" charset="0"/>
+                <a:cs typeface="Courier New" panose="02070309020205020404" pitchFamily="49" charset="0"/>
+              </a:rPr>
+              <a:t>)</a:t>
+            </a:r>
+          </a:p>
+          <a:p>
+            <a:pPr marL="0" indent="0">
+              <a:buNone/>
+            </a:pPr>
+            <a:r>
+              <a:rPr lang="en-US" sz="1600" dirty="0">
+                <a:latin typeface="Courier New" panose="02070309020205020404" pitchFamily="49" charset="0"/>
+                <a:cs typeface="Courier New" panose="02070309020205020404" pitchFamily="49" charset="0"/>
+              </a:rPr>
+              <a:t> </a:t>
+            </a:r>
+            <a:r>
+              <a:rPr lang="en-US" sz="1600" dirty="0" smtClean="0">
+                <a:latin typeface="Courier New" panose="02070309020205020404" pitchFamily="49" charset="0"/>
+                <a:cs typeface="Courier New" panose="02070309020205020404" pitchFamily="49" charset="0"/>
+              </a:rPr>
+              <a:t>    </a:t>
+            </a:r>
+            <a:r>
+              <a:rPr lang="en-US" sz="1600" b="1" dirty="0" smtClean="0">
+                <a:latin typeface="Courier New" panose="02070309020205020404" pitchFamily="49" charset="0"/>
+                <a:cs typeface="Courier New" panose="02070309020205020404" pitchFamily="49" charset="0"/>
+              </a:rPr>
+              <a:t>returns</a:t>
+            </a:r>
+            <a:r>
+              <a:rPr lang="en-US" sz="1600" dirty="0" smtClean="0">
+                <a:latin typeface="Courier New" panose="02070309020205020404" pitchFamily="49" charset="0"/>
+                <a:cs typeface="Courier New" panose="02070309020205020404" pitchFamily="49" charset="0"/>
+              </a:rPr>
+              <a:t> </a:t>
+            </a:r>
+            <a:r>
+              <a:rPr lang="en-US" sz="1600" dirty="0">
+                <a:latin typeface="Courier New" panose="02070309020205020404" pitchFamily="49" charset="0"/>
+                <a:cs typeface="Courier New" panose="02070309020205020404" pitchFamily="49" charset="0"/>
+              </a:rPr>
+              <a:t>(</a:t>
+            </a:r>
+            <a:r>
+              <a:rPr lang="en-US" sz="1600" dirty="0" err="1">
+                <a:latin typeface="Courier New" panose="02070309020205020404" pitchFamily="49" charset="0"/>
+                <a:cs typeface="Courier New" panose="02070309020205020404" pitchFamily="49" charset="0"/>
+              </a:rPr>
+              <a:t>doi_on</a:t>
+            </a:r>
+            <a:r>
+              <a:rPr lang="en-US" sz="1600" dirty="0">
+                <a:latin typeface="Courier New" panose="02070309020205020404" pitchFamily="49" charset="0"/>
+                <a:cs typeface="Courier New" panose="02070309020205020404" pitchFamily="49" charset="0"/>
+              </a:rPr>
+              <a:t>: </a:t>
+            </a:r>
+            <a:r>
+              <a:rPr lang="en-US" sz="1600" b="1" dirty="0">
+                <a:latin typeface="Courier New" panose="02070309020205020404" pitchFamily="49" charset="0"/>
+                <a:cs typeface="Courier New" panose="02070309020205020404" pitchFamily="49" charset="0"/>
+              </a:rPr>
+              <a:t>bool</a:t>
+            </a:r>
+            <a:r>
+              <a:rPr lang="en-US" sz="1600" dirty="0">
+                <a:latin typeface="Courier New" panose="02070309020205020404" pitchFamily="49" charset="0"/>
+                <a:cs typeface="Courier New" panose="02070309020205020404" pitchFamily="49" charset="0"/>
+              </a:rPr>
+              <a:t>);</a:t>
+            </a:r>
+          </a:p>
+          <a:p>
+            <a:pPr marL="0" indent="0">
+              <a:buNone/>
+            </a:pPr>
+            <a:r>
+              <a:rPr lang="en-US" sz="1600" dirty="0" smtClean="0">
+                <a:latin typeface="Courier New" panose="02070309020205020404" pitchFamily="49" charset="0"/>
+                <a:cs typeface="Courier New" panose="02070309020205020404" pitchFamily="49" charset="0"/>
+              </a:rPr>
+              <a:t>     </a:t>
+            </a:r>
+            <a:r>
+              <a:rPr lang="en-US" sz="1600" b="1" dirty="0" err="1" smtClean="0">
+                <a:latin typeface="Courier New" panose="02070309020205020404" pitchFamily="49" charset="0"/>
+                <a:cs typeface="Courier New" panose="02070309020205020404" pitchFamily="49" charset="0"/>
+              </a:rPr>
+              <a:t>var</a:t>
+            </a:r>
+            <a:endParaRPr lang="en-US" sz="1600" b="1" dirty="0">
+              <a:latin typeface="Courier New" panose="02070309020205020404" pitchFamily="49" charset="0"/>
+              <a:cs typeface="Courier New" panose="02070309020205020404" pitchFamily="49" charset="0"/>
+            </a:endParaRPr>
+          </a:p>
+          <a:p>
+            <a:pPr marL="0" indent="0">
+              <a:buNone/>
+            </a:pPr>
+            <a:r>
+              <a:rPr lang="en-US" sz="1600" dirty="0" smtClean="0">
+                <a:latin typeface="Courier New" panose="02070309020205020404" pitchFamily="49" charset="0"/>
+                <a:cs typeface="Courier New" panose="02070309020205020404" pitchFamily="49" charset="0"/>
+              </a:rPr>
+              <a:t>	a1_below</a:t>
+            </a:r>
+            <a:r>
+              <a:rPr lang="en-US" sz="1600" dirty="0">
+                <a:latin typeface="Courier New" panose="02070309020205020404" pitchFamily="49" charset="0"/>
+                <a:cs typeface="Courier New" panose="02070309020205020404" pitchFamily="49" charset="0"/>
+              </a:rPr>
+              <a:t>, a2_below, a1_above, a2_above,</a:t>
+            </a:r>
+          </a:p>
+          <a:p>
+            <a:pPr marL="0" indent="0">
+              <a:buNone/>
+            </a:pPr>
+            <a:r>
+              <a:rPr lang="en-US" sz="1600" dirty="0" smtClean="0">
+                <a:latin typeface="Courier New" panose="02070309020205020404" pitchFamily="49" charset="0"/>
+                <a:cs typeface="Courier New" panose="02070309020205020404" pitchFamily="49" charset="0"/>
+              </a:rPr>
+              <a:t>	below</a:t>
+            </a:r>
+            <a:r>
+              <a:rPr lang="en-US" sz="1600" dirty="0">
+                <a:latin typeface="Courier New" panose="02070309020205020404" pitchFamily="49" charset="0"/>
+                <a:cs typeface="Courier New" panose="02070309020205020404" pitchFamily="49" charset="0"/>
+              </a:rPr>
+              <a:t>, </a:t>
+            </a:r>
+            <a:r>
+              <a:rPr lang="en-US" sz="1600" dirty="0" err="1">
+                <a:latin typeface="Courier New" panose="02070309020205020404" pitchFamily="49" charset="0"/>
+                <a:cs typeface="Courier New" panose="02070309020205020404" pitchFamily="49" charset="0"/>
+              </a:rPr>
+              <a:t>above_hyst</a:t>
+            </a:r>
+            <a:r>
+              <a:rPr lang="en-US" sz="1600" dirty="0">
+                <a:latin typeface="Courier New" panose="02070309020205020404" pitchFamily="49" charset="0"/>
+                <a:cs typeface="Courier New" panose="02070309020205020404" pitchFamily="49" charset="0"/>
+              </a:rPr>
+              <a:t>, d1, d2: </a:t>
+            </a:r>
+            <a:r>
+              <a:rPr lang="en-US" sz="1600" b="1" dirty="0">
+                <a:latin typeface="Courier New" panose="02070309020205020404" pitchFamily="49" charset="0"/>
+                <a:cs typeface="Courier New" panose="02070309020205020404" pitchFamily="49" charset="0"/>
+              </a:rPr>
+              <a:t>bool</a:t>
+            </a:r>
+            <a:r>
+              <a:rPr lang="en-US" sz="1600" dirty="0">
+                <a:latin typeface="Courier New" panose="02070309020205020404" pitchFamily="49" charset="0"/>
+                <a:cs typeface="Courier New" panose="02070309020205020404" pitchFamily="49" charset="0"/>
+              </a:rPr>
+              <a:t>;</a:t>
+            </a:r>
+          </a:p>
+          <a:p>
+            <a:pPr marL="0" indent="0">
+              <a:buNone/>
+            </a:pPr>
+            <a:r>
+              <a:rPr lang="en-US" sz="1600" dirty="0">
+                <a:latin typeface="Courier New" panose="02070309020205020404" pitchFamily="49" charset="0"/>
+                <a:cs typeface="Courier New" panose="02070309020205020404" pitchFamily="49" charset="0"/>
+              </a:rPr>
+              <a:t> </a:t>
+            </a:r>
+            <a:r>
+              <a:rPr lang="en-US" sz="1600" dirty="0" smtClean="0">
+                <a:latin typeface="Courier New" panose="02070309020205020404" pitchFamily="49" charset="0"/>
+                <a:cs typeface="Courier New" panose="02070309020205020404" pitchFamily="49" charset="0"/>
+              </a:rPr>
+              <a:t>    </a:t>
+            </a:r>
+            <a:r>
+              <a:rPr lang="en-US" sz="1600" b="1" dirty="0" smtClean="0">
+                <a:latin typeface="Courier New" panose="02070309020205020404" pitchFamily="49" charset="0"/>
+                <a:cs typeface="Courier New" panose="02070309020205020404" pitchFamily="49" charset="0"/>
+              </a:rPr>
+              <a:t>let</a:t>
+            </a:r>
+            <a:endParaRPr lang="en-US" sz="1600" b="1" dirty="0">
+              <a:latin typeface="Courier New" panose="02070309020205020404" pitchFamily="49" charset="0"/>
+              <a:cs typeface="Courier New" panose="02070309020205020404" pitchFamily="49" charset="0"/>
+            </a:endParaRPr>
+          </a:p>
+          <a:p>
+            <a:pPr marL="0" indent="0">
+              <a:buNone/>
+            </a:pPr>
+            <a:r>
+              <a:rPr lang="en-US" sz="1600" dirty="0" smtClean="0">
+                <a:latin typeface="Courier New" panose="02070309020205020404" pitchFamily="49" charset="0"/>
+                <a:cs typeface="Courier New" panose="02070309020205020404" pitchFamily="49" charset="0"/>
+              </a:rPr>
+              <a:t>	a1_below </a:t>
+            </a:r>
+            <a:r>
+              <a:rPr lang="en-US" sz="1600" dirty="0">
+                <a:latin typeface="Courier New" panose="02070309020205020404" pitchFamily="49" charset="0"/>
+                <a:cs typeface="Courier New" panose="02070309020205020404" pitchFamily="49" charset="0"/>
+              </a:rPr>
+              <a:t>= (alt1 </a:t>
+            </a:r>
+            <a:r>
+              <a:rPr lang="en-US" sz="1600" b="1" dirty="0">
+                <a:latin typeface="Courier New" panose="02070309020205020404" pitchFamily="49" charset="0"/>
+                <a:cs typeface="Courier New" panose="02070309020205020404" pitchFamily="49" charset="0"/>
+              </a:rPr>
+              <a:t>&lt;</a:t>
+            </a:r>
+            <a:r>
+              <a:rPr lang="en-US" sz="1600" dirty="0">
+                <a:latin typeface="Courier New" panose="02070309020205020404" pitchFamily="49" charset="0"/>
+                <a:cs typeface="Courier New" panose="02070309020205020404" pitchFamily="49" charset="0"/>
+              </a:rPr>
+              <a:t> THRESHOLD); </a:t>
+            </a:r>
+            <a:r>
+              <a:rPr lang="en-US" sz="1600" dirty="0" smtClean="0">
+                <a:latin typeface="Courier New" panose="02070309020205020404" pitchFamily="49" charset="0"/>
+                <a:cs typeface="Courier New" panose="02070309020205020404" pitchFamily="49" charset="0"/>
+              </a:rPr>
+              <a:t>        // </a:t>
+            </a:r>
+            <a:r>
+              <a:rPr lang="en-US" sz="1600" dirty="0">
+                <a:latin typeface="Courier New" panose="02070309020205020404" pitchFamily="49" charset="0"/>
+                <a:cs typeface="Courier New" panose="02070309020205020404" pitchFamily="49" charset="0"/>
+              </a:rPr>
+              <a:t>(1)</a:t>
+            </a:r>
+          </a:p>
+          <a:p>
+            <a:pPr marL="0" indent="0">
+              <a:buNone/>
+            </a:pPr>
+            <a:r>
+              <a:rPr lang="en-US" sz="1600" dirty="0" smtClean="0">
+                <a:latin typeface="Courier New" panose="02070309020205020404" pitchFamily="49" charset="0"/>
+                <a:cs typeface="Courier New" panose="02070309020205020404" pitchFamily="49" charset="0"/>
+              </a:rPr>
+              <a:t>	a2_below </a:t>
+            </a:r>
+            <a:r>
+              <a:rPr lang="en-US" sz="1600" dirty="0">
+                <a:latin typeface="Courier New" panose="02070309020205020404" pitchFamily="49" charset="0"/>
+                <a:cs typeface="Courier New" panose="02070309020205020404" pitchFamily="49" charset="0"/>
+              </a:rPr>
+              <a:t>= (alt2 </a:t>
+            </a:r>
+            <a:r>
+              <a:rPr lang="en-US" sz="1600" b="1" dirty="0">
+                <a:latin typeface="Courier New" panose="02070309020205020404" pitchFamily="49" charset="0"/>
+                <a:cs typeface="Courier New" panose="02070309020205020404" pitchFamily="49" charset="0"/>
+              </a:rPr>
+              <a:t>&lt;</a:t>
+            </a:r>
+            <a:r>
+              <a:rPr lang="en-US" sz="1600" dirty="0">
+                <a:latin typeface="Courier New" panose="02070309020205020404" pitchFamily="49" charset="0"/>
+                <a:cs typeface="Courier New" panose="02070309020205020404" pitchFamily="49" charset="0"/>
+              </a:rPr>
+              <a:t> THRESHOLD); </a:t>
+            </a:r>
+            <a:r>
+              <a:rPr lang="en-US" sz="1600" dirty="0" smtClean="0">
+                <a:latin typeface="Courier New" panose="02070309020205020404" pitchFamily="49" charset="0"/>
+                <a:cs typeface="Courier New" panose="02070309020205020404" pitchFamily="49" charset="0"/>
+              </a:rPr>
+              <a:t>        // </a:t>
+            </a:r>
+            <a:r>
+              <a:rPr lang="en-US" sz="1600" dirty="0">
+                <a:latin typeface="Courier New" panose="02070309020205020404" pitchFamily="49" charset="0"/>
+                <a:cs typeface="Courier New" panose="02070309020205020404" pitchFamily="49" charset="0"/>
+              </a:rPr>
+              <a:t>(2)</a:t>
+            </a:r>
+          </a:p>
+          <a:p>
+            <a:pPr marL="0" indent="0">
+              <a:buNone/>
+            </a:pPr>
+            <a:r>
+              <a:rPr lang="en-US" sz="1600" dirty="0" smtClean="0">
+                <a:latin typeface="Courier New" panose="02070309020205020404" pitchFamily="49" charset="0"/>
+                <a:cs typeface="Courier New" panose="02070309020205020404" pitchFamily="49" charset="0"/>
+              </a:rPr>
+              <a:t>	a1_above </a:t>
+            </a:r>
+            <a:r>
+              <a:rPr lang="en-US" sz="1600" dirty="0">
+                <a:latin typeface="Courier New" panose="02070309020205020404" pitchFamily="49" charset="0"/>
+                <a:cs typeface="Courier New" panose="02070309020205020404" pitchFamily="49" charset="0"/>
+              </a:rPr>
+              <a:t>= (alt1 </a:t>
+            </a:r>
+            <a:r>
+              <a:rPr lang="en-US" sz="1600" b="1" dirty="0">
+                <a:latin typeface="Courier New" panose="02070309020205020404" pitchFamily="49" charset="0"/>
+                <a:cs typeface="Courier New" panose="02070309020205020404" pitchFamily="49" charset="0"/>
+              </a:rPr>
+              <a:t>&gt;=</a:t>
+            </a:r>
+            <a:r>
+              <a:rPr lang="en-US" sz="1600" dirty="0">
+                <a:latin typeface="Courier New" panose="02070309020205020404" pitchFamily="49" charset="0"/>
+                <a:cs typeface="Courier New" panose="02070309020205020404" pitchFamily="49" charset="0"/>
+              </a:rPr>
+              <a:t> T_HYST); </a:t>
+            </a:r>
+            <a:r>
+              <a:rPr lang="en-US" sz="1600" dirty="0" smtClean="0">
+                <a:latin typeface="Courier New" panose="02070309020205020404" pitchFamily="49" charset="0"/>
+                <a:cs typeface="Courier New" panose="02070309020205020404" pitchFamily="49" charset="0"/>
+              </a:rPr>
+              <a:t>          // </a:t>
+            </a:r>
+            <a:r>
+              <a:rPr lang="en-US" sz="1600" dirty="0">
+                <a:latin typeface="Courier New" panose="02070309020205020404" pitchFamily="49" charset="0"/>
+                <a:cs typeface="Courier New" panose="02070309020205020404" pitchFamily="49" charset="0"/>
+              </a:rPr>
+              <a:t>(3)</a:t>
+            </a:r>
+          </a:p>
+          <a:p>
+            <a:pPr marL="0" indent="0">
+              <a:buNone/>
+            </a:pPr>
+            <a:r>
+              <a:rPr lang="en-US" sz="1600" dirty="0" smtClean="0">
+                <a:latin typeface="Courier New" panose="02070309020205020404" pitchFamily="49" charset="0"/>
+                <a:cs typeface="Courier New" panose="02070309020205020404" pitchFamily="49" charset="0"/>
+              </a:rPr>
+              <a:t>	a2_above </a:t>
+            </a:r>
+            <a:r>
+              <a:rPr lang="en-US" sz="1600" dirty="0">
+                <a:latin typeface="Courier New" panose="02070309020205020404" pitchFamily="49" charset="0"/>
+                <a:cs typeface="Courier New" panose="02070309020205020404" pitchFamily="49" charset="0"/>
+              </a:rPr>
+              <a:t>= (alt2 </a:t>
+            </a:r>
+            <a:r>
+              <a:rPr lang="en-US" sz="1600" b="1" dirty="0">
+                <a:latin typeface="Courier New" panose="02070309020205020404" pitchFamily="49" charset="0"/>
+                <a:cs typeface="Courier New" panose="02070309020205020404" pitchFamily="49" charset="0"/>
+              </a:rPr>
+              <a:t>&gt;=</a:t>
+            </a:r>
+            <a:r>
+              <a:rPr lang="en-US" sz="1600" dirty="0">
+                <a:latin typeface="Courier New" panose="02070309020205020404" pitchFamily="49" charset="0"/>
+                <a:cs typeface="Courier New" panose="02070309020205020404" pitchFamily="49" charset="0"/>
+              </a:rPr>
+              <a:t> T_HYST); </a:t>
+            </a:r>
+            <a:r>
+              <a:rPr lang="en-US" sz="1600" dirty="0" smtClean="0">
+                <a:latin typeface="Courier New" panose="02070309020205020404" pitchFamily="49" charset="0"/>
+                <a:cs typeface="Courier New" panose="02070309020205020404" pitchFamily="49" charset="0"/>
+              </a:rPr>
+              <a:t>          // </a:t>
+            </a:r>
+            <a:r>
+              <a:rPr lang="en-US" sz="1600" dirty="0">
+                <a:latin typeface="Courier New" panose="02070309020205020404" pitchFamily="49" charset="0"/>
+                <a:cs typeface="Courier New" panose="02070309020205020404" pitchFamily="49" charset="0"/>
+              </a:rPr>
+              <a:t>(4)</a:t>
+            </a:r>
+          </a:p>
+          <a:p>
+            <a:pPr marL="0" indent="0">
+              <a:buNone/>
+            </a:pPr>
+            <a:r>
+              <a:rPr lang="en-US" sz="1600" dirty="0" smtClean="0">
+                <a:latin typeface="Courier New" panose="02070309020205020404" pitchFamily="49" charset="0"/>
+                <a:cs typeface="Courier New" panose="02070309020205020404" pitchFamily="49" charset="0"/>
+              </a:rPr>
+              <a:t>	below </a:t>
+            </a:r>
+            <a:r>
+              <a:rPr lang="en-US" sz="1600" dirty="0">
+                <a:latin typeface="Courier New" panose="02070309020205020404" pitchFamily="49" charset="0"/>
+                <a:cs typeface="Courier New" panose="02070309020205020404" pitchFamily="49" charset="0"/>
+              </a:rPr>
+              <a:t>= a1_below</a:t>
+            </a:r>
+            <a:r>
+              <a:rPr lang="en-US" sz="1600" b="1" dirty="0">
+                <a:latin typeface="Courier New" panose="02070309020205020404" pitchFamily="49" charset="0"/>
+                <a:cs typeface="Courier New" panose="02070309020205020404" pitchFamily="49" charset="0"/>
+              </a:rPr>
+              <a:t> or </a:t>
+            </a:r>
+            <a:r>
+              <a:rPr lang="en-US" sz="1600" dirty="0">
+                <a:latin typeface="Courier New" panose="02070309020205020404" pitchFamily="49" charset="0"/>
+                <a:cs typeface="Courier New" panose="02070309020205020404" pitchFamily="49" charset="0"/>
+              </a:rPr>
+              <a:t>a2_below; </a:t>
+            </a:r>
+            <a:r>
+              <a:rPr lang="en-US" sz="1600" dirty="0" smtClean="0">
+                <a:latin typeface="Courier New" panose="02070309020205020404" pitchFamily="49" charset="0"/>
+                <a:cs typeface="Courier New" panose="02070309020205020404" pitchFamily="49" charset="0"/>
+              </a:rPr>
+              <a:t>         // </a:t>
+            </a:r>
+            <a:r>
+              <a:rPr lang="en-US" sz="1600" dirty="0">
+                <a:latin typeface="Courier New" panose="02070309020205020404" pitchFamily="49" charset="0"/>
+                <a:cs typeface="Courier New" panose="02070309020205020404" pitchFamily="49" charset="0"/>
+              </a:rPr>
+              <a:t>(5)</a:t>
+            </a:r>
+          </a:p>
+          <a:p>
+            <a:pPr marL="0" indent="0">
+              <a:buNone/>
+            </a:pPr>
+            <a:r>
+              <a:rPr lang="en-US" sz="1600" dirty="0" smtClean="0">
+                <a:latin typeface="Courier New" panose="02070309020205020404" pitchFamily="49" charset="0"/>
+                <a:cs typeface="Courier New" panose="02070309020205020404" pitchFamily="49" charset="0"/>
+              </a:rPr>
+              <a:t>	</a:t>
+            </a:r>
+            <a:r>
+              <a:rPr lang="en-US" sz="1600" dirty="0" err="1" smtClean="0">
+                <a:latin typeface="Courier New" panose="02070309020205020404" pitchFamily="49" charset="0"/>
+                <a:cs typeface="Courier New" panose="02070309020205020404" pitchFamily="49" charset="0"/>
+              </a:rPr>
+              <a:t>above_hyst</a:t>
+            </a:r>
+            <a:r>
+              <a:rPr lang="en-US" sz="1600" dirty="0" smtClean="0">
+                <a:latin typeface="Courier New" panose="02070309020205020404" pitchFamily="49" charset="0"/>
+                <a:cs typeface="Courier New" panose="02070309020205020404" pitchFamily="49" charset="0"/>
+              </a:rPr>
+              <a:t> </a:t>
+            </a:r>
+            <a:r>
+              <a:rPr lang="en-US" sz="1600" dirty="0">
+                <a:latin typeface="Courier New" panose="02070309020205020404" pitchFamily="49" charset="0"/>
+                <a:cs typeface="Courier New" panose="02070309020205020404" pitchFamily="49" charset="0"/>
+              </a:rPr>
+              <a:t>= a1_above </a:t>
+            </a:r>
+            <a:r>
+              <a:rPr lang="en-US" sz="1600" b="1" dirty="0">
+                <a:latin typeface="Courier New" panose="02070309020205020404" pitchFamily="49" charset="0"/>
+                <a:cs typeface="Courier New" panose="02070309020205020404" pitchFamily="49" charset="0"/>
+              </a:rPr>
+              <a:t>and</a:t>
+            </a:r>
+            <a:r>
+              <a:rPr lang="en-US" sz="1600" dirty="0">
+                <a:latin typeface="Courier New" panose="02070309020205020404" pitchFamily="49" charset="0"/>
+                <a:cs typeface="Courier New" panose="02070309020205020404" pitchFamily="49" charset="0"/>
+              </a:rPr>
+              <a:t> a2_above; </a:t>
+            </a:r>
+            <a:r>
+              <a:rPr lang="en-US" sz="1600" dirty="0" smtClean="0">
+                <a:latin typeface="Courier New" panose="02070309020205020404" pitchFamily="49" charset="0"/>
+                <a:cs typeface="Courier New" panose="02070309020205020404" pitchFamily="49" charset="0"/>
+              </a:rPr>
+              <a:t>   // </a:t>
+            </a:r>
+            <a:r>
+              <a:rPr lang="en-US" sz="1600" dirty="0">
+                <a:latin typeface="Courier New" panose="02070309020205020404" pitchFamily="49" charset="0"/>
+                <a:cs typeface="Courier New" panose="02070309020205020404" pitchFamily="49" charset="0"/>
+              </a:rPr>
+              <a:t>(6)</a:t>
+            </a:r>
+          </a:p>
+          <a:p>
+            <a:pPr marL="0" indent="0">
+              <a:buNone/>
+            </a:pPr>
+            <a:r>
+              <a:rPr lang="en-US" sz="1600" dirty="0" smtClean="0">
+                <a:latin typeface="Courier New" panose="02070309020205020404" pitchFamily="49" charset="0"/>
+                <a:cs typeface="Courier New" panose="02070309020205020404" pitchFamily="49" charset="0"/>
+              </a:rPr>
+              <a:t>	</a:t>
+            </a:r>
+            <a:r>
+              <a:rPr lang="en-US" sz="1600" dirty="0" err="1" smtClean="0">
+                <a:latin typeface="Courier New" panose="02070309020205020404" pitchFamily="49" charset="0"/>
+                <a:cs typeface="Courier New" panose="02070309020205020404" pitchFamily="49" charset="0"/>
+              </a:rPr>
+              <a:t>doi_on</a:t>
+            </a:r>
+            <a:r>
+              <a:rPr lang="en-US" sz="1600" dirty="0" smtClean="0">
+                <a:latin typeface="Courier New" panose="02070309020205020404" pitchFamily="49" charset="0"/>
+                <a:cs typeface="Courier New" panose="02070309020205020404" pitchFamily="49" charset="0"/>
+              </a:rPr>
+              <a:t> </a:t>
+            </a:r>
+            <a:r>
+              <a:rPr lang="en-US" sz="1600" dirty="0">
+                <a:latin typeface="Courier New" panose="02070309020205020404" pitchFamily="49" charset="0"/>
+                <a:cs typeface="Courier New" panose="02070309020205020404" pitchFamily="49" charset="0"/>
+              </a:rPr>
+              <a:t>= </a:t>
+            </a:r>
+            <a:r>
+              <a:rPr lang="en-US" sz="1600" b="1" dirty="0">
+                <a:latin typeface="Courier New" panose="02070309020205020404" pitchFamily="49" charset="0"/>
+                <a:cs typeface="Courier New" panose="02070309020205020404" pitchFamily="49" charset="0"/>
+              </a:rPr>
+              <a:t>if</a:t>
+            </a:r>
+            <a:r>
+              <a:rPr lang="en-US" sz="1600" dirty="0">
+                <a:latin typeface="Courier New" panose="02070309020205020404" pitchFamily="49" charset="0"/>
+                <a:cs typeface="Courier New" panose="02070309020205020404" pitchFamily="49" charset="0"/>
+              </a:rPr>
+              <a:t> (below </a:t>
+            </a:r>
+            <a:r>
+              <a:rPr lang="en-US" sz="1600" b="1" dirty="0">
+                <a:latin typeface="Courier New" panose="02070309020205020404" pitchFamily="49" charset="0"/>
+                <a:cs typeface="Courier New" panose="02070309020205020404" pitchFamily="49" charset="0"/>
+              </a:rPr>
+              <a:t>and</a:t>
+            </a:r>
+            <a:r>
+              <a:rPr lang="en-US" sz="1600" dirty="0">
+                <a:latin typeface="Courier New" panose="02070309020205020404" pitchFamily="49" charset="0"/>
+                <a:cs typeface="Courier New" panose="02070309020205020404" pitchFamily="49" charset="0"/>
+              </a:rPr>
+              <a:t> </a:t>
+            </a:r>
+            <a:r>
+              <a:rPr lang="en-US" sz="1600" b="1" dirty="0">
+                <a:latin typeface="Courier New" panose="02070309020205020404" pitchFamily="49" charset="0"/>
+                <a:cs typeface="Courier New" panose="02070309020205020404" pitchFamily="49" charset="0"/>
+              </a:rPr>
+              <a:t>not</a:t>
+            </a:r>
+            <a:r>
+              <a:rPr lang="en-US" sz="1600" dirty="0">
+                <a:latin typeface="Courier New" panose="02070309020205020404" pitchFamily="49" charset="0"/>
+                <a:cs typeface="Courier New" panose="02070309020205020404" pitchFamily="49" charset="0"/>
+              </a:rPr>
+              <a:t> inhibit) </a:t>
+            </a:r>
+            <a:r>
+              <a:rPr lang="en-US" sz="1600" dirty="0" smtClean="0">
+                <a:latin typeface="Courier New" panose="02070309020205020404" pitchFamily="49" charset="0"/>
+                <a:cs typeface="Courier New" panose="02070309020205020404" pitchFamily="49" charset="0"/>
+              </a:rPr>
+              <a:t>   // </a:t>
+            </a:r>
+            <a:r>
+              <a:rPr lang="en-US" sz="1600" dirty="0">
+                <a:latin typeface="Courier New" panose="02070309020205020404" pitchFamily="49" charset="0"/>
+                <a:cs typeface="Courier New" panose="02070309020205020404" pitchFamily="49" charset="0"/>
+              </a:rPr>
+              <a:t>(7)</a:t>
+            </a:r>
+          </a:p>
+          <a:p>
+            <a:pPr marL="0" indent="0">
+              <a:buNone/>
+            </a:pPr>
+            <a:r>
+              <a:rPr lang="en-US" sz="1600" dirty="0" smtClean="0">
+                <a:latin typeface="Courier New" panose="02070309020205020404" pitchFamily="49" charset="0"/>
+                <a:cs typeface="Courier New" panose="02070309020205020404" pitchFamily="49" charset="0"/>
+              </a:rPr>
+              <a:t>		 </a:t>
+            </a:r>
+            <a:r>
+              <a:rPr lang="en-US" sz="1600" dirty="0" smtClean="0">
+                <a:latin typeface="Courier New" panose="02070309020205020404" pitchFamily="49" charset="0"/>
+                <a:cs typeface="Courier New" panose="02070309020205020404" pitchFamily="49" charset="0"/>
+              </a:rPr>
+              <a:t> </a:t>
+            </a:r>
+            <a:r>
+              <a:rPr lang="en-US" sz="1600" b="1" dirty="0" smtClean="0">
+                <a:latin typeface="Courier New" panose="02070309020205020404" pitchFamily="49" charset="0"/>
+                <a:cs typeface="Courier New" panose="02070309020205020404" pitchFamily="49" charset="0"/>
+              </a:rPr>
+              <a:t>t</a:t>
+            </a:r>
+            <a:r>
+              <a:rPr lang="en-US" sz="1600" b="1" dirty="0" smtClean="0">
+                <a:latin typeface="Courier New" panose="02070309020205020404" pitchFamily="49" charset="0"/>
+                <a:cs typeface="Courier New" panose="02070309020205020404" pitchFamily="49" charset="0"/>
+              </a:rPr>
+              <a:t>hen</a:t>
+            </a:r>
+            <a:r>
+              <a:rPr lang="en-US" sz="1600" dirty="0" smtClean="0">
+                <a:latin typeface="Courier New" panose="02070309020205020404" pitchFamily="49" charset="0"/>
+                <a:cs typeface="Courier New" panose="02070309020205020404" pitchFamily="49" charset="0"/>
+              </a:rPr>
+              <a:t> </a:t>
+            </a:r>
+            <a:r>
+              <a:rPr lang="en-US" sz="1600" i="1" dirty="0">
+                <a:latin typeface="Courier New" panose="02070309020205020404" pitchFamily="49" charset="0"/>
+                <a:cs typeface="Courier New" panose="02070309020205020404" pitchFamily="49" charset="0"/>
+              </a:rPr>
+              <a:t>true</a:t>
+            </a:r>
+            <a:r>
+              <a:rPr lang="en-US" sz="1600" dirty="0">
+                <a:latin typeface="Courier New" panose="02070309020205020404" pitchFamily="49" charset="0"/>
+                <a:cs typeface="Courier New" panose="02070309020205020404" pitchFamily="49" charset="0"/>
+              </a:rPr>
+              <a:t> </a:t>
+            </a:r>
+            <a:r>
+              <a:rPr lang="en-US" sz="1600" b="1" dirty="0">
+                <a:latin typeface="Courier New" panose="02070309020205020404" pitchFamily="49" charset="0"/>
+                <a:cs typeface="Courier New" panose="02070309020205020404" pitchFamily="49" charset="0"/>
+              </a:rPr>
+              <a:t>else</a:t>
+            </a:r>
+            <a:r>
+              <a:rPr lang="en-US" sz="1600" dirty="0">
+                <a:latin typeface="Courier New" panose="02070309020205020404" pitchFamily="49" charset="0"/>
+                <a:cs typeface="Courier New" panose="02070309020205020404" pitchFamily="49" charset="0"/>
+              </a:rPr>
+              <a:t> d1;</a:t>
+            </a:r>
+          </a:p>
+          <a:p>
+            <a:pPr marL="0" indent="0">
+              <a:buNone/>
+            </a:pPr>
+            <a:r>
+              <a:rPr lang="en-US" sz="1600" dirty="0" smtClean="0">
+                <a:latin typeface="Courier New" panose="02070309020205020404" pitchFamily="49" charset="0"/>
+                <a:cs typeface="Courier New" panose="02070309020205020404" pitchFamily="49" charset="0"/>
+              </a:rPr>
+              <a:t>	d1 </a:t>
+            </a:r>
+            <a:r>
+              <a:rPr lang="en-US" sz="1600" dirty="0">
+                <a:latin typeface="Courier New" panose="02070309020205020404" pitchFamily="49" charset="0"/>
+                <a:cs typeface="Courier New" panose="02070309020205020404" pitchFamily="49" charset="0"/>
+              </a:rPr>
+              <a:t>= </a:t>
+            </a:r>
+            <a:r>
+              <a:rPr lang="en-US" sz="1600" b="1" dirty="0">
+                <a:latin typeface="Courier New" panose="02070309020205020404" pitchFamily="49" charset="0"/>
+                <a:cs typeface="Courier New" panose="02070309020205020404" pitchFamily="49" charset="0"/>
+              </a:rPr>
+              <a:t>if</a:t>
+            </a:r>
+            <a:r>
+              <a:rPr lang="en-US" sz="1600" dirty="0">
+                <a:latin typeface="Courier New" panose="02070309020205020404" pitchFamily="49" charset="0"/>
+                <a:cs typeface="Courier New" panose="02070309020205020404" pitchFamily="49" charset="0"/>
+              </a:rPr>
+              <a:t> (inhibit </a:t>
+            </a:r>
+            <a:r>
+              <a:rPr lang="en-US" sz="1600" b="1" dirty="0">
+                <a:latin typeface="Courier New" panose="02070309020205020404" pitchFamily="49" charset="0"/>
+                <a:cs typeface="Courier New" panose="02070309020205020404" pitchFamily="49" charset="0"/>
+              </a:rPr>
+              <a:t>or</a:t>
+            </a:r>
+            <a:r>
+              <a:rPr lang="en-US" sz="1600" dirty="0">
+                <a:latin typeface="Courier New" panose="02070309020205020404" pitchFamily="49" charset="0"/>
+                <a:cs typeface="Courier New" panose="02070309020205020404" pitchFamily="49" charset="0"/>
+              </a:rPr>
+              <a:t> </a:t>
+            </a:r>
+            <a:r>
+              <a:rPr lang="en-US" sz="1600" dirty="0" err="1">
+                <a:latin typeface="Courier New" panose="02070309020205020404" pitchFamily="49" charset="0"/>
+                <a:cs typeface="Courier New" panose="02070309020205020404" pitchFamily="49" charset="0"/>
+              </a:rPr>
+              <a:t>above_hyst</a:t>
+            </a:r>
+            <a:r>
+              <a:rPr lang="en-US" sz="1600" dirty="0">
+                <a:latin typeface="Courier New" panose="02070309020205020404" pitchFamily="49" charset="0"/>
+                <a:cs typeface="Courier New" panose="02070309020205020404" pitchFamily="49" charset="0"/>
+              </a:rPr>
+              <a:t>) </a:t>
+            </a:r>
+            <a:r>
+              <a:rPr lang="en-US" sz="1600" dirty="0" smtClean="0">
+                <a:latin typeface="Courier New" panose="02070309020205020404" pitchFamily="49" charset="0"/>
+                <a:cs typeface="Courier New" panose="02070309020205020404" pitchFamily="49" charset="0"/>
+              </a:rPr>
+              <a:t>       // </a:t>
+            </a:r>
+            <a:r>
+              <a:rPr lang="en-US" sz="1600" dirty="0">
+                <a:latin typeface="Courier New" panose="02070309020205020404" pitchFamily="49" charset="0"/>
+                <a:cs typeface="Courier New" panose="02070309020205020404" pitchFamily="49" charset="0"/>
+              </a:rPr>
+              <a:t>(8)</a:t>
+            </a:r>
+          </a:p>
+          <a:p>
+            <a:pPr marL="0" indent="0">
+              <a:buNone/>
+            </a:pPr>
+            <a:r>
+              <a:rPr lang="en-US" sz="1600" dirty="0" smtClean="0">
+                <a:latin typeface="Courier New" panose="02070309020205020404" pitchFamily="49" charset="0"/>
+                <a:cs typeface="Courier New" panose="02070309020205020404" pitchFamily="49" charset="0"/>
+              </a:rPr>
+              <a:t>	     </a:t>
+            </a:r>
+            <a:r>
+              <a:rPr lang="en-US" sz="1600" b="1" dirty="0" smtClean="0">
+                <a:latin typeface="Courier New" panose="02070309020205020404" pitchFamily="49" charset="0"/>
+                <a:cs typeface="Courier New" panose="02070309020205020404" pitchFamily="49" charset="0"/>
+              </a:rPr>
+              <a:t>then</a:t>
+            </a:r>
+            <a:r>
+              <a:rPr lang="en-US" sz="1600" dirty="0" smtClean="0">
+                <a:latin typeface="Courier New" panose="02070309020205020404" pitchFamily="49" charset="0"/>
+                <a:cs typeface="Courier New" panose="02070309020205020404" pitchFamily="49" charset="0"/>
+              </a:rPr>
+              <a:t> </a:t>
+            </a:r>
+            <a:r>
+              <a:rPr lang="en-US" sz="1600" i="1" dirty="0">
+                <a:latin typeface="Courier New" panose="02070309020205020404" pitchFamily="49" charset="0"/>
+                <a:cs typeface="Courier New" panose="02070309020205020404" pitchFamily="49" charset="0"/>
+              </a:rPr>
+              <a:t>false</a:t>
+            </a:r>
+            <a:r>
+              <a:rPr lang="en-US" sz="1600" dirty="0">
+                <a:latin typeface="Courier New" panose="02070309020205020404" pitchFamily="49" charset="0"/>
+                <a:cs typeface="Courier New" panose="02070309020205020404" pitchFamily="49" charset="0"/>
+              </a:rPr>
+              <a:t> </a:t>
+            </a:r>
+            <a:r>
+              <a:rPr lang="en-US" sz="1600" b="1" dirty="0">
+                <a:latin typeface="Courier New" panose="02070309020205020404" pitchFamily="49" charset="0"/>
+                <a:cs typeface="Courier New" panose="02070309020205020404" pitchFamily="49" charset="0"/>
+              </a:rPr>
+              <a:t>else</a:t>
+            </a:r>
+            <a:r>
+              <a:rPr lang="en-US" sz="1600" dirty="0">
+                <a:latin typeface="Courier New" panose="02070309020205020404" pitchFamily="49" charset="0"/>
+                <a:cs typeface="Courier New" panose="02070309020205020404" pitchFamily="49" charset="0"/>
+              </a:rPr>
+              <a:t> d2;</a:t>
+            </a:r>
+          </a:p>
+          <a:p>
+            <a:pPr marL="0" indent="0">
+              <a:buNone/>
+            </a:pPr>
+            <a:r>
+              <a:rPr lang="en-US" sz="1600" dirty="0" smtClean="0">
+                <a:latin typeface="Courier New" panose="02070309020205020404" pitchFamily="49" charset="0"/>
+                <a:cs typeface="Courier New" panose="02070309020205020404" pitchFamily="49" charset="0"/>
+              </a:rPr>
+              <a:t>	d2 </a:t>
+            </a:r>
+            <a:r>
+              <a:rPr lang="en-US" sz="1600" dirty="0">
+                <a:latin typeface="Courier New" panose="02070309020205020404" pitchFamily="49" charset="0"/>
+                <a:cs typeface="Courier New" panose="02070309020205020404" pitchFamily="49" charset="0"/>
+              </a:rPr>
+              <a:t>= (</a:t>
+            </a:r>
+            <a:r>
+              <a:rPr lang="en-US" sz="1600" i="1" dirty="0">
+                <a:latin typeface="Courier New" panose="02070309020205020404" pitchFamily="49" charset="0"/>
+                <a:cs typeface="Courier New" panose="02070309020205020404" pitchFamily="49" charset="0"/>
+              </a:rPr>
+              <a:t>false</a:t>
+            </a:r>
+            <a:r>
+              <a:rPr lang="en-US" sz="1600" dirty="0">
+                <a:latin typeface="Courier New" panose="02070309020205020404" pitchFamily="49" charset="0"/>
+                <a:cs typeface="Courier New" panose="02070309020205020404" pitchFamily="49" charset="0"/>
+              </a:rPr>
+              <a:t> </a:t>
+            </a:r>
+            <a:r>
+              <a:rPr lang="en-US" sz="1600" b="1" dirty="0">
+                <a:latin typeface="Courier New" panose="02070309020205020404" pitchFamily="49" charset="0"/>
+                <a:cs typeface="Courier New" panose="02070309020205020404" pitchFamily="49" charset="0"/>
+              </a:rPr>
+              <a:t>-&gt;</a:t>
+            </a:r>
+            <a:r>
+              <a:rPr lang="en-US" sz="1600" dirty="0">
+                <a:latin typeface="Courier New" panose="02070309020205020404" pitchFamily="49" charset="0"/>
+                <a:cs typeface="Courier New" panose="02070309020205020404" pitchFamily="49" charset="0"/>
+              </a:rPr>
+              <a:t> </a:t>
+            </a:r>
+            <a:r>
+              <a:rPr lang="en-US" sz="1600" i="1" dirty="0">
+                <a:latin typeface="Courier New" panose="02070309020205020404" pitchFamily="49" charset="0"/>
+                <a:cs typeface="Courier New" panose="02070309020205020404" pitchFamily="49" charset="0"/>
+              </a:rPr>
+              <a:t>pre</a:t>
+            </a:r>
+            <a:r>
+              <a:rPr lang="en-US" sz="1600" dirty="0">
+                <a:latin typeface="Courier New" panose="02070309020205020404" pitchFamily="49" charset="0"/>
+                <a:cs typeface="Courier New" panose="02070309020205020404" pitchFamily="49" charset="0"/>
+              </a:rPr>
+              <a:t>(</a:t>
+            </a:r>
+            <a:r>
+              <a:rPr lang="en-US" sz="1600" dirty="0" err="1">
+                <a:latin typeface="Courier New" panose="02070309020205020404" pitchFamily="49" charset="0"/>
+                <a:cs typeface="Courier New" panose="02070309020205020404" pitchFamily="49" charset="0"/>
+              </a:rPr>
+              <a:t>doi_on</a:t>
+            </a:r>
+            <a:r>
+              <a:rPr lang="en-US" sz="1600" dirty="0">
+                <a:latin typeface="Courier New" panose="02070309020205020404" pitchFamily="49" charset="0"/>
+                <a:cs typeface="Courier New" panose="02070309020205020404" pitchFamily="49" charset="0"/>
+              </a:rPr>
+              <a:t>)); </a:t>
+            </a:r>
+            <a:r>
+              <a:rPr lang="en-US" sz="1600" dirty="0" smtClean="0">
+                <a:latin typeface="Courier New" panose="02070309020205020404" pitchFamily="49" charset="0"/>
+                <a:cs typeface="Courier New" panose="02070309020205020404" pitchFamily="49" charset="0"/>
+              </a:rPr>
+              <a:t>          // </a:t>
+            </a:r>
+            <a:r>
+              <a:rPr lang="en-US" sz="1600" dirty="0">
+                <a:latin typeface="Courier New" panose="02070309020205020404" pitchFamily="49" charset="0"/>
+                <a:cs typeface="Courier New" panose="02070309020205020404" pitchFamily="49" charset="0"/>
+              </a:rPr>
+              <a:t>(9)</a:t>
+            </a:r>
+          </a:p>
+          <a:p>
+            <a:pPr marL="0" indent="0">
+              <a:buNone/>
+            </a:pPr>
+            <a:r>
+              <a:rPr lang="en-US" sz="1600" dirty="0">
+                <a:latin typeface="Courier New" panose="02070309020205020404" pitchFamily="49" charset="0"/>
+                <a:cs typeface="Courier New" panose="02070309020205020404" pitchFamily="49" charset="0"/>
+              </a:rPr>
+              <a:t> </a:t>
+            </a:r>
+            <a:r>
+              <a:rPr lang="en-US" sz="1600" dirty="0" smtClean="0">
+                <a:latin typeface="Courier New" panose="02070309020205020404" pitchFamily="49" charset="0"/>
+                <a:cs typeface="Courier New" panose="02070309020205020404" pitchFamily="49" charset="0"/>
+              </a:rPr>
+              <a:t>    </a:t>
+            </a:r>
+            <a:r>
+              <a:rPr lang="en-US" sz="1600" b="1" dirty="0" err="1" smtClean="0">
+                <a:latin typeface="Courier New" panose="02070309020205020404" pitchFamily="49" charset="0"/>
+                <a:cs typeface="Courier New" panose="02070309020205020404" pitchFamily="49" charset="0"/>
+              </a:rPr>
+              <a:t>tel</a:t>
+            </a:r>
+            <a:r>
+              <a:rPr lang="en-US" sz="1600" dirty="0">
+                <a:latin typeface="Courier New" panose="02070309020205020404" pitchFamily="49" charset="0"/>
+                <a:cs typeface="Courier New" panose="02070309020205020404" pitchFamily="49" charset="0"/>
+              </a:rPr>
+              <a:t>;</a:t>
+            </a:r>
+          </a:p>
+        </p:txBody>
+      </p:sp>
+    </p:spTree>
+    <p:extLst>
+      <p:ext uri="{BB962C8B-B14F-4D97-AF65-F5344CB8AC3E}">
+        <p14:creationId xmlns:p14="http://schemas.microsoft.com/office/powerpoint/2010/main" val="2384783780"/>
+      </p:ext>
+    </p:extLst>
+  </p:cSld>
+  <p:clrMapOvr>
+    <a:masterClrMapping/>
+  </p:clrMapOvr>
+</p:sld>
+</file>
+
+<file path=ppt/slides/slide4.xml><?xml version="1.0" encoding="utf-8"?>
 <p:sld xmlns:a="http://schemas.openxmlformats.org/drawingml/2006/main" xmlns:r="http://schemas.openxmlformats.org/officeDocument/2006/relationships" xmlns:p="http://schemas.openxmlformats.org/presentationml/2006/main">
   <p:cSld>
     <p:spTree>
@@ -5803,7 +6809,7 @@
 </p:sld>
 </file>
 
-<file path=ppt/slides/slide4.xml><?xml version="1.0" encoding="utf-8"?>
+<file path=ppt/slides/slide5.xml><?xml version="1.0" encoding="utf-8"?>
 <p:sld xmlns:a="http://schemas.openxmlformats.org/drawingml/2006/main" xmlns:r="http://schemas.openxmlformats.org/officeDocument/2006/relationships" xmlns:p="http://schemas.openxmlformats.org/presentationml/2006/main">
   <p:cSld>
     <p:spTree>

--- a/completeness/completeness_TEX/figs/figs.pptx
+++ b/completeness/completeness_TEX/figs/figs.pptx
@@ -247,7 +247,7 @@
           <a:p>
             <a:fld id="{5A779009-EA30-43A9-A43B-F006CC3D9B84}" type="datetimeFigureOut">
               <a:rPr lang="en-US" smtClean="0"/>
-              <a:t>1/22/2017</a:t>
+              <a:t>2/2/2017</a:t>
             </a:fld>
             <a:endParaRPr lang="en-US"/>
           </a:p>
@@ -417,7 +417,7 @@
           <a:p>
             <a:fld id="{5A779009-EA30-43A9-A43B-F006CC3D9B84}" type="datetimeFigureOut">
               <a:rPr lang="en-US" smtClean="0"/>
-              <a:t>1/22/2017</a:t>
+              <a:t>2/2/2017</a:t>
             </a:fld>
             <a:endParaRPr lang="en-US"/>
           </a:p>
@@ -597,7 +597,7 @@
           <a:p>
             <a:fld id="{5A779009-EA30-43A9-A43B-F006CC3D9B84}" type="datetimeFigureOut">
               <a:rPr lang="en-US" smtClean="0"/>
-              <a:t>1/22/2017</a:t>
+              <a:t>2/2/2017</a:t>
             </a:fld>
             <a:endParaRPr lang="en-US"/>
           </a:p>
@@ -767,7 +767,7 @@
           <a:p>
             <a:fld id="{5A779009-EA30-43A9-A43B-F006CC3D9B84}" type="datetimeFigureOut">
               <a:rPr lang="en-US" smtClean="0"/>
-              <a:t>1/22/2017</a:t>
+              <a:t>2/2/2017</a:t>
             </a:fld>
             <a:endParaRPr lang="en-US"/>
           </a:p>
@@ -1013,7 +1013,7 @@
           <a:p>
             <a:fld id="{5A779009-EA30-43A9-A43B-F006CC3D9B84}" type="datetimeFigureOut">
               <a:rPr lang="en-US" smtClean="0"/>
-              <a:t>1/22/2017</a:t>
+              <a:t>2/2/2017</a:t>
             </a:fld>
             <a:endParaRPr lang="en-US"/>
           </a:p>
@@ -1245,7 +1245,7 @@
           <a:p>
             <a:fld id="{5A779009-EA30-43A9-A43B-F006CC3D9B84}" type="datetimeFigureOut">
               <a:rPr lang="en-US" smtClean="0"/>
-              <a:t>1/22/2017</a:t>
+              <a:t>2/2/2017</a:t>
             </a:fld>
             <a:endParaRPr lang="en-US"/>
           </a:p>
@@ -1612,7 +1612,7 @@
           <a:p>
             <a:fld id="{5A779009-EA30-43A9-A43B-F006CC3D9B84}" type="datetimeFigureOut">
               <a:rPr lang="en-US" smtClean="0"/>
-              <a:t>1/22/2017</a:t>
+              <a:t>2/2/2017</a:t>
             </a:fld>
             <a:endParaRPr lang="en-US"/>
           </a:p>
@@ -1730,7 +1730,7 @@
           <a:p>
             <a:fld id="{5A779009-EA30-43A9-A43B-F006CC3D9B84}" type="datetimeFigureOut">
               <a:rPr lang="en-US" smtClean="0"/>
-              <a:t>1/22/2017</a:t>
+              <a:t>2/2/2017</a:t>
             </a:fld>
             <a:endParaRPr lang="en-US"/>
           </a:p>
@@ -1825,7 +1825,7 @@
           <a:p>
             <a:fld id="{5A779009-EA30-43A9-A43B-F006CC3D9B84}" type="datetimeFigureOut">
               <a:rPr lang="en-US" smtClean="0"/>
-              <a:t>1/22/2017</a:t>
+              <a:t>2/2/2017</a:t>
             </a:fld>
             <a:endParaRPr lang="en-US"/>
           </a:p>
@@ -2102,7 +2102,7 @@
           <a:p>
             <a:fld id="{5A779009-EA30-43A9-A43B-F006CC3D9B84}" type="datetimeFigureOut">
               <a:rPr lang="en-US" smtClean="0"/>
-              <a:t>1/22/2017</a:t>
+              <a:t>2/2/2017</a:t>
             </a:fld>
             <a:endParaRPr lang="en-US"/>
           </a:p>
@@ -2355,7 +2355,7 @@
           <a:p>
             <a:fld id="{5A779009-EA30-43A9-A43B-F006CC3D9B84}" type="datetimeFigureOut">
               <a:rPr lang="en-US" smtClean="0"/>
-              <a:t>1/22/2017</a:t>
+              <a:t>2/2/2017</a:t>
             </a:fld>
             <a:endParaRPr lang="en-US"/>
           </a:p>
@@ -2568,7 +2568,7 @@
           <a:p>
             <a:fld id="{5A779009-EA30-43A9-A43B-F006CC3D9B84}" type="datetimeFigureOut">
               <a:rPr lang="en-US" smtClean="0"/>
-              <a:t>1/22/2017</a:t>
+              <a:t>2/2/2017</a:t>
             </a:fld>
             <a:endParaRPr lang="en-US"/>
           </a:p>
@@ -4321,8 +4321,8 @@
         </p:nvSpPr>
         <p:spPr>
           <a:xfrm>
-            <a:off x="838200" y="577970"/>
-            <a:ext cx="6640902" cy="6219645"/>
+            <a:off x="2114910" y="155276"/>
+            <a:ext cx="5636226" cy="7502824"/>
           </a:xfrm>
         </p:spPr>
         <p:txBody>
@@ -4332,170 +4332,196 @@
           <a:lstStyle/>
           <a:p>
             <a:pPr marL="0" indent="0">
+              <a:lnSpc>
+                <a:spcPct val="120000"/>
+              </a:lnSpc>
               <a:buNone/>
             </a:pPr>
             <a:r>
+              <a:rPr lang="en-US" sz="1600" b="1" dirty="0" smtClean="0">
+                <a:latin typeface="Consolas" panose="020B0609020204030204" pitchFamily="49" charset="0"/>
+                <a:cs typeface="Courier New" panose="02070309020205020404" pitchFamily="49" charset="0"/>
+              </a:rPr>
+              <a:t>  node</a:t>
+            </a:r>
+            <a:r>
+              <a:rPr lang="en-US" sz="1600" dirty="0" smtClean="0">
+                <a:latin typeface="Consolas" panose="020B0609020204030204" pitchFamily="49" charset="0"/>
+                <a:cs typeface="Courier New" panose="02070309020205020404" pitchFamily="49" charset="0"/>
+              </a:rPr>
+              <a:t> </a:t>
+            </a:r>
+            <a:r>
+              <a:rPr lang="en-US" sz="1600" dirty="0" err="1">
+                <a:latin typeface="Consolas" panose="020B0609020204030204" pitchFamily="49" charset="0"/>
+                <a:cs typeface="Courier New" panose="02070309020205020404" pitchFamily="49" charset="0"/>
+              </a:rPr>
+              <a:t>asw</a:t>
+            </a:r>
+            <a:r>
+              <a:rPr lang="en-US" sz="1600" dirty="0">
+                <a:latin typeface="Consolas" panose="020B0609020204030204" pitchFamily="49" charset="0"/>
+                <a:cs typeface="Courier New" panose="02070309020205020404" pitchFamily="49" charset="0"/>
+              </a:rPr>
+              <a:t>(alt1, alt2: </a:t>
+            </a:r>
+            <a:r>
+              <a:rPr lang="en-US" sz="1600" b="1" dirty="0" err="1">
+                <a:latin typeface="Consolas" panose="020B0609020204030204" pitchFamily="49" charset="0"/>
+                <a:cs typeface="Courier New" panose="02070309020205020404" pitchFamily="49" charset="0"/>
+              </a:rPr>
+              <a:t>int</a:t>
+            </a:r>
+            <a:r>
+              <a:rPr lang="en-US" sz="1600" dirty="0">
+                <a:latin typeface="Consolas" panose="020B0609020204030204" pitchFamily="49" charset="0"/>
+                <a:cs typeface="Courier New" panose="02070309020205020404" pitchFamily="49" charset="0"/>
+              </a:rPr>
+              <a:t>; inhibit: </a:t>
+            </a:r>
+            <a:r>
               <a:rPr lang="en-US" sz="1600" b="1" dirty="0">
-                <a:latin typeface="Courier New" panose="02070309020205020404" pitchFamily="49" charset="0"/>
-                <a:cs typeface="Courier New" panose="02070309020205020404" pitchFamily="49" charset="0"/>
-              </a:rPr>
-              <a:t>node</a:t>
+                <a:latin typeface="Consolas" panose="020B0609020204030204" pitchFamily="49" charset="0"/>
+                <a:cs typeface="Courier New" panose="02070309020205020404" pitchFamily="49" charset="0"/>
+              </a:rPr>
+              <a:t>bool</a:t>
             </a:r>
             <a:r>
               <a:rPr lang="en-US" sz="1600" dirty="0">
-                <a:latin typeface="Courier New" panose="02070309020205020404" pitchFamily="49" charset="0"/>
+                <a:latin typeface="Consolas" panose="020B0609020204030204" pitchFamily="49" charset="0"/>
+                <a:cs typeface="Courier New" panose="02070309020205020404" pitchFamily="49" charset="0"/>
+              </a:rPr>
+              <a:t>)</a:t>
+            </a:r>
+          </a:p>
+          <a:p>
+            <a:pPr marL="0" indent="0">
+              <a:lnSpc>
+                <a:spcPct val="120000"/>
+              </a:lnSpc>
+              <a:buNone/>
+            </a:pPr>
+            <a:r>
+              <a:rPr lang="en-US" sz="1600" dirty="0">
+                <a:latin typeface="Consolas" panose="020B0609020204030204" pitchFamily="49" charset="0"/>
                 <a:cs typeface="Courier New" panose="02070309020205020404" pitchFamily="49" charset="0"/>
               </a:rPr>
               <a:t> </a:t>
             </a:r>
             <a:r>
+              <a:rPr lang="en-US" sz="1600" dirty="0" smtClean="0">
+                <a:latin typeface="Consolas" panose="020B0609020204030204" pitchFamily="49" charset="0"/>
+                <a:cs typeface="Courier New" panose="02070309020205020404" pitchFamily="49" charset="0"/>
+              </a:rPr>
+              <a:t>    </a:t>
+            </a:r>
+            <a:r>
+              <a:rPr lang="en-US" sz="1600" dirty="0" smtClean="0">
+                <a:latin typeface="Consolas" panose="020B0609020204030204" pitchFamily="49" charset="0"/>
+                <a:cs typeface="Courier New" panose="02070309020205020404" pitchFamily="49" charset="0"/>
+              </a:rPr>
+              <a:t>  </a:t>
+            </a:r>
+            <a:r>
+              <a:rPr lang="en-US" sz="1600" b="1" dirty="0" smtClean="0">
+                <a:latin typeface="Consolas" panose="020B0609020204030204" pitchFamily="49" charset="0"/>
+                <a:cs typeface="Courier New" panose="02070309020205020404" pitchFamily="49" charset="0"/>
+              </a:rPr>
+              <a:t>returns</a:t>
+            </a:r>
+            <a:r>
+              <a:rPr lang="en-US" sz="1600" dirty="0" smtClean="0">
+                <a:latin typeface="Consolas" panose="020B0609020204030204" pitchFamily="49" charset="0"/>
+                <a:cs typeface="Courier New" panose="02070309020205020404" pitchFamily="49" charset="0"/>
+              </a:rPr>
+              <a:t> </a:t>
+            </a:r>
+            <a:r>
+              <a:rPr lang="en-US" sz="1600" dirty="0">
+                <a:latin typeface="Consolas" panose="020B0609020204030204" pitchFamily="49" charset="0"/>
+                <a:cs typeface="Courier New" panose="02070309020205020404" pitchFamily="49" charset="0"/>
+              </a:rPr>
+              <a:t>(</a:t>
+            </a:r>
+            <a:r>
               <a:rPr lang="en-US" sz="1600" dirty="0" err="1">
-                <a:latin typeface="Courier New" panose="02070309020205020404" pitchFamily="49" charset="0"/>
-                <a:cs typeface="Courier New" panose="02070309020205020404" pitchFamily="49" charset="0"/>
-              </a:rPr>
-              <a:t>asw</a:t>
+                <a:latin typeface="Consolas" panose="020B0609020204030204" pitchFamily="49" charset="0"/>
+                <a:cs typeface="Courier New" panose="02070309020205020404" pitchFamily="49" charset="0"/>
+              </a:rPr>
+              <a:t>doi_on</a:t>
             </a:r>
             <a:r>
               <a:rPr lang="en-US" sz="1600" dirty="0">
-                <a:latin typeface="Courier New" panose="02070309020205020404" pitchFamily="49" charset="0"/>
-                <a:cs typeface="Courier New" panose="02070309020205020404" pitchFamily="49" charset="0"/>
-              </a:rPr>
-              <a:t>(alt1, alt2: </a:t>
-            </a:r>
-            <a:r>
-              <a:rPr lang="en-US" sz="1600" b="1" dirty="0" err="1">
-                <a:latin typeface="Courier New" panose="02070309020205020404" pitchFamily="49" charset="0"/>
-                <a:cs typeface="Courier New" panose="02070309020205020404" pitchFamily="49" charset="0"/>
-              </a:rPr>
-              <a:t>int</a:t>
+                <a:latin typeface="Consolas" panose="020B0609020204030204" pitchFamily="49" charset="0"/>
+                <a:cs typeface="Courier New" panose="02070309020205020404" pitchFamily="49" charset="0"/>
+              </a:rPr>
+              <a:t>: </a:t>
+            </a:r>
+            <a:r>
+              <a:rPr lang="en-US" sz="1600" b="1" dirty="0">
+                <a:latin typeface="Consolas" panose="020B0609020204030204" pitchFamily="49" charset="0"/>
+                <a:cs typeface="Courier New" panose="02070309020205020404" pitchFamily="49" charset="0"/>
+              </a:rPr>
+              <a:t>bool</a:t>
             </a:r>
             <a:r>
               <a:rPr lang="en-US" sz="1600" dirty="0">
-                <a:latin typeface="Courier New" panose="02070309020205020404" pitchFamily="49" charset="0"/>
-                <a:cs typeface="Courier New" panose="02070309020205020404" pitchFamily="49" charset="0"/>
-              </a:rPr>
-              <a:t>; inhibit: </a:t>
-            </a:r>
-            <a:r>
-              <a:rPr lang="en-US" sz="1600" b="1" dirty="0">
-                <a:latin typeface="Courier New" panose="02070309020205020404" pitchFamily="49" charset="0"/>
-                <a:cs typeface="Courier New" panose="02070309020205020404" pitchFamily="49" charset="0"/>
-              </a:rPr>
-              <a:t>bool</a:t>
-            </a:r>
-            <a:r>
-              <a:rPr lang="en-US" sz="1600" dirty="0">
-                <a:latin typeface="Courier New" panose="02070309020205020404" pitchFamily="49" charset="0"/>
-                <a:cs typeface="Courier New" panose="02070309020205020404" pitchFamily="49" charset="0"/>
-              </a:rPr>
-              <a:t>)</a:t>
+                <a:latin typeface="Consolas" panose="020B0609020204030204" pitchFamily="49" charset="0"/>
+                <a:cs typeface="Courier New" panose="02070309020205020404" pitchFamily="49" charset="0"/>
+              </a:rPr>
+              <a:t>);</a:t>
             </a:r>
           </a:p>
           <a:p>
             <a:pPr marL="0" indent="0">
+              <a:lnSpc>
+                <a:spcPct val="120000"/>
+              </a:lnSpc>
               <a:buNone/>
             </a:pPr>
             <a:r>
-              <a:rPr lang="en-US" sz="1600" dirty="0">
-                <a:latin typeface="Courier New" panose="02070309020205020404" pitchFamily="49" charset="0"/>
-                <a:cs typeface="Courier New" panose="02070309020205020404" pitchFamily="49" charset="0"/>
-              </a:rPr>
-              <a:t> </a:t>
-            </a:r>
-            <a:r>
               <a:rPr lang="en-US" sz="1600" dirty="0" smtClean="0">
-                <a:latin typeface="Courier New" panose="02070309020205020404" pitchFamily="49" charset="0"/>
-                <a:cs typeface="Courier New" panose="02070309020205020404" pitchFamily="49" charset="0"/>
-              </a:rPr>
-              <a:t>    </a:t>
-            </a:r>
-            <a:r>
-              <a:rPr lang="en-US" sz="1600" b="1" dirty="0" smtClean="0">
-                <a:latin typeface="Courier New" panose="02070309020205020404" pitchFamily="49" charset="0"/>
-                <a:cs typeface="Courier New" panose="02070309020205020404" pitchFamily="49" charset="0"/>
-              </a:rPr>
-              <a:t>returns</a:t>
-            </a:r>
-            <a:r>
-              <a:rPr lang="en-US" sz="1600" dirty="0" smtClean="0">
-                <a:latin typeface="Courier New" panose="02070309020205020404" pitchFamily="49" charset="0"/>
-                <a:cs typeface="Courier New" panose="02070309020205020404" pitchFamily="49" charset="0"/>
-              </a:rPr>
-              <a:t> </a:t>
-            </a:r>
-            <a:r>
-              <a:rPr lang="en-US" sz="1600" dirty="0">
-                <a:latin typeface="Courier New" panose="02070309020205020404" pitchFamily="49" charset="0"/>
-                <a:cs typeface="Courier New" panose="02070309020205020404" pitchFamily="49" charset="0"/>
-              </a:rPr>
-              <a:t>(</a:t>
-            </a:r>
-            <a:r>
-              <a:rPr lang="en-US" sz="1600" dirty="0" err="1">
-                <a:latin typeface="Courier New" panose="02070309020205020404" pitchFamily="49" charset="0"/>
-                <a:cs typeface="Courier New" panose="02070309020205020404" pitchFamily="49" charset="0"/>
-              </a:rPr>
-              <a:t>doi_on</a:t>
-            </a:r>
-            <a:r>
-              <a:rPr lang="en-US" sz="1600" dirty="0">
-                <a:latin typeface="Courier New" panose="02070309020205020404" pitchFamily="49" charset="0"/>
-                <a:cs typeface="Courier New" panose="02070309020205020404" pitchFamily="49" charset="0"/>
-              </a:rPr>
-              <a:t>: </a:t>
-            </a:r>
-            <a:r>
-              <a:rPr lang="en-US" sz="1600" b="1" dirty="0">
-                <a:latin typeface="Courier New" panose="02070309020205020404" pitchFamily="49" charset="0"/>
-                <a:cs typeface="Courier New" panose="02070309020205020404" pitchFamily="49" charset="0"/>
-              </a:rPr>
-              <a:t>bool</a:t>
-            </a:r>
-            <a:r>
-              <a:rPr lang="en-US" sz="1600" dirty="0">
-                <a:latin typeface="Courier New" panose="02070309020205020404" pitchFamily="49" charset="0"/>
-                <a:cs typeface="Courier New" panose="02070309020205020404" pitchFamily="49" charset="0"/>
-              </a:rPr>
-              <a:t>);</a:t>
-            </a:r>
-          </a:p>
-          <a:p>
-            <a:pPr marL="0" indent="0">
-              <a:buNone/>
-            </a:pPr>
-            <a:r>
-              <a:rPr lang="en-US" sz="1600" dirty="0" smtClean="0">
-                <a:latin typeface="Courier New" panose="02070309020205020404" pitchFamily="49" charset="0"/>
+                <a:latin typeface="Consolas" panose="020B0609020204030204" pitchFamily="49" charset="0"/>
                 <a:cs typeface="Courier New" panose="02070309020205020404" pitchFamily="49" charset="0"/>
               </a:rPr>
               <a:t>     </a:t>
             </a:r>
             <a:r>
               <a:rPr lang="en-US" sz="1600" b="1" dirty="0" err="1" smtClean="0">
-                <a:latin typeface="Courier New" panose="02070309020205020404" pitchFamily="49" charset="0"/>
+                <a:latin typeface="Consolas" panose="020B0609020204030204" pitchFamily="49" charset="0"/>
                 <a:cs typeface="Courier New" panose="02070309020205020404" pitchFamily="49" charset="0"/>
               </a:rPr>
               <a:t>var</a:t>
             </a:r>
             <a:endParaRPr lang="en-US" sz="1600" b="1" dirty="0">
-              <a:latin typeface="Courier New" panose="02070309020205020404" pitchFamily="49" charset="0"/>
+              <a:latin typeface="Consolas" panose="020B0609020204030204" pitchFamily="49" charset="0"/>
               <a:cs typeface="Courier New" panose="02070309020205020404" pitchFamily="49" charset="0"/>
             </a:endParaRPr>
           </a:p>
           <a:p>
             <a:pPr marL="0" indent="0">
+              <a:lnSpc>
+                <a:spcPct val="120000"/>
+              </a:lnSpc>
               <a:buNone/>
             </a:pPr>
             <a:r>
               <a:rPr lang="en-US" sz="1600" dirty="0" smtClean="0">
-                <a:latin typeface="Courier New" panose="02070309020205020404" pitchFamily="49" charset="0"/>
-                <a:cs typeface="Courier New" panose="02070309020205020404" pitchFamily="49" charset="0"/>
-              </a:rPr>
-              <a:t>	a1_below</a:t>
+                <a:latin typeface="Consolas" panose="020B0609020204030204" pitchFamily="49" charset="0"/>
+                <a:cs typeface="Courier New" panose="02070309020205020404" pitchFamily="49" charset="0"/>
+              </a:rPr>
+              <a:t>	</a:t>
+            </a:r>
+            <a:r>
+              <a:rPr lang="en-US" sz="1600" dirty="0" smtClean="0">
+                <a:latin typeface="Consolas" panose="020B0609020204030204" pitchFamily="49" charset="0"/>
+                <a:cs typeface="Courier New" panose="02070309020205020404" pitchFamily="49" charset="0"/>
+              </a:rPr>
+              <a:t> a1_below</a:t>
             </a:r>
             <a:r>
               <a:rPr lang="en-US" sz="1600" dirty="0">
-                <a:latin typeface="Courier New" panose="02070309020205020404" pitchFamily="49" charset="0"/>
+                <a:latin typeface="Consolas" panose="020B0609020204030204" pitchFamily="49" charset="0"/>
                 <a:cs typeface="Courier New" panose="02070309020205020404" pitchFamily="49" charset="0"/>
               </a:rPr>
               <a:t>, a2_below, a1_above, a2_above,</a:t>
@@ -4503,46 +4529,56 @@
           </a:p>
           <a:p>
             <a:pPr marL="0" indent="0">
+              <a:lnSpc>
+                <a:spcPct val="120000"/>
+              </a:lnSpc>
               <a:buNone/>
             </a:pPr>
             <a:r>
               <a:rPr lang="en-US" sz="1600" dirty="0" smtClean="0">
-                <a:latin typeface="Courier New" panose="02070309020205020404" pitchFamily="49" charset="0"/>
-                <a:cs typeface="Courier New" panose="02070309020205020404" pitchFamily="49" charset="0"/>
-              </a:rPr>
-              <a:t>	below</a:t>
+                <a:latin typeface="Consolas" panose="020B0609020204030204" pitchFamily="49" charset="0"/>
+                <a:cs typeface="Courier New" panose="02070309020205020404" pitchFamily="49" charset="0"/>
+              </a:rPr>
+              <a:t>	</a:t>
+            </a:r>
+            <a:r>
+              <a:rPr lang="en-US" sz="1600" dirty="0" smtClean="0">
+                <a:latin typeface="Consolas" panose="020B0609020204030204" pitchFamily="49" charset="0"/>
+                <a:cs typeface="Courier New" panose="02070309020205020404" pitchFamily="49" charset="0"/>
+              </a:rPr>
+              <a:t> below</a:t>
             </a:r>
             <a:r>
               <a:rPr lang="en-US" sz="1600" dirty="0">
-                <a:latin typeface="Courier New" panose="02070309020205020404" pitchFamily="49" charset="0"/>
+                <a:latin typeface="Consolas" panose="020B0609020204030204" pitchFamily="49" charset="0"/>
                 <a:cs typeface="Courier New" panose="02070309020205020404" pitchFamily="49" charset="0"/>
               </a:rPr>
               <a:t>, </a:t>
             </a:r>
             <a:r>
               <a:rPr lang="en-US" sz="1600" dirty="0" err="1">
-                <a:latin typeface="Courier New" panose="02070309020205020404" pitchFamily="49" charset="0"/>
+                <a:latin typeface="Consolas" panose="020B0609020204030204" pitchFamily="49" charset="0"/>
                 <a:cs typeface="Courier New" panose="02070309020205020404" pitchFamily="49" charset="0"/>
               </a:rPr>
               <a:t>above_hyst</a:t>
             </a:r>
             <a:r>
               <a:rPr lang="en-US" sz="1600" dirty="0">
-                <a:latin typeface="Courier New" panose="02070309020205020404" pitchFamily="49" charset="0"/>
+                <a:latin typeface="Consolas" panose="020B0609020204030204" pitchFamily="49" charset="0"/>
                 <a:cs typeface="Courier New" panose="02070309020205020404" pitchFamily="49" charset="0"/>
               </a:rPr>
               <a:t>, d1, d2: </a:t>
             </a:r>
             <a:r>
               <a:rPr lang="en-US" sz="1600" b="1" dirty="0">
-                <a:latin typeface="Courier New" panose="02070309020205020404" pitchFamily="49" charset="0"/>
+                <a:latin typeface="Consolas" panose="020B0609020204030204" pitchFamily="49" charset="0"/>
                 <a:cs typeface="Courier New" panose="02070309020205020404" pitchFamily="49" charset="0"/>
               </a:rPr>
               <a:t>bool</a:t>
             </a:r>
             <a:r>
               <a:rPr lang="en-US" sz="1600" dirty="0">
-                <a:latin typeface="Courier New" panose="02070309020205020404" pitchFamily="49" charset="0"/>
+                <a:latin typeface="Consolas" panose="020B0609020204030204" pitchFamily="49" charset="0"/>
                 <a:cs typeface="Courier New" panose="02070309020205020404" pitchFamily="49" charset="0"/>
               </a:rPr>
               <a:t>;</a:t>
@@ -4550,737 +4586,1121 @@
           </a:p>
           <a:p>
             <a:pPr marL="0" indent="0">
+              <a:lnSpc>
+                <a:spcPct val="120000"/>
+              </a:lnSpc>
               <a:buNone/>
             </a:pPr>
             <a:r>
               <a:rPr lang="en-US" sz="1600" dirty="0">
-                <a:latin typeface="Courier New" panose="02070309020205020404" pitchFamily="49" charset="0"/>
+                <a:latin typeface="Consolas" panose="020B0609020204030204" pitchFamily="49" charset="0"/>
                 <a:cs typeface="Courier New" panose="02070309020205020404" pitchFamily="49" charset="0"/>
               </a:rPr>
               <a:t> </a:t>
             </a:r>
             <a:r>
               <a:rPr lang="en-US" sz="1600" dirty="0" smtClean="0">
-                <a:latin typeface="Courier New" panose="02070309020205020404" pitchFamily="49" charset="0"/>
+                <a:latin typeface="Consolas" panose="020B0609020204030204" pitchFamily="49" charset="0"/>
                 <a:cs typeface="Courier New" panose="02070309020205020404" pitchFamily="49" charset="0"/>
               </a:rPr>
               <a:t>    </a:t>
             </a:r>
             <a:r>
               <a:rPr lang="en-US" sz="1600" b="1" dirty="0" smtClean="0">
-                <a:latin typeface="Courier New" panose="02070309020205020404" pitchFamily="49" charset="0"/>
+                <a:latin typeface="Consolas" panose="020B0609020204030204" pitchFamily="49" charset="0"/>
                 <a:cs typeface="Courier New" panose="02070309020205020404" pitchFamily="49" charset="0"/>
               </a:rPr>
               <a:t>let</a:t>
             </a:r>
             <a:endParaRPr lang="en-US" sz="1600" b="1" dirty="0">
-              <a:latin typeface="Courier New" panose="02070309020205020404" pitchFamily="49" charset="0"/>
+              <a:latin typeface="Consolas" panose="020B0609020204030204" pitchFamily="49" charset="0"/>
               <a:cs typeface="Courier New" panose="02070309020205020404" pitchFamily="49" charset="0"/>
             </a:endParaRPr>
           </a:p>
           <a:p>
             <a:pPr marL="0" indent="0">
+              <a:lnSpc>
+                <a:spcPct val="120000"/>
+              </a:lnSpc>
               <a:buNone/>
             </a:pPr>
             <a:r>
               <a:rPr lang="en-US" sz="1600" dirty="0" smtClean="0">
-                <a:latin typeface="Courier New" panose="02070309020205020404" pitchFamily="49" charset="0"/>
-                <a:cs typeface="Courier New" panose="02070309020205020404" pitchFamily="49" charset="0"/>
-              </a:rPr>
-              <a:t>	a1_below </a:t>
+                <a:latin typeface="Consolas" panose="020B0609020204030204" pitchFamily="49" charset="0"/>
+                <a:cs typeface="Courier New" panose="02070309020205020404" pitchFamily="49" charset="0"/>
+              </a:rPr>
+              <a:t>	</a:t>
+            </a:r>
+            <a:r>
+              <a:rPr lang="en-US" sz="1600" dirty="0" smtClean="0">
+                <a:latin typeface="Consolas" panose="020B0609020204030204" pitchFamily="49" charset="0"/>
+                <a:cs typeface="Courier New" panose="02070309020205020404" pitchFamily="49" charset="0"/>
+              </a:rPr>
+              <a:t> a1_below </a:t>
             </a:r>
             <a:r>
               <a:rPr lang="en-US" sz="1600" dirty="0">
-                <a:latin typeface="Courier New" panose="02070309020205020404" pitchFamily="49" charset="0"/>
+                <a:latin typeface="Consolas" panose="020B0609020204030204" pitchFamily="49" charset="0"/>
                 <a:cs typeface="Courier New" panose="02070309020205020404" pitchFamily="49" charset="0"/>
               </a:rPr>
               <a:t>= (alt1 </a:t>
             </a:r>
             <a:r>
               <a:rPr lang="en-US" sz="1600" b="1" dirty="0">
-                <a:latin typeface="Courier New" panose="02070309020205020404" pitchFamily="49" charset="0"/>
+                <a:latin typeface="Consolas" panose="020B0609020204030204" pitchFamily="49" charset="0"/>
                 <a:cs typeface="Courier New" panose="02070309020205020404" pitchFamily="49" charset="0"/>
               </a:rPr>
               <a:t>&lt;</a:t>
             </a:r>
             <a:r>
               <a:rPr lang="en-US" sz="1600" dirty="0">
-                <a:latin typeface="Courier New" panose="02070309020205020404" pitchFamily="49" charset="0"/>
+                <a:latin typeface="Consolas" panose="020B0609020204030204" pitchFamily="49" charset="0"/>
                 <a:cs typeface="Courier New" panose="02070309020205020404" pitchFamily="49" charset="0"/>
               </a:rPr>
               <a:t> THRESHOLD); </a:t>
             </a:r>
             <a:r>
               <a:rPr lang="en-US" sz="1600" dirty="0" smtClean="0">
-                <a:latin typeface="Courier New" panose="02070309020205020404" pitchFamily="49" charset="0"/>
-                <a:cs typeface="Courier New" panose="02070309020205020404" pitchFamily="49" charset="0"/>
-              </a:rPr>
-              <a:t>        // </a:t>
+                <a:latin typeface="Consolas" panose="020B0609020204030204" pitchFamily="49" charset="0"/>
+                <a:cs typeface="Courier New" panose="02070309020205020404" pitchFamily="49" charset="0"/>
+              </a:rPr>
+              <a:t>       </a:t>
+            </a:r>
+            <a:endParaRPr lang="en-US" sz="1600" dirty="0">
+              <a:latin typeface="Consolas" panose="020B0609020204030204" pitchFamily="49" charset="0"/>
+              <a:cs typeface="Courier New" panose="02070309020205020404" pitchFamily="49" charset="0"/>
+            </a:endParaRPr>
+          </a:p>
+          <a:p>
+            <a:pPr marL="0" indent="0">
+              <a:lnSpc>
+                <a:spcPct val="120000"/>
+              </a:lnSpc>
+              <a:buNone/>
+            </a:pPr>
+            <a:r>
+              <a:rPr lang="en-US" sz="1600" dirty="0" smtClean="0">
+                <a:latin typeface="Consolas" panose="020B0609020204030204" pitchFamily="49" charset="0"/>
+                <a:cs typeface="Courier New" panose="02070309020205020404" pitchFamily="49" charset="0"/>
+              </a:rPr>
+              <a:t>	</a:t>
+            </a:r>
+            <a:r>
+              <a:rPr lang="en-US" sz="1600" dirty="0" smtClean="0">
+                <a:latin typeface="Consolas" panose="020B0609020204030204" pitchFamily="49" charset="0"/>
+                <a:cs typeface="Courier New" panose="02070309020205020404" pitchFamily="49" charset="0"/>
+              </a:rPr>
+              <a:t> a2_below </a:t>
             </a:r>
             <a:r>
               <a:rPr lang="en-US" sz="1600" dirty="0">
-                <a:latin typeface="Courier New" panose="02070309020205020404" pitchFamily="49" charset="0"/>
+                <a:latin typeface="Consolas" panose="020B0609020204030204" pitchFamily="49" charset="0"/>
+                <a:cs typeface="Courier New" panose="02070309020205020404" pitchFamily="49" charset="0"/>
+              </a:rPr>
+              <a:t>= (alt2 </a:t>
+            </a:r>
+            <a:r>
+              <a:rPr lang="en-US" sz="1600" b="1" dirty="0">
+                <a:latin typeface="Consolas" panose="020B0609020204030204" pitchFamily="49" charset="0"/>
+                <a:cs typeface="Courier New" panose="02070309020205020404" pitchFamily="49" charset="0"/>
+              </a:rPr>
+              <a:t>&lt;</a:t>
+            </a:r>
+            <a:r>
+              <a:rPr lang="en-US" sz="1600" dirty="0">
+                <a:latin typeface="Consolas" panose="020B0609020204030204" pitchFamily="49" charset="0"/>
+                <a:cs typeface="Courier New" panose="02070309020205020404" pitchFamily="49" charset="0"/>
+              </a:rPr>
+              <a:t> THRESHOLD); </a:t>
+            </a:r>
+            <a:r>
+              <a:rPr lang="en-US" sz="1600" dirty="0" smtClean="0">
+                <a:latin typeface="Consolas" panose="020B0609020204030204" pitchFamily="49" charset="0"/>
+                <a:cs typeface="Courier New" panose="02070309020205020404" pitchFamily="49" charset="0"/>
+              </a:rPr>
+              <a:t>  </a:t>
+            </a:r>
+            <a:endParaRPr lang="en-US" sz="1600" dirty="0">
+              <a:latin typeface="Consolas" panose="020B0609020204030204" pitchFamily="49" charset="0"/>
+              <a:cs typeface="Courier New" panose="02070309020205020404" pitchFamily="49" charset="0"/>
+            </a:endParaRPr>
+          </a:p>
+          <a:p>
+            <a:pPr marL="0" indent="0">
+              <a:lnSpc>
+                <a:spcPct val="120000"/>
+              </a:lnSpc>
+              <a:buNone/>
+            </a:pPr>
+            <a:r>
+              <a:rPr lang="en-US" sz="1600" dirty="0" smtClean="0">
+                <a:latin typeface="Consolas" panose="020B0609020204030204" pitchFamily="49" charset="0"/>
+                <a:cs typeface="Courier New" panose="02070309020205020404" pitchFamily="49" charset="0"/>
+              </a:rPr>
+              <a:t>	</a:t>
+            </a:r>
+            <a:r>
+              <a:rPr lang="en-US" sz="1600" dirty="0" smtClean="0">
+                <a:latin typeface="Consolas" panose="020B0609020204030204" pitchFamily="49" charset="0"/>
+                <a:cs typeface="Courier New" panose="02070309020205020404" pitchFamily="49" charset="0"/>
+              </a:rPr>
+              <a:t> a1_above </a:t>
+            </a:r>
+            <a:r>
+              <a:rPr lang="en-US" sz="1600" dirty="0">
+                <a:latin typeface="Consolas" panose="020B0609020204030204" pitchFamily="49" charset="0"/>
+                <a:cs typeface="Courier New" panose="02070309020205020404" pitchFamily="49" charset="0"/>
+              </a:rPr>
+              <a:t>= (alt1 </a:t>
+            </a:r>
+            <a:r>
+              <a:rPr lang="en-US" sz="1600" b="1" dirty="0">
+                <a:latin typeface="Consolas" panose="020B0609020204030204" pitchFamily="49" charset="0"/>
+                <a:cs typeface="Courier New" panose="02070309020205020404" pitchFamily="49" charset="0"/>
+              </a:rPr>
+              <a:t>&gt;=</a:t>
+            </a:r>
+            <a:r>
+              <a:rPr lang="en-US" sz="1600" dirty="0">
+                <a:latin typeface="Consolas" panose="020B0609020204030204" pitchFamily="49" charset="0"/>
+                <a:cs typeface="Courier New" panose="02070309020205020404" pitchFamily="49" charset="0"/>
+              </a:rPr>
+              <a:t> T_HYST); </a:t>
+            </a:r>
+            <a:r>
+              <a:rPr lang="en-US" sz="1600" dirty="0" smtClean="0">
+                <a:latin typeface="Consolas" panose="020B0609020204030204" pitchFamily="49" charset="0"/>
+                <a:cs typeface="Courier New" panose="02070309020205020404" pitchFamily="49" charset="0"/>
+              </a:rPr>
+              <a:t>    </a:t>
+            </a:r>
+            <a:endParaRPr lang="en-US" sz="1600" dirty="0">
+              <a:latin typeface="Consolas" panose="020B0609020204030204" pitchFamily="49" charset="0"/>
+              <a:cs typeface="Courier New" panose="02070309020205020404" pitchFamily="49" charset="0"/>
+            </a:endParaRPr>
+          </a:p>
+          <a:p>
+            <a:pPr marL="0" indent="0">
+              <a:lnSpc>
+                <a:spcPct val="120000"/>
+              </a:lnSpc>
+              <a:buNone/>
+            </a:pPr>
+            <a:r>
+              <a:rPr lang="en-US" sz="1600" dirty="0" smtClean="0">
+                <a:latin typeface="Consolas" panose="020B0609020204030204" pitchFamily="49" charset="0"/>
+                <a:cs typeface="Courier New" panose="02070309020205020404" pitchFamily="49" charset="0"/>
+              </a:rPr>
+              <a:t>	</a:t>
+            </a:r>
+            <a:r>
+              <a:rPr lang="en-US" sz="1600" dirty="0" smtClean="0">
+                <a:latin typeface="Consolas" panose="020B0609020204030204" pitchFamily="49" charset="0"/>
+                <a:cs typeface="Courier New" panose="02070309020205020404" pitchFamily="49" charset="0"/>
+              </a:rPr>
+              <a:t> a2_above </a:t>
+            </a:r>
+            <a:r>
+              <a:rPr lang="en-US" sz="1600" dirty="0">
+                <a:latin typeface="Consolas" panose="020B0609020204030204" pitchFamily="49" charset="0"/>
+                <a:cs typeface="Courier New" panose="02070309020205020404" pitchFamily="49" charset="0"/>
+              </a:rPr>
+              <a:t>= (alt2 </a:t>
+            </a:r>
+            <a:r>
+              <a:rPr lang="en-US" sz="1600" b="1" dirty="0">
+                <a:latin typeface="Consolas" panose="020B0609020204030204" pitchFamily="49" charset="0"/>
+                <a:cs typeface="Courier New" panose="02070309020205020404" pitchFamily="49" charset="0"/>
+              </a:rPr>
+              <a:t>&gt;=</a:t>
+            </a:r>
+            <a:r>
+              <a:rPr lang="en-US" sz="1600" dirty="0">
+                <a:latin typeface="Consolas" panose="020B0609020204030204" pitchFamily="49" charset="0"/>
+                <a:cs typeface="Courier New" panose="02070309020205020404" pitchFamily="49" charset="0"/>
+              </a:rPr>
+              <a:t> T_HYST</a:t>
+            </a:r>
+            <a:r>
+              <a:rPr lang="en-US" sz="1600" dirty="0" smtClean="0">
+                <a:latin typeface="Consolas" panose="020B0609020204030204" pitchFamily="49" charset="0"/>
+                <a:cs typeface="Courier New" panose="02070309020205020404" pitchFamily="49" charset="0"/>
+              </a:rPr>
+              <a:t>);</a:t>
+            </a:r>
+          </a:p>
+          <a:p>
+            <a:pPr marL="0" indent="0">
+              <a:lnSpc>
+                <a:spcPct val="120000"/>
+              </a:lnSpc>
+              <a:buNone/>
+            </a:pPr>
+            <a:r>
+              <a:rPr lang="en-US" sz="1600" dirty="0" smtClean="0">
+                <a:latin typeface="Consolas" panose="020B0609020204030204" pitchFamily="49" charset="0"/>
+                <a:cs typeface="Courier New" panose="02070309020205020404" pitchFamily="49" charset="0"/>
+              </a:rPr>
+              <a:t>	</a:t>
+            </a:r>
+            <a:r>
+              <a:rPr lang="en-US" sz="1600" dirty="0" smtClean="0">
+                <a:latin typeface="Consolas" panose="020B0609020204030204" pitchFamily="49" charset="0"/>
+                <a:cs typeface="Courier New" panose="02070309020205020404" pitchFamily="49" charset="0"/>
+              </a:rPr>
+              <a:t> below </a:t>
+            </a:r>
+            <a:r>
+              <a:rPr lang="en-US" sz="1600" dirty="0">
+                <a:latin typeface="Consolas" panose="020B0609020204030204" pitchFamily="49" charset="0"/>
+                <a:cs typeface="Courier New" panose="02070309020205020404" pitchFamily="49" charset="0"/>
+              </a:rPr>
+              <a:t>= a1_below</a:t>
+            </a:r>
+            <a:r>
+              <a:rPr lang="en-US" sz="1600" b="1" dirty="0">
+                <a:latin typeface="Consolas" panose="020B0609020204030204" pitchFamily="49" charset="0"/>
+                <a:cs typeface="Courier New" panose="02070309020205020404" pitchFamily="49" charset="0"/>
+              </a:rPr>
+              <a:t> or </a:t>
+            </a:r>
+            <a:r>
+              <a:rPr lang="en-US" sz="1600" dirty="0">
+                <a:latin typeface="Consolas" panose="020B0609020204030204" pitchFamily="49" charset="0"/>
+                <a:cs typeface="Courier New" panose="02070309020205020404" pitchFamily="49" charset="0"/>
+              </a:rPr>
+              <a:t>a2_below; </a:t>
+            </a:r>
+            <a:r>
+              <a:rPr lang="en-US" sz="1600" dirty="0" smtClean="0">
+                <a:latin typeface="Consolas" panose="020B0609020204030204" pitchFamily="49" charset="0"/>
+                <a:cs typeface="Courier New" panose="02070309020205020404" pitchFamily="49" charset="0"/>
+              </a:rPr>
+              <a:t>        </a:t>
+            </a:r>
+            <a:endParaRPr lang="en-US" sz="1600" dirty="0">
+              <a:latin typeface="Consolas" panose="020B0609020204030204" pitchFamily="49" charset="0"/>
+              <a:cs typeface="Courier New" panose="02070309020205020404" pitchFamily="49" charset="0"/>
+            </a:endParaRPr>
+          </a:p>
+          <a:p>
+            <a:pPr marL="0" indent="0">
+              <a:lnSpc>
+                <a:spcPct val="120000"/>
+              </a:lnSpc>
+              <a:buNone/>
+            </a:pPr>
+            <a:r>
+              <a:rPr lang="en-US" sz="1600" dirty="0" smtClean="0">
+                <a:latin typeface="Consolas" panose="020B0609020204030204" pitchFamily="49" charset="0"/>
+                <a:cs typeface="Courier New" panose="02070309020205020404" pitchFamily="49" charset="0"/>
+              </a:rPr>
+              <a:t>	</a:t>
+            </a:r>
+            <a:r>
+              <a:rPr lang="en-US" sz="1600" dirty="0" smtClean="0">
+                <a:latin typeface="Consolas" panose="020B0609020204030204" pitchFamily="49" charset="0"/>
+                <a:cs typeface="Courier New" panose="02070309020205020404" pitchFamily="49" charset="0"/>
+              </a:rPr>
+              <a:t> </a:t>
+            </a:r>
+            <a:r>
+              <a:rPr lang="en-US" sz="1600" dirty="0" err="1" smtClean="0">
+                <a:latin typeface="Consolas" panose="020B0609020204030204" pitchFamily="49" charset="0"/>
+                <a:cs typeface="Courier New" panose="02070309020205020404" pitchFamily="49" charset="0"/>
+              </a:rPr>
+              <a:t>above_hyst</a:t>
+            </a:r>
+            <a:r>
+              <a:rPr lang="en-US" sz="1600" dirty="0" smtClean="0">
+                <a:latin typeface="Consolas" panose="020B0609020204030204" pitchFamily="49" charset="0"/>
+                <a:cs typeface="Courier New" panose="02070309020205020404" pitchFamily="49" charset="0"/>
+              </a:rPr>
+              <a:t> </a:t>
+            </a:r>
+            <a:r>
+              <a:rPr lang="en-US" sz="1600" dirty="0">
+                <a:latin typeface="Consolas" panose="020B0609020204030204" pitchFamily="49" charset="0"/>
+                <a:cs typeface="Courier New" panose="02070309020205020404" pitchFamily="49" charset="0"/>
+              </a:rPr>
+              <a:t>= a1_above </a:t>
+            </a:r>
+            <a:r>
+              <a:rPr lang="en-US" sz="1600" b="1" dirty="0">
+                <a:latin typeface="Consolas" panose="020B0609020204030204" pitchFamily="49" charset="0"/>
+                <a:cs typeface="Courier New" panose="02070309020205020404" pitchFamily="49" charset="0"/>
+              </a:rPr>
+              <a:t>and</a:t>
+            </a:r>
+            <a:r>
+              <a:rPr lang="en-US" sz="1600" dirty="0">
+                <a:latin typeface="Consolas" panose="020B0609020204030204" pitchFamily="49" charset="0"/>
+                <a:cs typeface="Courier New" panose="02070309020205020404" pitchFamily="49" charset="0"/>
+              </a:rPr>
+              <a:t> a2_above; </a:t>
+            </a:r>
+            <a:r>
+              <a:rPr lang="en-US" sz="1600" dirty="0" smtClean="0">
+                <a:latin typeface="Consolas" panose="020B0609020204030204" pitchFamily="49" charset="0"/>
+                <a:cs typeface="Courier New" panose="02070309020205020404" pitchFamily="49" charset="0"/>
+              </a:rPr>
+              <a:t>   </a:t>
+            </a:r>
+            <a:endParaRPr lang="en-US" sz="1600" dirty="0">
+              <a:latin typeface="Consolas" panose="020B0609020204030204" pitchFamily="49" charset="0"/>
+              <a:cs typeface="Courier New" panose="02070309020205020404" pitchFamily="49" charset="0"/>
+            </a:endParaRPr>
+          </a:p>
+          <a:p>
+            <a:pPr marL="0" indent="0">
+              <a:lnSpc>
+                <a:spcPct val="120000"/>
+              </a:lnSpc>
+              <a:buNone/>
+            </a:pPr>
+            <a:r>
+              <a:rPr lang="en-US" sz="1600" dirty="0" smtClean="0">
+                <a:latin typeface="Consolas" panose="020B0609020204030204" pitchFamily="49" charset="0"/>
+                <a:cs typeface="Courier New" panose="02070309020205020404" pitchFamily="49" charset="0"/>
+              </a:rPr>
+              <a:t>	</a:t>
+            </a:r>
+            <a:r>
+              <a:rPr lang="en-US" sz="1600" dirty="0" smtClean="0">
+                <a:latin typeface="Consolas" panose="020B0609020204030204" pitchFamily="49" charset="0"/>
+                <a:cs typeface="Courier New" panose="02070309020205020404" pitchFamily="49" charset="0"/>
+              </a:rPr>
+              <a:t> </a:t>
+            </a:r>
+            <a:r>
+              <a:rPr lang="en-US" sz="1600" dirty="0" err="1" smtClean="0">
+                <a:latin typeface="Consolas" panose="020B0609020204030204" pitchFamily="49" charset="0"/>
+                <a:cs typeface="Courier New" panose="02070309020205020404" pitchFamily="49" charset="0"/>
+              </a:rPr>
+              <a:t>doi_on</a:t>
+            </a:r>
+            <a:r>
+              <a:rPr lang="en-US" sz="1600" dirty="0" smtClean="0">
+                <a:latin typeface="Consolas" panose="020B0609020204030204" pitchFamily="49" charset="0"/>
+                <a:cs typeface="Courier New" panose="02070309020205020404" pitchFamily="49" charset="0"/>
+              </a:rPr>
+              <a:t> </a:t>
+            </a:r>
+            <a:r>
+              <a:rPr lang="en-US" sz="1600" dirty="0">
+                <a:latin typeface="Consolas" panose="020B0609020204030204" pitchFamily="49" charset="0"/>
+                <a:cs typeface="Courier New" panose="02070309020205020404" pitchFamily="49" charset="0"/>
+              </a:rPr>
+              <a:t>= </a:t>
+            </a:r>
+            <a:r>
+              <a:rPr lang="en-US" sz="1600" b="1" dirty="0">
+                <a:latin typeface="Consolas" panose="020B0609020204030204" pitchFamily="49" charset="0"/>
+                <a:cs typeface="Courier New" panose="02070309020205020404" pitchFamily="49" charset="0"/>
+              </a:rPr>
+              <a:t>if</a:t>
+            </a:r>
+            <a:r>
+              <a:rPr lang="en-US" sz="1600" dirty="0">
+                <a:latin typeface="Consolas" panose="020B0609020204030204" pitchFamily="49" charset="0"/>
+                <a:cs typeface="Courier New" panose="02070309020205020404" pitchFamily="49" charset="0"/>
+              </a:rPr>
+              <a:t> (below </a:t>
+            </a:r>
+            <a:r>
+              <a:rPr lang="en-US" sz="1600" b="1" dirty="0">
+                <a:latin typeface="Consolas" panose="020B0609020204030204" pitchFamily="49" charset="0"/>
+                <a:cs typeface="Courier New" panose="02070309020205020404" pitchFamily="49" charset="0"/>
+              </a:rPr>
+              <a:t>and</a:t>
+            </a:r>
+            <a:r>
+              <a:rPr lang="en-US" sz="1600" dirty="0">
+                <a:latin typeface="Consolas" panose="020B0609020204030204" pitchFamily="49" charset="0"/>
+                <a:cs typeface="Courier New" panose="02070309020205020404" pitchFamily="49" charset="0"/>
+              </a:rPr>
+              <a:t> </a:t>
+            </a:r>
+            <a:r>
+              <a:rPr lang="en-US" sz="1600" b="1" dirty="0">
+                <a:latin typeface="Consolas" panose="020B0609020204030204" pitchFamily="49" charset="0"/>
+                <a:cs typeface="Courier New" panose="02070309020205020404" pitchFamily="49" charset="0"/>
+              </a:rPr>
+              <a:t>not</a:t>
+            </a:r>
+            <a:r>
+              <a:rPr lang="en-US" sz="1600" dirty="0">
+                <a:latin typeface="Consolas" panose="020B0609020204030204" pitchFamily="49" charset="0"/>
+                <a:cs typeface="Courier New" panose="02070309020205020404" pitchFamily="49" charset="0"/>
+              </a:rPr>
+              <a:t> </a:t>
+            </a:r>
+            <a:r>
+              <a:rPr lang="en-US" sz="1600" dirty="0" smtClean="0">
+                <a:latin typeface="Consolas" panose="020B0609020204030204" pitchFamily="49" charset="0"/>
+                <a:cs typeface="Courier New" panose="02070309020205020404" pitchFamily="49" charset="0"/>
+              </a:rPr>
+              <a:t>inhibit)</a:t>
+            </a:r>
+            <a:br>
+              <a:rPr lang="en-US" sz="1600" dirty="0" smtClean="0">
+                <a:latin typeface="Consolas" panose="020B0609020204030204" pitchFamily="49" charset="0"/>
+                <a:cs typeface="Courier New" panose="02070309020205020404" pitchFamily="49" charset="0"/>
+              </a:rPr>
+            </a:br>
+            <a:r>
+              <a:rPr lang="en-US" sz="1600" dirty="0" smtClean="0">
+                <a:latin typeface="Consolas" panose="020B0609020204030204" pitchFamily="49" charset="0"/>
+                <a:cs typeface="Courier New" panose="02070309020205020404" pitchFamily="49" charset="0"/>
+              </a:rPr>
+              <a:t>                  </a:t>
+            </a:r>
+            <a:r>
+              <a:rPr lang="en-US" sz="1600" b="1" dirty="0" smtClean="0">
+                <a:latin typeface="Consolas" panose="020B0609020204030204" pitchFamily="49" charset="0"/>
+                <a:cs typeface="Courier New" panose="02070309020205020404" pitchFamily="49" charset="0"/>
+              </a:rPr>
+              <a:t>then</a:t>
+            </a:r>
+            <a:r>
+              <a:rPr lang="en-US" sz="1600" dirty="0" smtClean="0">
+                <a:latin typeface="Consolas" panose="020B0609020204030204" pitchFamily="49" charset="0"/>
+                <a:cs typeface="Courier New" panose="02070309020205020404" pitchFamily="49" charset="0"/>
+              </a:rPr>
+              <a:t> </a:t>
+            </a:r>
+            <a:r>
+              <a:rPr lang="en-US" sz="1600" i="1" dirty="0">
+                <a:latin typeface="Consolas" panose="020B0609020204030204" pitchFamily="49" charset="0"/>
+                <a:cs typeface="Courier New" panose="02070309020205020404" pitchFamily="49" charset="0"/>
+              </a:rPr>
+              <a:t>true</a:t>
+            </a:r>
+            <a:r>
+              <a:rPr lang="en-US" sz="1600" dirty="0">
+                <a:latin typeface="Consolas" panose="020B0609020204030204" pitchFamily="49" charset="0"/>
+                <a:cs typeface="Courier New" panose="02070309020205020404" pitchFamily="49" charset="0"/>
+              </a:rPr>
+              <a:t> </a:t>
+            </a:r>
+            <a:r>
+              <a:rPr lang="en-US" sz="1600" b="1" dirty="0">
+                <a:latin typeface="Consolas" panose="020B0609020204030204" pitchFamily="49" charset="0"/>
+                <a:cs typeface="Courier New" panose="02070309020205020404" pitchFamily="49" charset="0"/>
+              </a:rPr>
+              <a:t>else</a:t>
+            </a:r>
+            <a:r>
+              <a:rPr lang="en-US" sz="1600" dirty="0">
+                <a:latin typeface="Consolas" panose="020B0609020204030204" pitchFamily="49" charset="0"/>
+                <a:cs typeface="Courier New" panose="02070309020205020404" pitchFamily="49" charset="0"/>
+              </a:rPr>
+              <a:t> d1;</a:t>
+            </a:r>
+          </a:p>
+          <a:p>
+            <a:pPr marL="0" indent="0">
+              <a:lnSpc>
+                <a:spcPct val="120000"/>
+              </a:lnSpc>
+              <a:buNone/>
+            </a:pPr>
+            <a:r>
+              <a:rPr lang="en-US" sz="1600" dirty="0" smtClean="0">
+                <a:latin typeface="Consolas" panose="020B0609020204030204" pitchFamily="49" charset="0"/>
+                <a:cs typeface="Courier New" panose="02070309020205020404" pitchFamily="49" charset="0"/>
+              </a:rPr>
+              <a:t>	</a:t>
+            </a:r>
+            <a:r>
+              <a:rPr lang="en-US" sz="1600" dirty="0" smtClean="0">
+                <a:latin typeface="Consolas" panose="020B0609020204030204" pitchFamily="49" charset="0"/>
+                <a:cs typeface="Courier New" panose="02070309020205020404" pitchFamily="49" charset="0"/>
+              </a:rPr>
+              <a:t> d1 </a:t>
+            </a:r>
+            <a:r>
+              <a:rPr lang="en-US" sz="1600" dirty="0">
+                <a:latin typeface="Consolas" panose="020B0609020204030204" pitchFamily="49" charset="0"/>
+                <a:cs typeface="Courier New" panose="02070309020205020404" pitchFamily="49" charset="0"/>
+              </a:rPr>
+              <a:t>= </a:t>
+            </a:r>
+            <a:r>
+              <a:rPr lang="en-US" sz="1600" b="1" dirty="0">
+                <a:latin typeface="Consolas" panose="020B0609020204030204" pitchFamily="49" charset="0"/>
+                <a:cs typeface="Courier New" panose="02070309020205020404" pitchFamily="49" charset="0"/>
+              </a:rPr>
+              <a:t>if</a:t>
+            </a:r>
+            <a:r>
+              <a:rPr lang="en-US" sz="1600" dirty="0">
+                <a:latin typeface="Consolas" panose="020B0609020204030204" pitchFamily="49" charset="0"/>
+                <a:cs typeface="Courier New" panose="02070309020205020404" pitchFamily="49" charset="0"/>
+              </a:rPr>
+              <a:t> (inhibit </a:t>
+            </a:r>
+            <a:r>
+              <a:rPr lang="en-US" sz="1600" b="1" dirty="0">
+                <a:latin typeface="Consolas" panose="020B0609020204030204" pitchFamily="49" charset="0"/>
+                <a:cs typeface="Courier New" panose="02070309020205020404" pitchFamily="49" charset="0"/>
+              </a:rPr>
+              <a:t>or</a:t>
+            </a:r>
+            <a:r>
+              <a:rPr lang="en-US" sz="1600" dirty="0">
+                <a:latin typeface="Consolas" panose="020B0609020204030204" pitchFamily="49" charset="0"/>
+                <a:cs typeface="Courier New" panose="02070309020205020404" pitchFamily="49" charset="0"/>
+              </a:rPr>
+              <a:t> </a:t>
+            </a:r>
+            <a:r>
+              <a:rPr lang="en-US" sz="1600" dirty="0" err="1" smtClean="0">
+                <a:latin typeface="Consolas" panose="020B0609020204030204" pitchFamily="49" charset="0"/>
+                <a:cs typeface="Courier New" panose="02070309020205020404" pitchFamily="49" charset="0"/>
+              </a:rPr>
+              <a:t>above_hyst</a:t>
+            </a:r>
+            <a:r>
+              <a:rPr lang="en-US" sz="1600" dirty="0" smtClean="0">
+                <a:latin typeface="Consolas" panose="020B0609020204030204" pitchFamily="49" charset="0"/>
+                <a:cs typeface="Courier New" panose="02070309020205020404" pitchFamily="49" charset="0"/>
+              </a:rPr>
+              <a:t>)</a:t>
+            </a:r>
+            <a:br>
+              <a:rPr lang="en-US" sz="1600" dirty="0" smtClean="0">
+                <a:latin typeface="Consolas" panose="020B0609020204030204" pitchFamily="49" charset="0"/>
+                <a:cs typeface="Courier New" panose="02070309020205020404" pitchFamily="49" charset="0"/>
+              </a:rPr>
+            </a:br>
+            <a:r>
+              <a:rPr lang="en-US" sz="1600" dirty="0" smtClean="0">
+                <a:latin typeface="Consolas" panose="020B0609020204030204" pitchFamily="49" charset="0"/>
+                <a:cs typeface="Courier New" panose="02070309020205020404" pitchFamily="49" charset="0"/>
+              </a:rPr>
+              <a:t>              </a:t>
+            </a:r>
+            <a:r>
+              <a:rPr lang="en-US" sz="1600" b="1" dirty="0" smtClean="0">
+                <a:latin typeface="Consolas" panose="020B0609020204030204" pitchFamily="49" charset="0"/>
+                <a:cs typeface="Courier New" panose="02070309020205020404" pitchFamily="49" charset="0"/>
+              </a:rPr>
+              <a:t>then</a:t>
+            </a:r>
+            <a:r>
+              <a:rPr lang="en-US" sz="1600" dirty="0" smtClean="0">
+                <a:latin typeface="Consolas" panose="020B0609020204030204" pitchFamily="49" charset="0"/>
+                <a:cs typeface="Courier New" panose="02070309020205020404" pitchFamily="49" charset="0"/>
+              </a:rPr>
+              <a:t> </a:t>
+            </a:r>
+            <a:r>
+              <a:rPr lang="en-US" sz="1600" i="1" dirty="0">
+                <a:latin typeface="Consolas" panose="020B0609020204030204" pitchFamily="49" charset="0"/>
+                <a:cs typeface="Courier New" panose="02070309020205020404" pitchFamily="49" charset="0"/>
+              </a:rPr>
+              <a:t>false</a:t>
+            </a:r>
+            <a:r>
+              <a:rPr lang="en-US" sz="1600" dirty="0">
+                <a:latin typeface="Consolas" panose="020B0609020204030204" pitchFamily="49" charset="0"/>
+                <a:cs typeface="Courier New" panose="02070309020205020404" pitchFamily="49" charset="0"/>
+              </a:rPr>
+              <a:t> </a:t>
+            </a:r>
+            <a:r>
+              <a:rPr lang="en-US" sz="1600" b="1" dirty="0">
+                <a:latin typeface="Consolas" panose="020B0609020204030204" pitchFamily="49" charset="0"/>
+                <a:cs typeface="Courier New" panose="02070309020205020404" pitchFamily="49" charset="0"/>
+              </a:rPr>
+              <a:t>else</a:t>
+            </a:r>
+            <a:r>
+              <a:rPr lang="en-US" sz="1600" dirty="0">
+                <a:latin typeface="Consolas" panose="020B0609020204030204" pitchFamily="49" charset="0"/>
+                <a:cs typeface="Courier New" panose="02070309020205020404" pitchFamily="49" charset="0"/>
+              </a:rPr>
+              <a:t> d2;</a:t>
+            </a:r>
+          </a:p>
+          <a:p>
+            <a:pPr marL="0" indent="0">
+              <a:lnSpc>
+                <a:spcPct val="120000"/>
+              </a:lnSpc>
+              <a:buNone/>
+            </a:pPr>
+            <a:r>
+              <a:rPr lang="en-US" sz="1600" dirty="0" smtClean="0">
+                <a:latin typeface="Consolas" panose="020B0609020204030204" pitchFamily="49" charset="0"/>
+                <a:cs typeface="Courier New" panose="02070309020205020404" pitchFamily="49" charset="0"/>
+              </a:rPr>
+              <a:t>	</a:t>
+            </a:r>
+            <a:r>
+              <a:rPr lang="en-US" sz="1600" dirty="0" smtClean="0">
+                <a:latin typeface="Consolas" panose="020B0609020204030204" pitchFamily="49" charset="0"/>
+                <a:cs typeface="Courier New" panose="02070309020205020404" pitchFamily="49" charset="0"/>
+              </a:rPr>
+              <a:t> d2 </a:t>
+            </a:r>
+            <a:r>
+              <a:rPr lang="en-US" sz="1600" dirty="0">
+                <a:latin typeface="Consolas" panose="020B0609020204030204" pitchFamily="49" charset="0"/>
+                <a:cs typeface="Courier New" panose="02070309020205020404" pitchFamily="49" charset="0"/>
+              </a:rPr>
+              <a:t>= (</a:t>
+            </a:r>
+            <a:r>
+              <a:rPr lang="en-US" sz="1600" i="1" dirty="0">
+                <a:latin typeface="Consolas" panose="020B0609020204030204" pitchFamily="49" charset="0"/>
+                <a:cs typeface="Courier New" panose="02070309020205020404" pitchFamily="49" charset="0"/>
+              </a:rPr>
+              <a:t>false</a:t>
+            </a:r>
+            <a:r>
+              <a:rPr lang="en-US" sz="1600" dirty="0">
+                <a:latin typeface="Consolas" panose="020B0609020204030204" pitchFamily="49" charset="0"/>
+                <a:cs typeface="Courier New" panose="02070309020205020404" pitchFamily="49" charset="0"/>
+              </a:rPr>
+              <a:t> </a:t>
+            </a:r>
+            <a:r>
+              <a:rPr lang="en-US" sz="1600" b="1" dirty="0">
+                <a:latin typeface="Consolas" panose="020B0609020204030204" pitchFamily="49" charset="0"/>
+                <a:cs typeface="Courier New" panose="02070309020205020404" pitchFamily="49" charset="0"/>
+              </a:rPr>
+              <a:t>-&gt;</a:t>
+            </a:r>
+            <a:r>
+              <a:rPr lang="en-US" sz="1600" dirty="0">
+                <a:latin typeface="Consolas" panose="020B0609020204030204" pitchFamily="49" charset="0"/>
+                <a:cs typeface="Courier New" panose="02070309020205020404" pitchFamily="49" charset="0"/>
+              </a:rPr>
+              <a:t> </a:t>
+            </a:r>
+            <a:r>
+              <a:rPr lang="en-US" sz="1600" i="1" dirty="0">
+                <a:latin typeface="Consolas" panose="020B0609020204030204" pitchFamily="49" charset="0"/>
+                <a:cs typeface="Courier New" panose="02070309020205020404" pitchFamily="49" charset="0"/>
+              </a:rPr>
+              <a:t>pre</a:t>
+            </a:r>
+            <a:r>
+              <a:rPr lang="en-US" sz="1600" dirty="0">
+                <a:latin typeface="Consolas" panose="020B0609020204030204" pitchFamily="49" charset="0"/>
+                <a:cs typeface="Courier New" panose="02070309020205020404" pitchFamily="49" charset="0"/>
+              </a:rPr>
+              <a:t>(</a:t>
+            </a:r>
+            <a:r>
+              <a:rPr lang="en-US" sz="1600" dirty="0" err="1">
+                <a:latin typeface="Consolas" panose="020B0609020204030204" pitchFamily="49" charset="0"/>
+                <a:cs typeface="Courier New" panose="02070309020205020404" pitchFamily="49" charset="0"/>
+              </a:rPr>
+              <a:t>doi_on</a:t>
+            </a:r>
+            <a:r>
+              <a:rPr lang="en-US" sz="1600" dirty="0">
+                <a:latin typeface="Consolas" panose="020B0609020204030204" pitchFamily="49" charset="0"/>
+                <a:cs typeface="Courier New" panose="02070309020205020404" pitchFamily="49" charset="0"/>
+              </a:rPr>
+              <a:t>)); </a:t>
+            </a:r>
+            <a:r>
+              <a:rPr lang="en-US" sz="1600" dirty="0" smtClean="0">
+                <a:latin typeface="Consolas" panose="020B0609020204030204" pitchFamily="49" charset="0"/>
+                <a:cs typeface="Courier New" panose="02070309020205020404" pitchFamily="49" charset="0"/>
+              </a:rPr>
+              <a:t>         </a:t>
+            </a:r>
+            <a:endParaRPr lang="en-US" sz="1600" dirty="0">
+              <a:latin typeface="Consolas" panose="020B0609020204030204" pitchFamily="49" charset="0"/>
+              <a:cs typeface="Courier New" panose="02070309020205020404" pitchFamily="49" charset="0"/>
+            </a:endParaRPr>
+          </a:p>
+          <a:p>
+            <a:pPr marL="0" indent="0">
+              <a:lnSpc>
+                <a:spcPct val="120000"/>
+              </a:lnSpc>
+              <a:buNone/>
+            </a:pPr>
+            <a:r>
+              <a:rPr lang="en-US" sz="1600" dirty="0">
+                <a:latin typeface="Consolas" panose="020B0609020204030204" pitchFamily="49" charset="0"/>
+                <a:cs typeface="Courier New" panose="02070309020205020404" pitchFamily="49" charset="0"/>
+              </a:rPr>
+              <a:t> </a:t>
+            </a:r>
+            <a:r>
+              <a:rPr lang="en-US" sz="1600" dirty="0" smtClean="0">
+                <a:latin typeface="Consolas" panose="020B0609020204030204" pitchFamily="49" charset="0"/>
+                <a:cs typeface="Courier New" panose="02070309020205020404" pitchFamily="49" charset="0"/>
+              </a:rPr>
+              <a:t>    </a:t>
+            </a:r>
+            <a:r>
+              <a:rPr lang="en-US" sz="1600" b="1" dirty="0" err="1" smtClean="0">
+                <a:latin typeface="Consolas" panose="020B0609020204030204" pitchFamily="49" charset="0"/>
+                <a:cs typeface="Courier New" panose="02070309020205020404" pitchFamily="49" charset="0"/>
+              </a:rPr>
+              <a:t>tel</a:t>
+            </a:r>
+            <a:r>
+              <a:rPr lang="en-US" sz="1600" dirty="0">
+                <a:latin typeface="Consolas" panose="020B0609020204030204" pitchFamily="49" charset="0"/>
+                <a:cs typeface="Courier New" panose="02070309020205020404" pitchFamily="49" charset="0"/>
+              </a:rPr>
+              <a:t>;</a:t>
+            </a:r>
+          </a:p>
+        </p:txBody>
+      </p:sp>
+      <p:sp>
+        <p:nvSpPr>
+          <p:cNvPr id="2" name="Rectangle 1"/>
+          <p:cNvSpPr/>
+          <p:nvPr/>
+        </p:nvSpPr>
+        <p:spPr>
+          <a:xfrm>
+            <a:off x="1709256" y="2666768"/>
+            <a:ext cx="633507" cy="4368375"/>
+          </a:xfrm>
+          <a:prstGeom prst="rect">
+            <a:avLst/>
+          </a:prstGeom>
+        </p:spPr>
+        <p:txBody>
+          <a:bodyPr wrap="none">
+            <a:spAutoFit/>
+          </a:bodyPr>
+          <a:lstStyle/>
+          <a:p>
+            <a:pPr>
+              <a:lnSpc>
+                <a:spcPct val="120000"/>
+              </a:lnSpc>
+              <a:spcBef>
+                <a:spcPts val="1000"/>
+              </a:spcBef>
+            </a:pPr>
+            <a:r>
+              <a:rPr lang="en-US" sz="1600" b="1" dirty="0" smtClean="0">
+                <a:latin typeface="Consolas" panose="020B0609020204030204" pitchFamily="49" charset="0"/>
+                <a:cs typeface="Courier New" panose="02070309020205020404" pitchFamily="49" charset="0"/>
+              </a:rPr>
+              <a:t> </a:t>
+            </a:r>
+            <a:r>
+              <a:rPr lang="en-US" sz="1600" b="1" dirty="0" smtClean="0">
+                <a:latin typeface="Consolas" panose="020B0609020204030204" pitchFamily="49" charset="0"/>
                 <a:cs typeface="Courier New" panose="02070309020205020404" pitchFamily="49" charset="0"/>
               </a:rPr>
               <a:t>(1)</a:t>
             </a:r>
-          </a:p>
-          <a:p>
-            <a:pPr marL="0" indent="0">
-              <a:buNone/>
+            <a:endParaRPr lang="en-US" sz="1600" b="1" dirty="0" smtClean="0">
+              <a:latin typeface="Consolas" panose="020B0609020204030204" pitchFamily="49" charset="0"/>
+              <a:cs typeface="Courier New" panose="02070309020205020404" pitchFamily="49" charset="0"/>
+            </a:endParaRPr>
+          </a:p>
+          <a:p>
+            <a:pPr>
+              <a:lnSpc>
+                <a:spcPct val="120000"/>
+              </a:lnSpc>
+              <a:spcBef>
+                <a:spcPts val="1000"/>
+              </a:spcBef>
             </a:pPr>
             <a:r>
-              <a:rPr lang="en-US" sz="1600" dirty="0" smtClean="0">
-                <a:latin typeface="Courier New" panose="02070309020205020404" pitchFamily="49" charset="0"/>
-                <a:cs typeface="Courier New" panose="02070309020205020404" pitchFamily="49" charset="0"/>
-              </a:rPr>
-              <a:t>	a2_below </a:t>
-            </a:r>
-            <a:r>
-              <a:rPr lang="en-US" sz="1600" dirty="0">
-                <a:latin typeface="Courier New" panose="02070309020205020404" pitchFamily="49" charset="0"/>
-                <a:cs typeface="Courier New" panose="02070309020205020404" pitchFamily="49" charset="0"/>
-              </a:rPr>
-              <a:t>= (alt2 </a:t>
-            </a:r>
-            <a:r>
-              <a:rPr lang="en-US" sz="1600" b="1" dirty="0">
-                <a:latin typeface="Courier New" panose="02070309020205020404" pitchFamily="49" charset="0"/>
-                <a:cs typeface="Courier New" panose="02070309020205020404" pitchFamily="49" charset="0"/>
-              </a:rPr>
-              <a:t>&lt;</a:t>
-            </a:r>
-            <a:r>
-              <a:rPr lang="en-US" sz="1600" dirty="0">
-                <a:latin typeface="Courier New" panose="02070309020205020404" pitchFamily="49" charset="0"/>
-                <a:cs typeface="Courier New" panose="02070309020205020404" pitchFamily="49" charset="0"/>
-              </a:rPr>
-              <a:t> THRESHOLD); </a:t>
-            </a:r>
-            <a:r>
-              <a:rPr lang="en-US" sz="1600" dirty="0" smtClean="0">
-                <a:latin typeface="Courier New" panose="02070309020205020404" pitchFamily="49" charset="0"/>
-                <a:cs typeface="Courier New" panose="02070309020205020404" pitchFamily="49" charset="0"/>
-              </a:rPr>
-              <a:t>        // </a:t>
-            </a:r>
-            <a:r>
-              <a:rPr lang="en-US" sz="1600" dirty="0">
-                <a:latin typeface="Courier New" panose="02070309020205020404" pitchFamily="49" charset="0"/>
+              <a:rPr lang="en-US" sz="1600" b="1" dirty="0" smtClean="0">
+                <a:latin typeface="Consolas" panose="020B0609020204030204" pitchFamily="49" charset="0"/>
+                <a:cs typeface="Courier New" panose="02070309020205020404" pitchFamily="49" charset="0"/>
+              </a:rPr>
+              <a:t> </a:t>
+            </a:r>
+            <a:r>
+              <a:rPr lang="en-US" sz="1600" b="1" dirty="0" smtClean="0">
+                <a:latin typeface="Consolas" panose="020B0609020204030204" pitchFamily="49" charset="0"/>
                 <a:cs typeface="Courier New" panose="02070309020205020404" pitchFamily="49" charset="0"/>
               </a:rPr>
               <a:t>(2)</a:t>
             </a:r>
-          </a:p>
-          <a:p>
-            <a:pPr marL="0" indent="0">
-              <a:buNone/>
+            <a:endParaRPr lang="en-US" sz="1600" b="1" dirty="0" smtClean="0">
+              <a:latin typeface="Consolas" panose="020B0609020204030204" pitchFamily="49" charset="0"/>
+              <a:cs typeface="Courier New" panose="02070309020205020404" pitchFamily="49" charset="0"/>
+            </a:endParaRPr>
+          </a:p>
+          <a:p>
+            <a:pPr>
+              <a:lnSpc>
+                <a:spcPct val="120000"/>
+              </a:lnSpc>
+              <a:spcBef>
+                <a:spcPts val="1000"/>
+              </a:spcBef>
             </a:pPr>
             <a:r>
-              <a:rPr lang="en-US" sz="1600" dirty="0" smtClean="0">
-                <a:latin typeface="Courier New" panose="02070309020205020404" pitchFamily="49" charset="0"/>
-                <a:cs typeface="Courier New" panose="02070309020205020404" pitchFamily="49" charset="0"/>
-              </a:rPr>
-              <a:t>	a1_above </a:t>
-            </a:r>
-            <a:r>
-              <a:rPr lang="en-US" sz="1600" dirty="0">
-                <a:latin typeface="Courier New" panose="02070309020205020404" pitchFamily="49" charset="0"/>
-                <a:cs typeface="Courier New" panose="02070309020205020404" pitchFamily="49" charset="0"/>
-              </a:rPr>
-              <a:t>= (alt1 </a:t>
-            </a:r>
-            <a:r>
-              <a:rPr lang="en-US" sz="1600" b="1" dirty="0">
-                <a:latin typeface="Courier New" panose="02070309020205020404" pitchFamily="49" charset="0"/>
-                <a:cs typeface="Courier New" panose="02070309020205020404" pitchFamily="49" charset="0"/>
-              </a:rPr>
-              <a:t>&gt;=</a:t>
-            </a:r>
-            <a:r>
-              <a:rPr lang="en-US" sz="1600" dirty="0">
-                <a:latin typeface="Courier New" panose="02070309020205020404" pitchFamily="49" charset="0"/>
-                <a:cs typeface="Courier New" panose="02070309020205020404" pitchFamily="49" charset="0"/>
-              </a:rPr>
-              <a:t> T_HYST); </a:t>
-            </a:r>
-            <a:r>
-              <a:rPr lang="en-US" sz="1600" dirty="0" smtClean="0">
-                <a:latin typeface="Courier New" panose="02070309020205020404" pitchFamily="49" charset="0"/>
-                <a:cs typeface="Courier New" panose="02070309020205020404" pitchFamily="49" charset="0"/>
-              </a:rPr>
-              <a:t>          // </a:t>
-            </a:r>
-            <a:r>
-              <a:rPr lang="en-US" sz="1600" dirty="0">
-                <a:latin typeface="Courier New" panose="02070309020205020404" pitchFamily="49" charset="0"/>
+              <a:rPr lang="en-US" sz="1600" b="1" dirty="0" smtClean="0">
+                <a:latin typeface="Consolas" panose="020B0609020204030204" pitchFamily="49" charset="0"/>
+                <a:cs typeface="Courier New" panose="02070309020205020404" pitchFamily="49" charset="0"/>
+              </a:rPr>
+              <a:t> </a:t>
+            </a:r>
+            <a:r>
+              <a:rPr lang="en-US" sz="1600" b="1" dirty="0" smtClean="0">
+                <a:latin typeface="Consolas" panose="020B0609020204030204" pitchFamily="49" charset="0"/>
                 <a:cs typeface="Courier New" panose="02070309020205020404" pitchFamily="49" charset="0"/>
               </a:rPr>
               <a:t>(3)</a:t>
             </a:r>
-          </a:p>
-          <a:p>
-            <a:pPr marL="0" indent="0">
-              <a:buNone/>
+            <a:endParaRPr lang="en-US" sz="1600" b="1" dirty="0" smtClean="0">
+              <a:latin typeface="Consolas" panose="020B0609020204030204" pitchFamily="49" charset="0"/>
+              <a:cs typeface="Courier New" panose="02070309020205020404" pitchFamily="49" charset="0"/>
+            </a:endParaRPr>
+          </a:p>
+          <a:p>
+            <a:pPr>
+              <a:lnSpc>
+                <a:spcPct val="120000"/>
+              </a:lnSpc>
+              <a:spcBef>
+                <a:spcPts val="1000"/>
+              </a:spcBef>
             </a:pPr>
             <a:r>
-              <a:rPr lang="en-US" sz="1600" dirty="0" smtClean="0">
-                <a:latin typeface="Courier New" panose="02070309020205020404" pitchFamily="49" charset="0"/>
-                <a:cs typeface="Courier New" panose="02070309020205020404" pitchFamily="49" charset="0"/>
-              </a:rPr>
-              <a:t>	a2_above </a:t>
-            </a:r>
-            <a:r>
-              <a:rPr lang="en-US" sz="1600" dirty="0">
-                <a:latin typeface="Courier New" panose="02070309020205020404" pitchFamily="49" charset="0"/>
-                <a:cs typeface="Courier New" panose="02070309020205020404" pitchFamily="49" charset="0"/>
-              </a:rPr>
-              <a:t>= (alt2 </a:t>
-            </a:r>
-            <a:r>
-              <a:rPr lang="en-US" sz="1600" b="1" dirty="0">
-                <a:latin typeface="Courier New" panose="02070309020205020404" pitchFamily="49" charset="0"/>
-                <a:cs typeface="Courier New" panose="02070309020205020404" pitchFamily="49" charset="0"/>
-              </a:rPr>
-              <a:t>&gt;=</a:t>
-            </a:r>
-            <a:r>
-              <a:rPr lang="en-US" sz="1600" dirty="0">
-                <a:latin typeface="Courier New" panose="02070309020205020404" pitchFamily="49" charset="0"/>
-                <a:cs typeface="Courier New" panose="02070309020205020404" pitchFamily="49" charset="0"/>
-              </a:rPr>
-              <a:t> T_HYST); </a:t>
-            </a:r>
-            <a:r>
-              <a:rPr lang="en-US" sz="1600" dirty="0" smtClean="0">
-                <a:latin typeface="Courier New" panose="02070309020205020404" pitchFamily="49" charset="0"/>
-                <a:cs typeface="Courier New" panose="02070309020205020404" pitchFamily="49" charset="0"/>
-              </a:rPr>
-              <a:t>          // </a:t>
-            </a:r>
-            <a:r>
-              <a:rPr lang="en-US" sz="1600" dirty="0">
-                <a:latin typeface="Courier New" panose="02070309020205020404" pitchFamily="49" charset="0"/>
+              <a:rPr lang="en-US" sz="1600" b="1" dirty="0" smtClean="0">
+                <a:latin typeface="Consolas" panose="020B0609020204030204" pitchFamily="49" charset="0"/>
+                <a:cs typeface="Courier New" panose="02070309020205020404" pitchFamily="49" charset="0"/>
+              </a:rPr>
+              <a:t> </a:t>
+            </a:r>
+            <a:r>
+              <a:rPr lang="en-US" sz="1600" b="1" dirty="0" smtClean="0">
+                <a:latin typeface="Consolas" panose="020B0609020204030204" pitchFamily="49" charset="0"/>
                 <a:cs typeface="Courier New" panose="02070309020205020404" pitchFamily="49" charset="0"/>
               </a:rPr>
               <a:t>(4)</a:t>
             </a:r>
-          </a:p>
-          <a:p>
-            <a:pPr marL="0" indent="0">
-              <a:buNone/>
+            <a:endParaRPr lang="en-US" sz="1600" b="1" dirty="0" smtClean="0">
+              <a:latin typeface="Consolas" panose="020B0609020204030204" pitchFamily="49" charset="0"/>
+              <a:cs typeface="Courier New" panose="02070309020205020404" pitchFamily="49" charset="0"/>
+            </a:endParaRPr>
+          </a:p>
+          <a:p>
+            <a:pPr>
+              <a:lnSpc>
+                <a:spcPct val="120000"/>
+              </a:lnSpc>
+              <a:spcBef>
+                <a:spcPts val="1000"/>
+              </a:spcBef>
             </a:pPr>
             <a:r>
-              <a:rPr lang="en-US" sz="1600" dirty="0" smtClean="0">
-                <a:latin typeface="Courier New" panose="02070309020205020404" pitchFamily="49" charset="0"/>
-                <a:cs typeface="Courier New" panose="02070309020205020404" pitchFamily="49" charset="0"/>
-              </a:rPr>
-              <a:t>	below </a:t>
-            </a:r>
-            <a:r>
-              <a:rPr lang="en-US" sz="1600" dirty="0">
-                <a:latin typeface="Courier New" panose="02070309020205020404" pitchFamily="49" charset="0"/>
-                <a:cs typeface="Courier New" panose="02070309020205020404" pitchFamily="49" charset="0"/>
-              </a:rPr>
-              <a:t>= a1_below</a:t>
-            </a:r>
-            <a:r>
-              <a:rPr lang="en-US" sz="1600" b="1" dirty="0">
-                <a:latin typeface="Courier New" panose="02070309020205020404" pitchFamily="49" charset="0"/>
-                <a:cs typeface="Courier New" panose="02070309020205020404" pitchFamily="49" charset="0"/>
-              </a:rPr>
-              <a:t> or </a:t>
-            </a:r>
-            <a:r>
-              <a:rPr lang="en-US" sz="1600" dirty="0">
-                <a:latin typeface="Courier New" panose="02070309020205020404" pitchFamily="49" charset="0"/>
-                <a:cs typeface="Courier New" panose="02070309020205020404" pitchFamily="49" charset="0"/>
-              </a:rPr>
-              <a:t>a2_below; </a:t>
-            </a:r>
-            <a:r>
-              <a:rPr lang="en-US" sz="1600" dirty="0" smtClean="0">
-                <a:latin typeface="Courier New" panose="02070309020205020404" pitchFamily="49" charset="0"/>
-                <a:cs typeface="Courier New" panose="02070309020205020404" pitchFamily="49" charset="0"/>
-              </a:rPr>
-              <a:t>         // </a:t>
-            </a:r>
-            <a:r>
-              <a:rPr lang="en-US" sz="1600" dirty="0">
-                <a:latin typeface="Courier New" panose="02070309020205020404" pitchFamily="49" charset="0"/>
+              <a:rPr lang="en-US" sz="1600" b="1" dirty="0" smtClean="0">
+                <a:latin typeface="Consolas" panose="020B0609020204030204" pitchFamily="49" charset="0"/>
+                <a:cs typeface="Courier New" panose="02070309020205020404" pitchFamily="49" charset="0"/>
+              </a:rPr>
+              <a:t> </a:t>
+            </a:r>
+            <a:r>
+              <a:rPr lang="en-US" sz="1600" b="1" dirty="0" smtClean="0">
+                <a:latin typeface="Consolas" panose="020B0609020204030204" pitchFamily="49" charset="0"/>
                 <a:cs typeface="Courier New" panose="02070309020205020404" pitchFamily="49" charset="0"/>
               </a:rPr>
               <a:t>(5)</a:t>
             </a:r>
-          </a:p>
-          <a:p>
-            <a:pPr marL="0" indent="0">
-              <a:buNone/>
+            <a:endParaRPr lang="en-US" sz="1600" b="1" dirty="0" smtClean="0">
+              <a:latin typeface="Consolas" panose="020B0609020204030204" pitchFamily="49" charset="0"/>
+              <a:cs typeface="Courier New" panose="02070309020205020404" pitchFamily="49" charset="0"/>
+            </a:endParaRPr>
+          </a:p>
+          <a:p>
+            <a:pPr>
+              <a:lnSpc>
+                <a:spcPct val="120000"/>
+              </a:lnSpc>
+              <a:spcBef>
+                <a:spcPts val="1000"/>
+              </a:spcBef>
             </a:pPr>
             <a:r>
-              <a:rPr lang="en-US" sz="1600" dirty="0" smtClean="0">
-                <a:latin typeface="Courier New" panose="02070309020205020404" pitchFamily="49" charset="0"/>
-                <a:cs typeface="Courier New" panose="02070309020205020404" pitchFamily="49" charset="0"/>
-              </a:rPr>
-              <a:t>	</a:t>
-            </a:r>
-            <a:r>
-              <a:rPr lang="en-US" sz="1600" dirty="0" err="1" smtClean="0">
-                <a:latin typeface="Courier New" panose="02070309020205020404" pitchFamily="49" charset="0"/>
-                <a:cs typeface="Courier New" panose="02070309020205020404" pitchFamily="49" charset="0"/>
-              </a:rPr>
-              <a:t>above_hyst</a:t>
-            </a:r>
-            <a:r>
-              <a:rPr lang="en-US" sz="1600" dirty="0" smtClean="0">
-                <a:latin typeface="Courier New" panose="02070309020205020404" pitchFamily="49" charset="0"/>
+              <a:rPr lang="en-US" sz="1600" b="1" dirty="0" smtClean="0">
+                <a:latin typeface="Consolas" panose="020B0609020204030204" pitchFamily="49" charset="0"/>
                 <a:cs typeface="Courier New" panose="02070309020205020404" pitchFamily="49" charset="0"/>
               </a:rPr>
               <a:t> </a:t>
             </a:r>
             <a:r>
-              <a:rPr lang="en-US" sz="1600" dirty="0">
-                <a:latin typeface="Courier New" panose="02070309020205020404" pitchFamily="49" charset="0"/>
-                <a:cs typeface="Courier New" panose="02070309020205020404" pitchFamily="49" charset="0"/>
-              </a:rPr>
-              <a:t>= a1_above </a:t>
-            </a:r>
-            <a:r>
-              <a:rPr lang="en-US" sz="1600" b="1" dirty="0">
-                <a:latin typeface="Courier New" panose="02070309020205020404" pitchFamily="49" charset="0"/>
-                <a:cs typeface="Courier New" panose="02070309020205020404" pitchFamily="49" charset="0"/>
-              </a:rPr>
-              <a:t>and</a:t>
-            </a:r>
-            <a:r>
-              <a:rPr lang="en-US" sz="1600" dirty="0">
-                <a:latin typeface="Courier New" panose="02070309020205020404" pitchFamily="49" charset="0"/>
-                <a:cs typeface="Courier New" panose="02070309020205020404" pitchFamily="49" charset="0"/>
-              </a:rPr>
-              <a:t> a2_above; </a:t>
-            </a:r>
-            <a:r>
-              <a:rPr lang="en-US" sz="1600" dirty="0" smtClean="0">
-                <a:latin typeface="Courier New" panose="02070309020205020404" pitchFamily="49" charset="0"/>
-                <a:cs typeface="Courier New" panose="02070309020205020404" pitchFamily="49" charset="0"/>
-              </a:rPr>
-              <a:t>   // </a:t>
-            </a:r>
-            <a:r>
-              <a:rPr lang="en-US" sz="1600" dirty="0">
-                <a:latin typeface="Courier New" panose="02070309020205020404" pitchFamily="49" charset="0"/>
+              <a:rPr lang="en-US" sz="1600" b="1" dirty="0" smtClean="0">
+                <a:latin typeface="Consolas" panose="020B0609020204030204" pitchFamily="49" charset="0"/>
                 <a:cs typeface="Courier New" panose="02070309020205020404" pitchFamily="49" charset="0"/>
               </a:rPr>
               <a:t>(6)</a:t>
             </a:r>
-          </a:p>
-          <a:p>
-            <a:pPr marL="0" indent="0">
-              <a:buNone/>
+            <a:endParaRPr lang="en-US" sz="1600" b="1" dirty="0" smtClean="0">
+              <a:latin typeface="Consolas" panose="020B0609020204030204" pitchFamily="49" charset="0"/>
+              <a:cs typeface="Courier New" panose="02070309020205020404" pitchFamily="49" charset="0"/>
+            </a:endParaRPr>
+          </a:p>
+          <a:p>
+            <a:pPr>
+              <a:lnSpc>
+                <a:spcPct val="120000"/>
+              </a:lnSpc>
+              <a:spcBef>
+                <a:spcPts val="1000"/>
+              </a:spcBef>
             </a:pPr>
             <a:r>
-              <a:rPr lang="en-US" sz="1600" dirty="0" smtClean="0">
-                <a:latin typeface="Courier New" panose="02070309020205020404" pitchFamily="49" charset="0"/>
-                <a:cs typeface="Courier New" panose="02070309020205020404" pitchFamily="49" charset="0"/>
-              </a:rPr>
-              <a:t>	</a:t>
-            </a:r>
-            <a:r>
-              <a:rPr lang="en-US" sz="1600" dirty="0" err="1" smtClean="0">
-                <a:latin typeface="Courier New" panose="02070309020205020404" pitchFamily="49" charset="0"/>
-                <a:cs typeface="Courier New" panose="02070309020205020404" pitchFamily="49" charset="0"/>
-              </a:rPr>
-              <a:t>doi_on</a:t>
-            </a:r>
-            <a:r>
-              <a:rPr lang="en-US" sz="1600" dirty="0" smtClean="0">
-                <a:latin typeface="Courier New" panose="02070309020205020404" pitchFamily="49" charset="0"/>
+              <a:rPr lang="en-US" sz="1600" b="1" dirty="0" smtClean="0">
+                <a:latin typeface="Consolas" panose="020B0609020204030204" pitchFamily="49" charset="0"/>
                 <a:cs typeface="Courier New" panose="02070309020205020404" pitchFamily="49" charset="0"/>
               </a:rPr>
               <a:t> </a:t>
             </a:r>
             <a:r>
-              <a:rPr lang="en-US" sz="1600" dirty="0">
-                <a:latin typeface="Courier New" panose="02070309020205020404" pitchFamily="49" charset="0"/>
-                <a:cs typeface="Courier New" panose="02070309020205020404" pitchFamily="49" charset="0"/>
-              </a:rPr>
-              <a:t>= </a:t>
-            </a:r>
-            <a:r>
-              <a:rPr lang="en-US" sz="1600" b="1" dirty="0">
-                <a:latin typeface="Courier New" panose="02070309020205020404" pitchFamily="49" charset="0"/>
-                <a:cs typeface="Courier New" panose="02070309020205020404" pitchFamily="49" charset="0"/>
-              </a:rPr>
-              <a:t>if</a:t>
-            </a:r>
-            <a:r>
-              <a:rPr lang="en-US" sz="1600" dirty="0">
-                <a:latin typeface="Courier New" panose="02070309020205020404" pitchFamily="49" charset="0"/>
-                <a:cs typeface="Courier New" panose="02070309020205020404" pitchFamily="49" charset="0"/>
-              </a:rPr>
-              <a:t> (below </a:t>
-            </a:r>
-            <a:r>
-              <a:rPr lang="en-US" sz="1600" b="1" dirty="0">
-                <a:latin typeface="Courier New" panose="02070309020205020404" pitchFamily="49" charset="0"/>
-                <a:cs typeface="Courier New" panose="02070309020205020404" pitchFamily="49" charset="0"/>
-              </a:rPr>
-              <a:t>and</a:t>
-            </a:r>
-            <a:r>
-              <a:rPr lang="en-US" sz="1600" dirty="0">
-                <a:latin typeface="Courier New" panose="02070309020205020404" pitchFamily="49" charset="0"/>
+              <a:rPr lang="en-US" sz="1600" b="1" dirty="0" smtClean="0">
+                <a:latin typeface="Consolas" panose="020B0609020204030204" pitchFamily="49" charset="0"/>
+                <a:cs typeface="Courier New" panose="02070309020205020404" pitchFamily="49" charset="0"/>
+              </a:rPr>
+              <a:t>(7)</a:t>
+            </a:r>
+            <a:r>
+              <a:rPr lang="en-US" sz="1600" b="1" dirty="0" smtClean="0">
+                <a:latin typeface="Consolas" panose="020B0609020204030204" pitchFamily="49" charset="0"/>
+                <a:cs typeface="Courier New" panose="02070309020205020404" pitchFamily="49" charset="0"/>
+              </a:rPr>
+              <a:t/>
+            </a:r>
+            <a:br>
+              <a:rPr lang="en-US" sz="1600" b="1" dirty="0" smtClean="0">
+                <a:latin typeface="Consolas" panose="020B0609020204030204" pitchFamily="49" charset="0"/>
+                <a:cs typeface="Courier New" panose="02070309020205020404" pitchFamily="49" charset="0"/>
+              </a:rPr>
+            </a:br>
+            <a:endParaRPr lang="en-US" sz="1600" b="1" dirty="0" smtClean="0">
+              <a:latin typeface="Consolas" panose="020B0609020204030204" pitchFamily="49" charset="0"/>
+              <a:cs typeface="Courier New" panose="02070309020205020404" pitchFamily="49" charset="0"/>
+            </a:endParaRPr>
+          </a:p>
+          <a:p>
+            <a:pPr>
+              <a:lnSpc>
+                <a:spcPct val="120000"/>
+              </a:lnSpc>
+              <a:spcBef>
+                <a:spcPts val="1000"/>
+              </a:spcBef>
+            </a:pPr>
+            <a:r>
+              <a:rPr lang="en-US" sz="1600" b="1" dirty="0" smtClean="0">
+                <a:latin typeface="Consolas" panose="020B0609020204030204" pitchFamily="49" charset="0"/>
                 <a:cs typeface="Courier New" panose="02070309020205020404" pitchFamily="49" charset="0"/>
               </a:rPr>
               <a:t> </a:t>
             </a:r>
             <a:r>
-              <a:rPr lang="en-US" sz="1600" b="1" dirty="0">
-                <a:latin typeface="Courier New" panose="02070309020205020404" pitchFamily="49" charset="0"/>
-                <a:cs typeface="Courier New" panose="02070309020205020404" pitchFamily="49" charset="0"/>
-              </a:rPr>
-              <a:t>not</a:t>
-            </a:r>
-            <a:r>
-              <a:rPr lang="en-US" sz="1600" dirty="0">
-                <a:latin typeface="Courier New" panose="02070309020205020404" pitchFamily="49" charset="0"/>
-                <a:cs typeface="Courier New" panose="02070309020205020404" pitchFamily="49" charset="0"/>
-              </a:rPr>
-              <a:t> inhibit) </a:t>
-            </a:r>
-            <a:r>
-              <a:rPr lang="en-US" sz="1600" dirty="0" smtClean="0">
-                <a:latin typeface="Courier New" panose="02070309020205020404" pitchFamily="49" charset="0"/>
-                <a:cs typeface="Courier New" panose="02070309020205020404" pitchFamily="49" charset="0"/>
-              </a:rPr>
-              <a:t>   // </a:t>
-            </a:r>
-            <a:r>
-              <a:rPr lang="en-US" sz="1600" dirty="0">
-                <a:latin typeface="Courier New" panose="02070309020205020404" pitchFamily="49" charset="0"/>
-                <a:cs typeface="Courier New" panose="02070309020205020404" pitchFamily="49" charset="0"/>
-              </a:rPr>
-              <a:t>(7)</a:t>
-            </a:r>
-          </a:p>
-          <a:p>
-            <a:pPr marL="0" indent="0">
-              <a:buNone/>
+              <a:rPr lang="en-US" sz="1600" b="1" dirty="0" smtClean="0">
+                <a:latin typeface="Consolas" panose="020B0609020204030204" pitchFamily="49" charset="0"/>
+                <a:cs typeface="Courier New" panose="02070309020205020404" pitchFamily="49" charset="0"/>
+              </a:rPr>
+              <a:t>(8)</a:t>
+            </a:r>
+            <a:r>
+              <a:rPr lang="en-US" sz="1600" b="1" dirty="0" smtClean="0">
+                <a:latin typeface="Consolas" panose="020B0609020204030204" pitchFamily="49" charset="0"/>
+                <a:cs typeface="Courier New" panose="02070309020205020404" pitchFamily="49" charset="0"/>
+              </a:rPr>
+              <a:t/>
+            </a:r>
+            <a:br>
+              <a:rPr lang="en-US" sz="1600" b="1" dirty="0" smtClean="0">
+                <a:latin typeface="Consolas" panose="020B0609020204030204" pitchFamily="49" charset="0"/>
+                <a:cs typeface="Courier New" panose="02070309020205020404" pitchFamily="49" charset="0"/>
+              </a:rPr>
+            </a:br>
+            <a:endParaRPr lang="en-US" sz="1600" b="1" dirty="0" smtClean="0">
+              <a:latin typeface="Consolas" panose="020B0609020204030204" pitchFamily="49" charset="0"/>
+              <a:cs typeface="Courier New" panose="02070309020205020404" pitchFamily="49" charset="0"/>
+            </a:endParaRPr>
+          </a:p>
+          <a:p>
+            <a:pPr>
+              <a:lnSpc>
+                <a:spcPct val="120000"/>
+              </a:lnSpc>
+              <a:spcBef>
+                <a:spcPts val="1000"/>
+              </a:spcBef>
             </a:pPr>
             <a:r>
-              <a:rPr lang="en-US" sz="1600" dirty="0" smtClean="0">
-                <a:latin typeface="Courier New" panose="02070309020205020404" pitchFamily="49" charset="0"/>
-                <a:cs typeface="Courier New" panose="02070309020205020404" pitchFamily="49" charset="0"/>
-              </a:rPr>
-              <a:t>		 </a:t>
-            </a:r>
-            <a:r>
-              <a:rPr lang="en-US" sz="1600" dirty="0" smtClean="0">
-                <a:latin typeface="Courier New" panose="02070309020205020404" pitchFamily="49" charset="0"/>
+              <a:rPr lang="en-US" sz="1600" b="1" dirty="0" smtClean="0">
+                <a:latin typeface="Consolas" panose="020B0609020204030204" pitchFamily="49" charset="0"/>
                 <a:cs typeface="Courier New" panose="02070309020205020404" pitchFamily="49" charset="0"/>
               </a:rPr>
               <a:t> </a:t>
             </a:r>
             <a:r>
               <a:rPr lang="en-US" sz="1600" b="1" dirty="0" smtClean="0">
-                <a:latin typeface="Courier New" panose="02070309020205020404" pitchFamily="49" charset="0"/>
-                <a:cs typeface="Courier New" panose="02070309020205020404" pitchFamily="49" charset="0"/>
-              </a:rPr>
-              <a:t>t</a:t>
-            </a:r>
-            <a:r>
-              <a:rPr lang="en-US" sz="1600" b="1" dirty="0" smtClean="0">
-                <a:latin typeface="Courier New" panose="02070309020205020404" pitchFamily="49" charset="0"/>
-                <a:cs typeface="Courier New" panose="02070309020205020404" pitchFamily="49" charset="0"/>
-              </a:rPr>
-              <a:t>hen</a:t>
-            </a:r>
-            <a:r>
-              <a:rPr lang="en-US" sz="1600" dirty="0" smtClean="0">
-                <a:latin typeface="Courier New" panose="02070309020205020404" pitchFamily="49" charset="0"/>
-                <a:cs typeface="Courier New" panose="02070309020205020404" pitchFamily="49" charset="0"/>
-              </a:rPr>
-              <a:t> </a:t>
-            </a:r>
-            <a:r>
-              <a:rPr lang="en-US" sz="1600" i="1" dirty="0">
-                <a:latin typeface="Courier New" panose="02070309020205020404" pitchFamily="49" charset="0"/>
-                <a:cs typeface="Courier New" panose="02070309020205020404" pitchFamily="49" charset="0"/>
-              </a:rPr>
-              <a:t>true</a:t>
-            </a:r>
-            <a:r>
-              <a:rPr lang="en-US" sz="1600" dirty="0">
-                <a:latin typeface="Courier New" panose="02070309020205020404" pitchFamily="49" charset="0"/>
-                <a:cs typeface="Courier New" panose="02070309020205020404" pitchFamily="49" charset="0"/>
-              </a:rPr>
-              <a:t> </a:t>
-            </a:r>
-            <a:r>
-              <a:rPr lang="en-US" sz="1600" b="1" dirty="0">
-                <a:latin typeface="Courier New" panose="02070309020205020404" pitchFamily="49" charset="0"/>
-                <a:cs typeface="Courier New" panose="02070309020205020404" pitchFamily="49" charset="0"/>
-              </a:rPr>
-              <a:t>else</a:t>
-            </a:r>
-            <a:r>
-              <a:rPr lang="en-US" sz="1600" dirty="0">
-                <a:latin typeface="Courier New" panose="02070309020205020404" pitchFamily="49" charset="0"/>
-                <a:cs typeface="Courier New" panose="02070309020205020404" pitchFamily="49" charset="0"/>
-              </a:rPr>
-              <a:t> d1;</a:t>
-            </a:r>
-          </a:p>
-          <a:p>
-            <a:pPr marL="0" indent="0">
-              <a:buNone/>
-            </a:pPr>
-            <a:r>
-              <a:rPr lang="en-US" sz="1600" dirty="0" smtClean="0">
-                <a:latin typeface="Courier New" panose="02070309020205020404" pitchFamily="49" charset="0"/>
-                <a:cs typeface="Courier New" panose="02070309020205020404" pitchFamily="49" charset="0"/>
-              </a:rPr>
-              <a:t>	d1 </a:t>
-            </a:r>
-            <a:r>
-              <a:rPr lang="en-US" sz="1600" dirty="0">
-                <a:latin typeface="Courier New" panose="02070309020205020404" pitchFamily="49" charset="0"/>
-                <a:cs typeface="Courier New" panose="02070309020205020404" pitchFamily="49" charset="0"/>
-              </a:rPr>
-              <a:t>= </a:t>
-            </a:r>
-            <a:r>
-              <a:rPr lang="en-US" sz="1600" b="1" dirty="0">
-                <a:latin typeface="Courier New" panose="02070309020205020404" pitchFamily="49" charset="0"/>
-                <a:cs typeface="Courier New" panose="02070309020205020404" pitchFamily="49" charset="0"/>
-              </a:rPr>
-              <a:t>if</a:t>
-            </a:r>
-            <a:r>
-              <a:rPr lang="en-US" sz="1600" dirty="0">
-                <a:latin typeface="Courier New" panose="02070309020205020404" pitchFamily="49" charset="0"/>
-                <a:cs typeface="Courier New" panose="02070309020205020404" pitchFamily="49" charset="0"/>
-              </a:rPr>
-              <a:t> (inhibit </a:t>
-            </a:r>
-            <a:r>
-              <a:rPr lang="en-US" sz="1600" b="1" dirty="0">
-                <a:latin typeface="Courier New" panose="02070309020205020404" pitchFamily="49" charset="0"/>
-                <a:cs typeface="Courier New" panose="02070309020205020404" pitchFamily="49" charset="0"/>
-              </a:rPr>
-              <a:t>or</a:t>
-            </a:r>
-            <a:r>
-              <a:rPr lang="en-US" sz="1600" dirty="0">
-                <a:latin typeface="Courier New" panose="02070309020205020404" pitchFamily="49" charset="0"/>
-                <a:cs typeface="Courier New" panose="02070309020205020404" pitchFamily="49" charset="0"/>
-              </a:rPr>
-              <a:t> </a:t>
-            </a:r>
-            <a:r>
-              <a:rPr lang="en-US" sz="1600" dirty="0" err="1">
-                <a:latin typeface="Courier New" panose="02070309020205020404" pitchFamily="49" charset="0"/>
-                <a:cs typeface="Courier New" panose="02070309020205020404" pitchFamily="49" charset="0"/>
-              </a:rPr>
-              <a:t>above_hyst</a:t>
-            </a:r>
-            <a:r>
-              <a:rPr lang="en-US" sz="1600" dirty="0">
-                <a:latin typeface="Courier New" panose="02070309020205020404" pitchFamily="49" charset="0"/>
-                <a:cs typeface="Courier New" panose="02070309020205020404" pitchFamily="49" charset="0"/>
-              </a:rPr>
-              <a:t>) </a:t>
-            </a:r>
-            <a:r>
-              <a:rPr lang="en-US" sz="1600" dirty="0" smtClean="0">
-                <a:latin typeface="Courier New" panose="02070309020205020404" pitchFamily="49" charset="0"/>
-                <a:cs typeface="Courier New" panose="02070309020205020404" pitchFamily="49" charset="0"/>
-              </a:rPr>
-              <a:t>       // </a:t>
-            </a:r>
-            <a:r>
-              <a:rPr lang="en-US" sz="1600" dirty="0">
-                <a:latin typeface="Courier New" panose="02070309020205020404" pitchFamily="49" charset="0"/>
-                <a:cs typeface="Courier New" panose="02070309020205020404" pitchFamily="49" charset="0"/>
-              </a:rPr>
-              <a:t>(8)</a:t>
-            </a:r>
-          </a:p>
-          <a:p>
-            <a:pPr marL="0" indent="0">
-              <a:buNone/>
-            </a:pPr>
-            <a:r>
-              <a:rPr lang="en-US" sz="1600" dirty="0" smtClean="0">
-                <a:latin typeface="Courier New" panose="02070309020205020404" pitchFamily="49" charset="0"/>
-                <a:cs typeface="Courier New" panose="02070309020205020404" pitchFamily="49" charset="0"/>
-              </a:rPr>
-              <a:t>	     </a:t>
-            </a:r>
-            <a:r>
-              <a:rPr lang="en-US" sz="1600" b="1" dirty="0" smtClean="0">
-                <a:latin typeface="Courier New" panose="02070309020205020404" pitchFamily="49" charset="0"/>
-                <a:cs typeface="Courier New" panose="02070309020205020404" pitchFamily="49" charset="0"/>
-              </a:rPr>
-              <a:t>then</a:t>
-            </a:r>
-            <a:r>
-              <a:rPr lang="en-US" sz="1600" dirty="0" smtClean="0">
-                <a:latin typeface="Courier New" panose="02070309020205020404" pitchFamily="49" charset="0"/>
-                <a:cs typeface="Courier New" panose="02070309020205020404" pitchFamily="49" charset="0"/>
-              </a:rPr>
-              <a:t> </a:t>
-            </a:r>
-            <a:r>
-              <a:rPr lang="en-US" sz="1600" i="1" dirty="0">
-                <a:latin typeface="Courier New" panose="02070309020205020404" pitchFamily="49" charset="0"/>
-                <a:cs typeface="Courier New" panose="02070309020205020404" pitchFamily="49" charset="0"/>
-              </a:rPr>
-              <a:t>false</a:t>
-            </a:r>
-            <a:r>
-              <a:rPr lang="en-US" sz="1600" dirty="0">
-                <a:latin typeface="Courier New" panose="02070309020205020404" pitchFamily="49" charset="0"/>
-                <a:cs typeface="Courier New" panose="02070309020205020404" pitchFamily="49" charset="0"/>
-              </a:rPr>
-              <a:t> </a:t>
-            </a:r>
-            <a:r>
-              <a:rPr lang="en-US" sz="1600" b="1" dirty="0">
-                <a:latin typeface="Courier New" panose="02070309020205020404" pitchFamily="49" charset="0"/>
-                <a:cs typeface="Courier New" panose="02070309020205020404" pitchFamily="49" charset="0"/>
-              </a:rPr>
-              <a:t>else</a:t>
-            </a:r>
-            <a:r>
-              <a:rPr lang="en-US" sz="1600" dirty="0">
-                <a:latin typeface="Courier New" panose="02070309020205020404" pitchFamily="49" charset="0"/>
-                <a:cs typeface="Courier New" panose="02070309020205020404" pitchFamily="49" charset="0"/>
-              </a:rPr>
-              <a:t> d2;</a:t>
-            </a:r>
-          </a:p>
-          <a:p>
-            <a:pPr marL="0" indent="0">
-              <a:buNone/>
-            </a:pPr>
-            <a:r>
-              <a:rPr lang="en-US" sz="1600" dirty="0" smtClean="0">
-                <a:latin typeface="Courier New" panose="02070309020205020404" pitchFamily="49" charset="0"/>
-                <a:cs typeface="Courier New" panose="02070309020205020404" pitchFamily="49" charset="0"/>
-              </a:rPr>
-              <a:t>	d2 </a:t>
-            </a:r>
-            <a:r>
-              <a:rPr lang="en-US" sz="1600" dirty="0">
-                <a:latin typeface="Courier New" panose="02070309020205020404" pitchFamily="49" charset="0"/>
-                <a:cs typeface="Courier New" panose="02070309020205020404" pitchFamily="49" charset="0"/>
-              </a:rPr>
-              <a:t>= (</a:t>
-            </a:r>
-            <a:r>
-              <a:rPr lang="en-US" sz="1600" i="1" dirty="0">
-                <a:latin typeface="Courier New" panose="02070309020205020404" pitchFamily="49" charset="0"/>
-                <a:cs typeface="Courier New" panose="02070309020205020404" pitchFamily="49" charset="0"/>
-              </a:rPr>
-              <a:t>false</a:t>
-            </a:r>
-            <a:r>
-              <a:rPr lang="en-US" sz="1600" dirty="0">
-                <a:latin typeface="Courier New" panose="02070309020205020404" pitchFamily="49" charset="0"/>
-                <a:cs typeface="Courier New" panose="02070309020205020404" pitchFamily="49" charset="0"/>
-              </a:rPr>
-              <a:t> </a:t>
-            </a:r>
-            <a:r>
-              <a:rPr lang="en-US" sz="1600" b="1" dirty="0">
-                <a:latin typeface="Courier New" panose="02070309020205020404" pitchFamily="49" charset="0"/>
-                <a:cs typeface="Courier New" panose="02070309020205020404" pitchFamily="49" charset="0"/>
-              </a:rPr>
-              <a:t>-&gt;</a:t>
-            </a:r>
-            <a:r>
-              <a:rPr lang="en-US" sz="1600" dirty="0">
-                <a:latin typeface="Courier New" panose="02070309020205020404" pitchFamily="49" charset="0"/>
-                <a:cs typeface="Courier New" panose="02070309020205020404" pitchFamily="49" charset="0"/>
-              </a:rPr>
-              <a:t> </a:t>
-            </a:r>
-            <a:r>
-              <a:rPr lang="en-US" sz="1600" i="1" dirty="0">
-                <a:latin typeface="Courier New" panose="02070309020205020404" pitchFamily="49" charset="0"/>
-                <a:cs typeface="Courier New" panose="02070309020205020404" pitchFamily="49" charset="0"/>
-              </a:rPr>
-              <a:t>pre</a:t>
-            </a:r>
-            <a:r>
-              <a:rPr lang="en-US" sz="1600" dirty="0">
-                <a:latin typeface="Courier New" panose="02070309020205020404" pitchFamily="49" charset="0"/>
-                <a:cs typeface="Courier New" panose="02070309020205020404" pitchFamily="49" charset="0"/>
-              </a:rPr>
-              <a:t>(</a:t>
-            </a:r>
-            <a:r>
-              <a:rPr lang="en-US" sz="1600" dirty="0" err="1">
-                <a:latin typeface="Courier New" panose="02070309020205020404" pitchFamily="49" charset="0"/>
-                <a:cs typeface="Courier New" panose="02070309020205020404" pitchFamily="49" charset="0"/>
-              </a:rPr>
-              <a:t>doi_on</a:t>
-            </a:r>
-            <a:r>
-              <a:rPr lang="en-US" sz="1600" dirty="0">
-                <a:latin typeface="Courier New" panose="02070309020205020404" pitchFamily="49" charset="0"/>
-                <a:cs typeface="Courier New" panose="02070309020205020404" pitchFamily="49" charset="0"/>
-              </a:rPr>
-              <a:t>)); </a:t>
-            </a:r>
-            <a:r>
-              <a:rPr lang="en-US" sz="1600" dirty="0" smtClean="0">
-                <a:latin typeface="Courier New" panose="02070309020205020404" pitchFamily="49" charset="0"/>
-                <a:cs typeface="Courier New" panose="02070309020205020404" pitchFamily="49" charset="0"/>
-              </a:rPr>
-              <a:t>          // </a:t>
-            </a:r>
-            <a:r>
-              <a:rPr lang="en-US" sz="1600" dirty="0">
-                <a:latin typeface="Courier New" panose="02070309020205020404" pitchFamily="49" charset="0"/>
+                <a:latin typeface="Consolas" panose="020B0609020204030204" pitchFamily="49" charset="0"/>
                 <a:cs typeface="Courier New" panose="02070309020205020404" pitchFamily="49" charset="0"/>
               </a:rPr>
               <a:t>(9)</a:t>
             </a:r>
-          </a:p>
-          <a:p>
-            <a:pPr marL="0" indent="0">
-              <a:buNone/>
-            </a:pPr>
-            <a:r>
-              <a:rPr lang="en-US" sz="1600" dirty="0">
-                <a:latin typeface="Courier New" panose="02070309020205020404" pitchFamily="49" charset="0"/>
-                <a:cs typeface="Courier New" panose="02070309020205020404" pitchFamily="49" charset="0"/>
-              </a:rPr>
-              <a:t> </a:t>
-            </a:r>
-            <a:r>
-              <a:rPr lang="en-US" sz="1600" dirty="0" smtClean="0">
-                <a:latin typeface="Courier New" panose="02070309020205020404" pitchFamily="49" charset="0"/>
-                <a:cs typeface="Courier New" panose="02070309020205020404" pitchFamily="49" charset="0"/>
-              </a:rPr>
-              <a:t>    </a:t>
-            </a:r>
-            <a:r>
-              <a:rPr lang="en-US" sz="1600" b="1" dirty="0" err="1" smtClean="0">
-                <a:latin typeface="Courier New" panose="02070309020205020404" pitchFamily="49" charset="0"/>
-                <a:cs typeface="Courier New" panose="02070309020205020404" pitchFamily="49" charset="0"/>
-              </a:rPr>
-              <a:t>tel</a:t>
-            </a:r>
-            <a:r>
-              <a:rPr lang="en-US" sz="1600" dirty="0">
-                <a:latin typeface="Courier New" panose="02070309020205020404" pitchFamily="49" charset="0"/>
-                <a:cs typeface="Courier New" panose="02070309020205020404" pitchFamily="49" charset="0"/>
-              </a:rPr>
-              <a:t>;</a:t>
-            </a:r>
+            <a:endParaRPr lang="en-US" sz="1600" b="1" dirty="0" smtClean="0">
+              <a:latin typeface="Consolas" panose="020B0609020204030204" pitchFamily="49" charset="0"/>
+              <a:cs typeface="Courier New" panose="02070309020205020404" pitchFamily="49" charset="0"/>
+            </a:endParaRPr>
+          </a:p>
+        </p:txBody>
+      </p:sp>
+      <p:sp>
+        <p:nvSpPr>
+          <p:cNvPr id="4" name="Rectangle 3"/>
+          <p:cNvSpPr/>
+          <p:nvPr/>
+        </p:nvSpPr>
+        <p:spPr>
+          <a:xfrm>
+            <a:off x="1397000" y="0"/>
+            <a:ext cx="6540500" cy="7658100"/>
+          </a:xfrm>
+          <a:prstGeom prst="rect">
+            <a:avLst/>
+          </a:prstGeom>
+          <a:noFill/>
+          <a:ln w="3175">
+            <a:solidFill>
+              <a:schemeClr val="tx1"/>
+            </a:solidFill>
+          </a:ln>
+        </p:spPr>
+        <p:style>
+          <a:lnRef idx="2">
+            <a:schemeClr val="accent1">
+              <a:shade val="50000"/>
+            </a:schemeClr>
+          </a:lnRef>
+          <a:fillRef idx="1">
+            <a:schemeClr val="accent1"/>
+          </a:fillRef>
+          <a:effectRef idx="0">
+            <a:schemeClr val="accent1"/>
+          </a:effectRef>
+          <a:fontRef idx="minor">
+            <a:schemeClr val="lt1"/>
+          </a:fontRef>
+        </p:style>
+        <p:txBody>
+          <a:bodyPr rtlCol="0" anchor="ctr"/>
+          <a:lstStyle/>
+          <a:p>
+            <a:pPr algn="ctr"/>
+            <a:endParaRPr lang="en-US"/>
           </a:p>
         </p:txBody>
       </p:sp>

--- a/completeness/completeness_TEX/figs/figs.pptx
+++ b/completeness/completeness_TEX/figs/figs.pptx
@@ -10,6 +10,9 @@
     <p:sldId id="260" r:id="rId4"/>
     <p:sldId id="258" r:id="rId5"/>
     <p:sldId id="259" r:id="rId6"/>
+    <p:sldId id="261" r:id="rId7"/>
+    <p:sldId id="263" r:id="rId8"/>
+    <p:sldId id="264" r:id="rId9"/>
   </p:sldIdLst>
   <p:sldSz cx="12192000" cy="6858000"/>
   <p:notesSz cx="6858000" cy="9144000"/>
@@ -247,7 +250,7 @@
           <a:p>
             <a:fld id="{5A779009-EA30-43A9-A43B-F006CC3D9B84}" type="datetimeFigureOut">
               <a:rPr lang="en-US" smtClean="0"/>
-              <a:t>2/2/2017</a:t>
+              <a:t>5/10/2017</a:t>
             </a:fld>
             <a:endParaRPr lang="en-US"/>
           </a:p>
@@ -417,7 +420,7 @@
           <a:p>
             <a:fld id="{5A779009-EA30-43A9-A43B-F006CC3D9B84}" type="datetimeFigureOut">
               <a:rPr lang="en-US" smtClean="0"/>
-              <a:t>2/2/2017</a:t>
+              <a:t>5/10/2017</a:t>
             </a:fld>
             <a:endParaRPr lang="en-US"/>
           </a:p>
@@ -597,7 +600,7 @@
           <a:p>
             <a:fld id="{5A779009-EA30-43A9-A43B-F006CC3D9B84}" type="datetimeFigureOut">
               <a:rPr lang="en-US" smtClean="0"/>
-              <a:t>2/2/2017</a:t>
+              <a:t>5/10/2017</a:t>
             </a:fld>
             <a:endParaRPr lang="en-US"/>
           </a:p>
@@ -767,7 +770,7 @@
           <a:p>
             <a:fld id="{5A779009-EA30-43A9-A43B-F006CC3D9B84}" type="datetimeFigureOut">
               <a:rPr lang="en-US" smtClean="0"/>
-              <a:t>2/2/2017</a:t>
+              <a:t>5/10/2017</a:t>
             </a:fld>
             <a:endParaRPr lang="en-US"/>
           </a:p>
@@ -1013,7 +1016,7 @@
           <a:p>
             <a:fld id="{5A779009-EA30-43A9-A43B-F006CC3D9B84}" type="datetimeFigureOut">
               <a:rPr lang="en-US" smtClean="0"/>
-              <a:t>2/2/2017</a:t>
+              <a:t>5/10/2017</a:t>
             </a:fld>
             <a:endParaRPr lang="en-US"/>
           </a:p>
@@ -1245,7 +1248,7 @@
           <a:p>
             <a:fld id="{5A779009-EA30-43A9-A43B-F006CC3D9B84}" type="datetimeFigureOut">
               <a:rPr lang="en-US" smtClean="0"/>
-              <a:t>2/2/2017</a:t>
+              <a:t>5/10/2017</a:t>
             </a:fld>
             <a:endParaRPr lang="en-US"/>
           </a:p>
@@ -1612,7 +1615,7 @@
           <a:p>
             <a:fld id="{5A779009-EA30-43A9-A43B-F006CC3D9B84}" type="datetimeFigureOut">
               <a:rPr lang="en-US" smtClean="0"/>
-              <a:t>2/2/2017</a:t>
+              <a:t>5/10/2017</a:t>
             </a:fld>
             <a:endParaRPr lang="en-US"/>
           </a:p>
@@ -1730,7 +1733,7 @@
           <a:p>
             <a:fld id="{5A779009-EA30-43A9-A43B-F006CC3D9B84}" type="datetimeFigureOut">
               <a:rPr lang="en-US" smtClean="0"/>
-              <a:t>2/2/2017</a:t>
+              <a:t>5/10/2017</a:t>
             </a:fld>
             <a:endParaRPr lang="en-US"/>
           </a:p>
@@ -1825,7 +1828,7 @@
           <a:p>
             <a:fld id="{5A779009-EA30-43A9-A43B-F006CC3D9B84}" type="datetimeFigureOut">
               <a:rPr lang="en-US" smtClean="0"/>
-              <a:t>2/2/2017</a:t>
+              <a:t>5/10/2017</a:t>
             </a:fld>
             <a:endParaRPr lang="en-US"/>
           </a:p>
@@ -2102,7 +2105,7 @@
           <a:p>
             <a:fld id="{5A779009-EA30-43A9-A43B-F006CC3D9B84}" type="datetimeFigureOut">
               <a:rPr lang="en-US" smtClean="0"/>
-              <a:t>2/2/2017</a:t>
+              <a:t>5/10/2017</a:t>
             </a:fld>
             <a:endParaRPr lang="en-US"/>
           </a:p>
@@ -2355,7 +2358,7 @@
           <a:p>
             <a:fld id="{5A779009-EA30-43A9-A43B-F006CC3D9B84}" type="datetimeFigureOut">
               <a:rPr lang="en-US" smtClean="0"/>
-              <a:t>2/2/2017</a:t>
+              <a:t>5/10/2017</a:t>
             </a:fld>
             <a:endParaRPr lang="en-US"/>
           </a:p>
@@ -2568,7 +2571,7 @@
           <a:p>
             <a:fld id="{5A779009-EA30-43A9-A43B-F006CC3D9B84}" type="datetimeFigureOut">
               <a:rPr lang="en-US" smtClean="0"/>
-              <a:t>2/2/2017</a:t>
+              <a:t>5/10/2017</a:t>
             </a:fld>
             <a:endParaRPr lang="en-US"/>
           </a:p>
@@ -4322,7 +4325,7 @@
         <p:spPr>
           <a:xfrm>
             <a:off x="2114910" y="155276"/>
-            <a:ext cx="5636226" cy="7502824"/>
+            <a:ext cx="5636226" cy="6199804"/>
           </a:xfrm>
         </p:spPr>
         <p:txBody>
@@ -4335,6 +4338,9 @@
               <a:lnSpc>
                 <a:spcPct val="120000"/>
               </a:lnSpc>
+              <a:spcBef>
+                <a:spcPts val="400"/>
+              </a:spcBef>
               <a:buNone/>
             </a:pPr>
             <a:r>
@@ -4399,6 +4405,9 @@
               <a:lnSpc>
                 <a:spcPct val="120000"/>
               </a:lnSpc>
+              <a:spcBef>
+                <a:spcPts val="400"/>
+              </a:spcBef>
               <a:buNone/>
             </a:pPr>
             <a:r>
@@ -4413,14 +4422,7 @@
                 <a:latin typeface="Consolas" panose="020B0609020204030204" pitchFamily="49" charset="0"/>
                 <a:cs typeface="Courier New" panose="02070309020205020404" pitchFamily="49" charset="0"/>
               </a:rPr>
-              <a:t>    </a:t>
-            </a:r>
-            <a:r>
-              <a:rPr lang="en-US" sz="1600" dirty="0" smtClean="0">
-                <a:latin typeface="Consolas" panose="020B0609020204030204" pitchFamily="49" charset="0"/>
-                <a:cs typeface="Courier New" panose="02070309020205020404" pitchFamily="49" charset="0"/>
-              </a:rPr>
-              <a:t>  </a:t>
+              <a:t>      </a:t>
             </a:r>
             <a:r>
               <a:rPr lang="en-US" sz="1600" b="1" dirty="0" smtClean="0">
@@ -4477,6 +4479,9 @@
               <a:lnSpc>
                 <a:spcPct val="120000"/>
               </a:lnSpc>
+              <a:spcBef>
+                <a:spcPts val="400"/>
+              </a:spcBef>
               <a:buNone/>
             </a:pPr>
             <a:r>
@@ -4503,6 +4508,9 @@
               <a:lnSpc>
                 <a:spcPct val="120000"/>
               </a:lnSpc>
+              <a:spcBef>
+                <a:spcPts val="400"/>
+              </a:spcBef>
               <a:buNone/>
             </a:pPr>
             <a:r>
@@ -4510,14 +4518,7 @@
                 <a:latin typeface="Consolas" panose="020B0609020204030204" pitchFamily="49" charset="0"/>
                 <a:cs typeface="Courier New" panose="02070309020205020404" pitchFamily="49" charset="0"/>
               </a:rPr>
-              <a:t>	</a:t>
-            </a:r>
-            <a:r>
-              <a:rPr lang="en-US" sz="1600" dirty="0" smtClean="0">
-                <a:latin typeface="Consolas" panose="020B0609020204030204" pitchFamily="49" charset="0"/>
-                <a:cs typeface="Courier New" panose="02070309020205020404" pitchFamily="49" charset="0"/>
-              </a:rPr>
-              <a:t> a1_below</a:t>
+              <a:t>	 a1_below</a:t>
             </a:r>
             <a:r>
               <a:rPr lang="en-US" sz="1600" dirty="0">
@@ -4532,6 +4533,9 @@
               <a:lnSpc>
                 <a:spcPct val="120000"/>
               </a:lnSpc>
+              <a:spcBef>
+                <a:spcPts val="400"/>
+              </a:spcBef>
               <a:buNone/>
             </a:pPr>
             <a:r>
@@ -4539,14 +4543,7 @@
                 <a:latin typeface="Consolas" panose="020B0609020204030204" pitchFamily="49" charset="0"/>
                 <a:cs typeface="Courier New" panose="02070309020205020404" pitchFamily="49" charset="0"/>
               </a:rPr>
-              <a:t>	</a:t>
-            </a:r>
-            <a:r>
-              <a:rPr lang="en-US" sz="1600" dirty="0" smtClean="0">
-                <a:latin typeface="Consolas" panose="020B0609020204030204" pitchFamily="49" charset="0"/>
-                <a:cs typeface="Courier New" panose="02070309020205020404" pitchFamily="49" charset="0"/>
-              </a:rPr>
-              <a:t> below</a:t>
+              <a:t>	 below</a:t>
             </a:r>
             <a:r>
               <a:rPr lang="en-US" sz="1600" dirty="0">
@@ -4589,6 +4586,9 @@
               <a:lnSpc>
                 <a:spcPct val="120000"/>
               </a:lnSpc>
+              <a:spcBef>
+                <a:spcPts val="400"/>
+              </a:spcBef>
               <a:buNone/>
             </a:pPr>
             <a:r>
@@ -4622,6 +4622,9 @@
               <a:lnSpc>
                 <a:spcPct val="120000"/>
               </a:lnSpc>
+              <a:spcBef>
+                <a:spcPts val="400"/>
+              </a:spcBef>
               <a:buNone/>
             </a:pPr>
             <a:r>
@@ -4629,14 +4632,7 @@
                 <a:latin typeface="Consolas" panose="020B0609020204030204" pitchFamily="49" charset="0"/>
                 <a:cs typeface="Courier New" panose="02070309020205020404" pitchFamily="49" charset="0"/>
               </a:rPr>
-              <a:t>	</a:t>
-            </a:r>
-            <a:r>
-              <a:rPr lang="en-US" sz="1600" dirty="0" smtClean="0">
-                <a:latin typeface="Consolas" panose="020B0609020204030204" pitchFamily="49" charset="0"/>
-                <a:cs typeface="Courier New" panose="02070309020205020404" pitchFamily="49" charset="0"/>
-              </a:rPr>
-              <a:t> a1_below </a:t>
+              <a:t>	 a1_below </a:t>
             </a:r>
             <a:r>
               <a:rPr lang="en-US" sz="1600" dirty="0">
@@ -4676,6 +4672,9 @@
               <a:lnSpc>
                 <a:spcPct val="120000"/>
               </a:lnSpc>
+              <a:spcBef>
+                <a:spcPts val="400"/>
+              </a:spcBef>
               <a:buNone/>
             </a:pPr>
             <a:r>
@@ -4683,14 +4682,7 @@
                 <a:latin typeface="Consolas" panose="020B0609020204030204" pitchFamily="49" charset="0"/>
                 <a:cs typeface="Courier New" panose="02070309020205020404" pitchFamily="49" charset="0"/>
               </a:rPr>
-              <a:t>	</a:t>
-            </a:r>
-            <a:r>
-              <a:rPr lang="en-US" sz="1600" dirty="0" smtClean="0">
-                <a:latin typeface="Consolas" panose="020B0609020204030204" pitchFamily="49" charset="0"/>
-                <a:cs typeface="Courier New" panose="02070309020205020404" pitchFamily="49" charset="0"/>
-              </a:rPr>
-              <a:t> a2_below </a:t>
+              <a:t>	 a2_below </a:t>
             </a:r>
             <a:r>
               <a:rPr lang="en-US" sz="1600" dirty="0">
@@ -4730,6 +4722,9 @@
               <a:lnSpc>
                 <a:spcPct val="120000"/>
               </a:lnSpc>
+              <a:spcBef>
+                <a:spcPts val="400"/>
+              </a:spcBef>
               <a:buNone/>
             </a:pPr>
             <a:r>
@@ -4737,14 +4732,7 @@
                 <a:latin typeface="Consolas" panose="020B0609020204030204" pitchFamily="49" charset="0"/>
                 <a:cs typeface="Courier New" panose="02070309020205020404" pitchFamily="49" charset="0"/>
               </a:rPr>
-              <a:t>	</a:t>
-            </a:r>
-            <a:r>
-              <a:rPr lang="en-US" sz="1600" dirty="0" smtClean="0">
-                <a:latin typeface="Consolas" panose="020B0609020204030204" pitchFamily="49" charset="0"/>
-                <a:cs typeface="Courier New" panose="02070309020205020404" pitchFamily="49" charset="0"/>
-              </a:rPr>
-              <a:t> a1_above </a:t>
+              <a:t>	 a1_above </a:t>
             </a:r>
             <a:r>
               <a:rPr lang="en-US" sz="1600" dirty="0">
@@ -4784,6 +4772,9 @@
               <a:lnSpc>
                 <a:spcPct val="120000"/>
               </a:lnSpc>
+              <a:spcBef>
+                <a:spcPts val="400"/>
+              </a:spcBef>
               <a:buNone/>
             </a:pPr>
             <a:r>
@@ -4791,14 +4782,7 @@
                 <a:latin typeface="Consolas" panose="020B0609020204030204" pitchFamily="49" charset="0"/>
                 <a:cs typeface="Courier New" panose="02070309020205020404" pitchFamily="49" charset="0"/>
               </a:rPr>
-              <a:t>	</a:t>
-            </a:r>
-            <a:r>
-              <a:rPr lang="en-US" sz="1600" dirty="0" smtClean="0">
-                <a:latin typeface="Consolas" panose="020B0609020204030204" pitchFamily="49" charset="0"/>
-                <a:cs typeface="Courier New" panose="02070309020205020404" pitchFamily="49" charset="0"/>
-              </a:rPr>
-              <a:t> a2_above </a:t>
+              <a:t>	 a2_above </a:t>
             </a:r>
             <a:r>
               <a:rPr lang="en-US" sz="1600" dirty="0">
@@ -4834,6 +4818,9 @@
               <a:lnSpc>
                 <a:spcPct val="120000"/>
               </a:lnSpc>
+              <a:spcBef>
+                <a:spcPts val="400"/>
+              </a:spcBef>
               <a:buNone/>
             </a:pPr>
             <a:r>
@@ -4841,14 +4828,7 @@
                 <a:latin typeface="Consolas" panose="020B0609020204030204" pitchFamily="49" charset="0"/>
                 <a:cs typeface="Courier New" panose="02070309020205020404" pitchFamily="49" charset="0"/>
               </a:rPr>
-              <a:t>	</a:t>
-            </a:r>
-            <a:r>
-              <a:rPr lang="en-US" sz="1600" dirty="0" smtClean="0">
-                <a:latin typeface="Consolas" panose="020B0609020204030204" pitchFamily="49" charset="0"/>
-                <a:cs typeface="Courier New" panose="02070309020205020404" pitchFamily="49" charset="0"/>
-              </a:rPr>
-              <a:t> below </a:t>
+              <a:t>	 below </a:t>
             </a:r>
             <a:r>
               <a:rPr lang="en-US" sz="1600" dirty="0">
@@ -4888,6 +4868,9 @@
               <a:lnSpc>
                 <a:spcPct val="120000"/>
               </a:lnSpc>
+              <a:spcBef>
+                <a:spcPts val="400"/>
+              </a:spcBef>
               <a:buNone/>
             </a:pPr>
             <a:r>
@@ -4895,14 +4878,7 @@
                 <a:latin typeface="Consolas" panose="020B0609020204030204" pitchFamily="49" charset="0"/>
                 <a:cs typeface="Courier New" panose="02070309020205020404" pitchFamily="49" charset="0"/>
               </a:rPr>
-              <a:t>	</a:t>
-            </a:r>
-            <a:r>
-              <a:rPr lang="en-US" sz="1600" dirty="0" smtClean="0">
-                <a:latin typeface="Consolas" panose="020B0609020204030204" pitchFamily="49" charset="0"/>
-                <a:cs typeface="Courier New" panose="02070309020205020404" pitchFamily="49" charset="0"/>
-              </a:rPr>
-              <a:t> </a:t>
+              <a:t>	 </a:t>
             </a:r>
             <a:r>
               <a:rPr lang="en-US" sz="1600" dirty="0" err="1" smtClean="0">
@@ -4956,6 +4932,9 @@
               <a:lnSpc>
                 <a:spcPct val="120000"/>
               </a:lnSpc>
+              <a:spcBef>
+                <a:spcPts val="400"/>
+              </a:spcBef>
               <a:buNone/>
             </a:pPr>
             <a:r>
@@ -4963,14 +4942,7 @@
                 <a:latin typeface="Consolas" panose="020B0609020204030204" pitchFamily="49" charset="0"/>
                 <a:cs typeface="Courier New" panose="02070309020205020404" pitchFamily="49" charset="0"/>
               </a:rPr>
-              <a:t>	</a:t>
-            </a:r>
-            <a:r>
-              <a:rPr lang="en-US" sz="1600" dirty="0" smtClean="0">
-                <a:latin typeface="Consolas" panose="020B0609020204030204" pitchFamily="49" charset="0"/>
-                <a:cs typeface="Courier New" panose="02070309020205020404" pitchFamily="49" charset="0"/>
-              </a:rPr>
-              <a:t> </a:t>
+              <a:t>	 </a:t>
             </a:r>
             <a:r>
               <a:rPr lang="en-US" sz="1600" dirty="0" err="1" smtClean="0">
@@ -5103,6 +5075,9 @@
               <a:lnSpc>
                 <a:spcPct val="120000"/>
               </a:lnSpc>
+              <a:spcBef>
+                <a:spcPts val="400"/>
+              </a:spcBef>
               <a:buNone/>
             </a:pPr>
             <a:r>
@@ -5110,14 +5085,7 @@
                 <a:latin typeface="Consolas" panose="020B0609020204030204" pitchFamily="49" charset="0"/>
                 <a:cs typeface="Courier New" panose="02070309020205020404" pitchFamily="49" charset="0"/>
               </a:rPr>
-              <a:t>	</a:t>
-            </a:r>
-            <a:r>
-              <a:rPr lang="en-US" sz="1600" dirty="0" smtClean="0">
-                <a:latin typeface="Consolas" panose="020B0609020204030204" pitchFamily="49" charset="0"/>
-                <a:cs typeface="Courier New" panose="02070309020205020404" pitchFamily="49" charset="0"/>
-              </a:rPr>
-              <a:t> d1 </a:t>
+              <a:t>	 d1 </a:t>
             </a:r>
             <a:r>
               <a:rPr lang="en-US" sz="1600" dirty="0">
@@ -5229,6 +5197,9 @@
               <a:lnSpc>
                 <a:spcPct val="120000"/>
               </a:lnSpc>
+              <a:spcBef>
+                <a:spcPts val="400"/>
+              </a:spcBef>
               <a:buNone/>
             </a:pPr>
             <a:r>
@@ -5236,14 +5207,7 @@
                 <a:latin typeface="Consolas" panose="020B0609020204030204" pitchFamily="49" charset="0"/>
                 <a:cs typeface="Courier New" panose="02070309020205020404" pitchFamily="49" charset="0"/>
               </a:rPr>
-              <a:t>	</a:t>
-            </a:r>
-            <a:r>
-              <a:rPr lang="en-US" sz="1600" dirty="0" smtClean="0">
-                <a:latin typeface="Consolas" panose="020B0609020204030204" pitchFamily="49" charset="0"/>
-                <a:cs typeface="Courier New" panose="02070309020205020404" pitchFamily="49" charset="0"/>
-              </a:rPr>
-              <a:t> d2 </a:t>
+              <a:t>	 d2 </a:t>
             </a:r>
             <a:r>
               <a:rPr lang="en-US" sz="1600" dirty="0">
@@ -5325,6 +5289,9 @@
               <a:lnSpc>
                 <a:spcPct val="120000"/>
               </a:lnSpc>
+              <a:spcBef>
+                <a:spcPts val="400"/>
+              </a:spcBef>
               <a:buNone/>
             </a:pPr>
             <a:r>
@@ -5366,8 +5333,8 @@
         </p:nvSpPr>
         <p:spPr>
           <a:xfrm>
-            <a:off x="1709256" y="2666768"/>
-            <a:ext cx="633507" cy="4368375"/>
+            <a:off x="1928546" y="2269997"/>
+            <a:ext cx="582211" cy="3533275"/>
           </a:xfrm>
           <a:prstGeom prst="rect">
             <a:avLst/>
@@ -5384,27 +5351,16 @@
                 <a:spcPct val="120000"/>
               </a:lnSpc>
               <a:spcBef>
-                <a:spcPts val="1000"/>
+                <a:spcPts val="600"/>
               </a:spcBef>
             </a:pPr>
             <a:r>
-              <a:rPr lang="en-US" sz="1600" b="1" dirty="0" smtClean="0">
-                <a:latin typeface="Consolas" panose="020B0609020204030204" pitchFamily="49" charset="0"/>
-                <a:cs typeface="Courier New" panose="02070309020205020404" pitchFamily="49" charset="0"/>
-              </a:rPr>
-              <a:t> </a:t>
-            </a:r>
-            <a:r>
-              <a:rPr lang="en-US" sz="1600" b="1" dirty="0" smtClean="0">
-                <a:latin typeface="Consolas" panose="020B0609020204030204" pitchFamily="49" charset="0"/>
-                <a:cs typeface="Courier New" panose="02070309020205020404" pitchFamily="49" charset="0"/>
-              </a:rPr>
-              <a:t>(1)</a:t>
-            </a:r>
-            <a:endParaRPr lang="en-US" sz="1600" b="1" dirty="0" smtClean="0">
-              <a:latin typeface="Consolas" panose="020B0609020204030204" pitchFamily="49" charset="0"/>
-              <a:cs typeface="Courier New" panose="02070309020205020404" pitchFamily="49" charset="0"/>
-            </a:endParaRPr>
+              <a:rPr lang="en-US" sz="1400" b="1" dirty="0" smtClean="0">
+                <a:latin typeface="Consolas" panose="020B0609020204030204" pitchFamily="49" charset="0"/>
+                <a:cs typeface="Courier New" panose="02070309020205020404" pitchFamily="49" charset="0"/>
+              </a:rPr>
+              <a:t> (1)</a:t>
+            </a:r>
           </a:p>
           <a:p>
             <a:pPr>
@@ -5412,27 +5368,16 @@
                 <a:spcPct val="120000"/>
               </a:lnSpc>
               <a:spcBef>
-                <a:spcPts val="1000"/>
+                <a:spcPts val="600"/>
               </a:spcBef>
             </a:pPr>
             <a:r>
-              <a:rPr lang="en-US" sz="1600" b="1" dirty="0" smtClean="0">
-                <a:latin typeface="Consolas" panose="020B0609020204030204" pitchFamily="49" charset="0"/>
-                <a:cs typeface="Courier New" panose="02070309020205020404" pitchFamily="49" charset="0"/>
-              </a:rPr>
-              <a:t> </a:t>
-            </a:r>
-            <a:r>
-              <a:rPr lang="en-US" sz="1600" b="1" dirty="0" smtClean="0">
-                <a:latin typeface="Consolas" panose="020B0609020204030204" pitchFamily="49" charset="0"/>
-                <a:cs typeface="Courier New" panose="02070309020205020404" pitchFamily="49" charset="0"/>
-              </a:rPr>
-              <a:t>(2)</a:t>
-            </a:r>
-            <a:endParaRPr lang="en-US" sz="1600" b="1" dirty="0" smtClean="0">
-              <a:latin typeface="Consolas" panose="020B0609020204030204" pitchFamily="49" charset="0"/>
-              <a:cs typeface="Courier New" panose="02070309020205020404" pitchFamily="49" charset="0"/>
-            </a:endParaRPr>
+              <a:rPr lang="en-US" sz="1400" b="1" dirty="0" smtClean="0">
+                <a:latin typeface="Consolas" panose="020B0609020204030204" pitchFamily="49" charset="0"/>
+                <a:cs typeface="Courier New" panose="02070309020205020404" pitchFamily="49" charset="0"/>
+              </a:rPr>
+              <a:t> (2)</a:t>
+            </a:r>
           </a:p>
           <a:p>
             <a:pPr>
@@ -5440,27 +5385,16 @@
                 <a:spcPct val="120000"/>
               </a:lnSpc>
               <a:spcBef>
-                <a:spcPts val="1000"/>
+                <a:spcPts val="600"/>
               </a:spcBef>
             </a:pPr>
             <a:r>
-              <a:rPr lang="en-US" sz="1600" b="1" dirty="0" smtClean="0">
-                <a:latin typeface="Consolas" panose="020B0609020204030204" pitchFamily="49" charset="0"/>
-                <a:cs typeface="Courier New" panose="02070309020205020404" pitchFamily="49" charset="0"/>
-              </a:rPr>
-              <a:t> </a:t>
-            </a:r>
-            <a:r>
-              <a:rPr lang="en-US" sz="1600" b="1" dirty="0" smtClean="0">
-                <a:latin typeface="Consolas" panose="020B0609020204030204" pitchFamily="49" charset="0"/>
-                <a:cs typeface="Courier New" panose="02070309020205020404" pitchFamily="49" charset="0"/>
-              </a:rPr>
-              <a:t>(3)</a:t>
-            </a:r>
-            <a:endParaRPr lang="en-US" sz="1600" b="1" dirty="0" smtClean="0">
-              <a:latin typeface="Consolas" panose="020B0609020204030204" pitchFamily="49" charset="0"/>
-              <a:cs typeface="Courier New" panose="02070309020205020404" pitchFamily="49" charset="0"/>
-            </a:endParaRPr>
+              <a:rPr lang="en-US" sz="1400" b="1" dirty="0" smtClean="0">
+                <a:latin typeface="Consolas" panose="020B0609020204030204" pitchFamily="49" charset="0"/>
+                <a:cs typeface="Courier New" panose="02070309020205020404" pitchFamily="49" charset="0"/>
+              </a:rPr>
+              <a:t> (3)</a:t>
+            </a:r>
           </a:p>
           <a:p>
             <a:pPr>
@@ -5468,27 +5402,16 @@
                 <a:spcPct val="120000"/>
               </a:lnSpc>
               <a:spcBef>
-                <a:spcPts val="1000"/>
+                <a:spcPts val="600"/>
               </a:spcBef>
             </a:pPr>
             <a:r>
-              <a:rPr lang="en-US" sz="1600" b="1" dirty="0" smtClean="0">
-                <a:latin typeface="Consolas" panose="020B0609020204030204" pitchFamily="49" charset="0"/>
-                <a:cs typeface="Courier New" panose="02070309020205020404" pitchFamily="49" charset="0"/>
-              </a:rPr>
-              <a:t> </a:t>
-            </a:r>
-            <a:r>
-              <a:rPr lang="en-US" sz="1600" b="1" dirty="0" smtClean="0">
-                <a:latin typeface="Consolas" panose="020B0609020204030204" pitchFamily="49" charset="0"/>
-                <a:cs typeface="Courier New" panose="02070309020205020404" pitchFamily="49" charset="0"/>
-              </a:rPr>
-              <a:t>(4)</a:t>
-            </a:r>
-            <a:endParaRPr lang="en-US" sz="1600" b="1" dirty="0" smtClean="0">
-              <a:latin typeface="Consolas" panose="020B0609020204030204" pitchFamily="49" charset="0"/>
-              <a:cs typeface="Courier New" panose="02070309020205020404" pitchFamily="49" charset="0"/>
-            </a:endParaRPr>
+              <a:rPr lang="en-US" sz="1400" b="1" dirty="0" smtClean="0">
+                <a:latin typeface="Consolas" panose="020B0609020204030204" pitchFamily="49" charset="0"/>
+                <a:cs typeface="Courier New" panose="02070309020205020404" pitchFamily="49" charset="0"/>
+              </a:rPr>
+              <a:t> (4)</a:t>
+            </a:r>
           </a:p>
           <a:p>
             <a:pPr>
@@ -5496,27 +5419,16 @@
                 <a:spcPct val="120000"/>
               </a:lnSpc>
               <a:spcBef>
-                <a:spcPts val="1000"/>
+                <a:spcPts val="600"/>
               </a:spcBef>
             </a:pPr>
             <a:r>
-              <a:rPr lang="en-US" sz="1600" b="1" dirty="0" smtClean="0">
-                <a:latin typeface="Consolas" panose="020B0609020204030204" pitchFamily="49" charset="0"/>
-                <a:cs typeface="Courier New" panose="02070309020205020404" pitchFamily="49" charset="0"/>
-              </a:rPr>
-              <a:t> </a:t>
-            </a:r>
-            <a:r>
-              <a:rPr lang="en-US" sz="1600" b="1" dirty="0" smtClean="0">
-                <a:latin typeface="Consolas" panose="020B0609020204030204" pitchFamily="49" charset="0"/>
-                <a:cs typeface="Courier New" panose="02070309020205020404" pitchFamily="49" charset="0"/>
-              </a:rPr>
-              <a:t>(5)</a:t>
-            </a:r>
-            <a:endParaRPr lang="en-US" sz="1600" b="1" dirty="0" smtClean="0">
-              <a:latin typeface="Consolas" panose="020B0609020204030204" pitchFamily="49" charset="0"/>
-              <a:cs typeface="Courier New" panose="02070309020205020404" pitchFamily="49" charset="0"/>
-            </a:endParaRPr>
+              <a:rPr lang="en-US" sz="1400" b="1" dirty="0" smtClean="0">
+                <a:latin typeface="Consolas" panose="020B0609020204030204" pitchFamily="49" charset="0"/>
+                <a:cs typeface="Courier New" panose="02070309020205020404" pitchFamily="49" charset="0"/>
+              </a:rPr>
+              <a:t> (5)</a:t>
+            </a:r>
           </a:p>
           <a:p>
             <a:pPr>
@@ -5524,27 +5436,16 @@
                 <a:spcPct val="120000"/>
               </a:lnSpc>
               <a:spcBef>
-                <a:spcPts val="1000"/>
+                <a:spcPts val="600"/>
               </a:spcBef>
             </a:pPr>
             <a:r>
-              <a:rPr lang="en-US" sz="1600" b="1" dirty="0" smtClean="0">
-                <a:latin typeface="Consolas" panose="020B0609020204030204" pitchFamily="49" charset="0"/>
-                <a:cs typeface="Courier New" panose="02070309020205020404" pitchFamily="49" charset="0"/>
-              </a:rPr>
-              <a:t> </a:t>
-            </a:r>
-            <a:r>
-              <a:rPr lang="en-US" sz="1600" b="1" dirty="0" smtClean="0">
-                <a:latin typeface="Consolas" panose="020B0609020204030204" pitchFamily="49" charset="0"/>
-                <a:cs typeface="Courier New" panose="02070309020205020404" pitchFamily="49" charset="0"/>
-              </a:rPr>
-              <a:t>(6)</a:t>
-            </a:r>
-            <a:endParaRPr lang="en-US" sz="1600" b="1" dirty="0" smtClean="0">
-              <a:latin typeface="Consolas" panose="020B0609020204030204" pitchFamily="49" charset="0"/>
-              <a:cs typeface="Courier New" panose="02070309020205020404" pitchFamily="49" charset="0"/>
-            </a:endParaRPr>
+              <a:rPr lang="en-US" sz="1400" b="1" dirty="0" smtClean="0">
+                <a:latin typeface="Consolas" panose="020B0609020204030204" pitchFamily="49" charset="0"/>
+                <a:cs typeface="Courier New" panose="02070309020205020404" pitchFamily="49" charset="0"/>
+              </a:rPr>
+              <a:t> (6)</a:t>
+            </a:r>
           </a:p>
           <a:p>
             <a:pPr>
@@ -5552,37 +5453,23 @@
                 <a:spcPct val="120000"/>
               </a:lnSpc>
               <a:spcBef>
-                <a:spcPts val="1000"/>
+                <a:spcPts val="600"/>
               </a:spcBef>
             </a:pPr>
             <a:r>
-              <a:rPr lang="en-US" sz="1600" b="1" dirty="0" smtClean="0">
-                <a:latin typeface="Consolas" panose="020B0609020204030204" pitchFamily="49" charset="0"/>
-                <a:cs typeface="Courier New" panose="02070309020205020404" pitchFamily="49" charset="0"/>
-              </a:rPr>
-              <a:t> </a:t>
-            </a:r>
-            <a:r>
-              <a:rPr lang="en-US" sz="1600" b="1" dirty="0" smtClean="0">
-                <a:latin typeface="Consolas" panose="020B0609020204030204" pitchFamily="49" charset="0"/>
-                <a:cs typeface="Courier New" panose="02070309020205020404" pitchFamily="49" charset="0"/>
-              </a:rPr>
-              <a:t>(7)</a:t>
-            </a:r>
-            <a:r>
-              <a:rPr lang="en-US" sz="1600" b="1" dirty="0" smtClean="0">
-                <a:latin typeface="Consolas" panose="020B0609020204030204" pitchFamily="49" charset="0"/>
-                <a:cs typeface="Courier New" panose="02070309020205020404" pitchFamily="49" charset="0"/>
-              </a:rPr>
-              <a:t/>
+              <a:rPr lang="en-US" sz="1400" b="1" dirty="0" smtClean="0">
+                <a:latin typeface="Consolas" panose="020B0609020204030204" pitchFamily="49" charset="0"/>
+                <a:cs typeface="Courier New" panose="02070309020205020404" pitchFamily="49" charset="0"/>
+              </a:rPr>
+              <a:t> (7)</a:t>
             </a:r>
             <a:br>
-              <a:rPr lang="en-US" sz="1600" b="1" dirty="0" smtClean="0">
+              <a:rPr lang="en-US" sz="1400" b="1" dirty="0" smtClean="0">
                 <a:latin typeface="Consolas" panose="020B0609020204030204" pitchFamily="49" charset="0"/>
                 <a:cs typeface="Courier New" panose="02070309020205020404" pitchFamily="49" charset="0"/>
               </a:rPr>
             </a:br>
-            <a:endParaRPr lang="en-US" sz="1600" b="1" dirty="0" smtClean="0">
+            <a:endParaRPr lang="en-US" sz="1400" b="1" dirty="0" smtClean="0">
               <a:latin typeface="Consolas" panose="020B0609020204030204" pitchFamily="49" charset="0"/>
               <a:cs typeface="Courier New" panose="02070309020205020404" pitchFamily="49" charset="0"/>
             </a:endParaRPr>
@@ -5593,37 +5480,23 @@
                 <a:spcPct val="120000"/>
               </a:lnSpc>
               <a:spcBef>
-                <a:spcPts val="1000"/>
+                <a:spcPts val="600"/>
               </a:spcBef>
             </a:pPr>
             <a:r>
-              <a:rPr lang="en-US" sz="1600" b="1" dirty="0" smtClean="0">
-                <a:latin typeface="Consolas" panose="020B0609020204030204" pitchFamily="49" charset="0"/>
-                <a:cs typeface="Courier New" panose="02070309020205020404" pitchFamily="49" charset="0"/>
-              </a:rPr>
-              <a:t> </a:t>
-            </a:r>
-            <a:r>
-              <a:rPr lang="en-US" sz="1600" b="1" dirty="0" smtClean="0">
-                <a:latin typeface="Consolas" panose="020B0609020204030204" pitchFamily="49" charset="0"/>
-                <a:cs typeface="Courier New" panose="02070309020205020404" pitchFamily="49" charset="0"/>
-              </a:rPr>
-              <a:t>(8)</a:t>
-            </a:r>
-            <a:r>
-              <a:rPr lang="en-US" sz="1600" b="1" dirty="0" smtClean="0">
-                <a:latin typeface="Consolas" panose="020B0609020204030204" pitchFamily="49" charset="0"/>
-                <a:cs typeface="Courier New" panose="02070309020205020404" pitchFamily="49" charset="0"/>
-              </a:rPr>
-              <a:t/>
+              <a:rPr lang="en-US" sz="1400" b="1" dirty="0" smtClean="0">
+                <a:latin typeface="Consolas" panose="020B0609020204030204" pitchFamily="49" charset="0"/>
+                <a:cs typeface="Courier New" panose="02070309020205020404" pitchFamily="49" charset="0"/>
+              </a:rPr>
+              <a:t> (8)</a:t>
             </a:r>
             <a:br>
-              <a:rPr lang="en-US" sz="1600" b="1" dirty="0" smtClean="0">
+              <a:rPr lang="en-US" sz="1400" b="1" dirty="0" smtClean="0">
                 <a:latin typeface="Consolas" panose="020B0609020204030204" pitchFamily="49" charset="0"/>
                 <a:cs typeface="Courier New" panose="02070309020205020404" pitchFamily="49" charset="0"/>
               </a:rPr>
             </a:br>
-            <a:endParaRPr lang="en-US" sz="1600" b="1" dirty="0" smtClean="0">
+            <a:endParaRPr lang="en-US" sz="1400" b="1" dirty="0" smtClean="0">
               <a:latin typeface="Consolas" panose="020B0609020204030204" pitchFamily="49" charset="0"/>
               <a:cs typeface="Courier New" panose="02070309020205020404" pitchFamily="49" charset="0"/>
             </a:endParaRPr>
@@ -5634,27 +5507,16 @@
                 <a:spcPct val="120000"/>
               </a:lnSpc>
               <a:spcBef>
-                <a:spcPts val="1000"/>
+                <a:spcPts val="600"/>
               </a:spcBef>
             </a:pPr>
             <a:r>
-              <a:rPr lang="en-US" sz="1600" b="1" dirty="0" smtClean="0">
-                <a:latin typeface="Consolas" panose="020B0609020204030204" pitchFamily="49" charset="0"/>
-                <a:cs typeface="Courier New" panose="02070309020205020404" pitchFamily="49" charset="0"/>
-              </a:rPr>
-              <a:t> </a:t>
-            </a:r>
-            <a:r>
-              <a:rPr lang="en-US" sz="1600" b="1" dirty="0" smtClean="0">
-                <a:latin typeface="Consolas" panose="020B0609020204030204" pitchFamily="49" charset="0"/>
-                <a:cs typeface="Courier New" panose="02070309020205020404" pitchFamily="49" charset="0"/>
-              </a:rPr>
-              <a:t>(9)</a:t>
-            </a:r>
-            <a:endParaRPr lang="en-US" sz="1600" b="1" dirty="0" smtClean="0">
-              <a:latin typeface="Consolas" panose="020B0609020204030204" pitchFamily="49" charset="0"/>
-              <a:cs typeface="Courier New" panose="02070309020205020404" pitchFamily="49" charset="0"/>
-            </a:endParaRPr>
+              <a:rPr lang="en-US" sz="1400" b="1" dirty="0" smtClean="0">
+                <a:latin typeface="Consolas" panose="020B0609020204030204" pitchFamily="49" charset="0"/>
+                <a:cs typeface="Courier New" panose="02070309020205020404" pitchFamily="49" charset="0"/>
+              </a:rPr>
+              <a:t> (9)</a:t>
+            </a:r>
           </a:p>
         </p:txBody>
       </p:sp>
@@ -5666,8 +5528,8 @@
         </p:nvSpPr>
         <p:spPr>
           <a:xfrm>
-            <a:off x="1397000" y="0"/>
-            <a:ext cx="6540500" cy="7658100"/>
+            <a:off x="1746504" y="0"/>
+            <a:ext cx="6108192" cy="6391656"/>
           </a:xfrm>
           <a:prstGeom prst="rect">
             <a:avLst/>
@@ -8169,6 +8031,511 @@
 </p:sld>
 </file>
 
+<file path=ppt/slides/slide6.xml><?xml version="1.0" encoding="utf-8"?>
+<p:sld xmlns:a="http://schemas.openxmlformats.org/drawingml/2006/main" xmlns:r="http://schemas.openxmlformats.org/officeDocument/2006/relationships" xmlns:p="http://schemas.openxmlformats.org/presentationml/2006/main">
+  <p:cSld>
+    <p:spTree>
+      <p:nvGrpSpPr>
+        <p:cNvPr id="1" name=""/>
+        <p:cNvGrpSpPr/>
+        <p:nvPr/>
+      </p:nvGrpSpPr>
+      <p:grpSpPr>
+        <a:xfrm>
+          <a:off x="0" y="0"/>
+          <a:ext cx="0" cy="0"/>
+          <a:chOff x="0" y="0"/>
+          <a:chExt cx="0" cy="0"/>
+        </a:xfrm>
+      </p:grpSpPr>
+      <p:sp>
+        <p:nvSpPr>
+          <p:cNvPr id="2" name="Title 1"/>
+          <p:cNvSpPr>
+            <a:spLocks noGrp="1"/>
+          </p:cNvSpPr>
+          <p:nvPr>
+            <p:ph type="title"/>
+          </p:nvPr>
+        </p:nvSpPr>
+        <p:spPr/>
+        <p:txBody>
+          <a:bodyPr/>
+          <a:lstStyle/>
+          <a:p>
+            <a:endParaRPr lang="en-US"/>
+          </a:p>
+        </p:txBody>
+      </p:sp>
+      <p:pic>
+        <p:nvPicPr>
+          <p:cNvPr id="4" name="Content Placeholder 3"/>
+          <p:cNvPicPr>
+            <a:picLocks noGrp="1" noChangeAspect="1"/>
+          </p:cNvPicPr>
+          <p:nvPr>
+            <p:ph idx="1"/>
+          </p:nvPr>
+        </p:nvPicPr>
+        <p:blipFill rotWithShape="1">
+          <a:blip r:embed="rId2">
+            <a:extLst>
+              <a:ext uri="{28A0092B-C50C-407E-A947-70E740481C1C}">
+                <a14:useLocalDpi xmlns:a14="http://schemas.microsoft.com/office/drawing/2010/main" val="0"/>
+              </a:ext>
+            </a:extLst>
+          </a:blip>
+          <a:srcRect l="2153" t="3579" r="1229" b="2215"/>
+          <a:stretch/>
+        </p:blipFill>
+        <p:spPr>
+          <a:xfrm>
+            <a:off x="832104" y="365760"/>
+            <a:ext cx="10863072" cy="5916168"/>
+          </a:xfrm>
+        </p:spPr>
+      </p:pic>
+      <p:pic>
+        <p:nvPicPr>
+          <p:cNvPr id="5" name="Picture 4"/>
+          <p:cNvPicPr>
+            <a:picLocks noChangeAspect="1"/>
+          </p:cNvPicPr>
+          <p:nvPr/>
+        </p:nvPicPr>
+        <p:blipFill>
+          <a:blip r:embed="rId3"/>
+          <a:stretch>
+            <a:fillRect/>
+          </a:stretch>
+        </p:blipFill>
+        <p:spPr>
+          <a:xfrm>
+            <a:off x="1282446" y="439483"/>
+            <a:ext cx="5118354" cy="1989433"/>
+          </a:xfrm>
+          <a:prstGeom prst="rect">
+            <a:avLst/>
+          </a:prstGeom>
+        </p:spPr>
+      </p:pic>
+      <p:sp>
+        <p:nvSpPr>
+          <p:cNvPr id="6" name="Rectangle 5"/>
+          <p:cNvSpPr/>
+          <p:nvPr/>
+        </p:nvSpPr>
+        <p:spPr>
+          <a:xfrm>
+            <a:off x="6096000" y="6097262"/>
+            <a:ext cx="944489" cy="369332"/>
+          </a:xfrm>
+          <a:prstGeom prst="rect">
+            <a:avLst/>
+          </a:prstGeom>
+        </p:spPr>
+        <p:txBody>
+          <a:bodyPr wrap="none">
+            <a:spAutoFit/>
+          </a:bodyPr>
+          <a:lstStyle/>
+          <a:p>
+            <a:r>
+              <a:rPr lang="en-US" dirty="0" smtClean="0">
+                <a:latin typeface="Consolas" panose="020B0609020204030204" pitchFamily="49" charset="0"/>
+                <a:cs typeface="Courier New" panose="02070309020205020404" pitchFamily="49" charset="0"/>
+              </a:rPr>
+              <a:t>Models</a:t>
+            </a:r>
+            <a:endParaRPr lang="en-US" dirty="0"/>
+          </a:p>
+        </p:txBody>
+      </p:sp>
+      <p:sp>
+        <p:nvSpPr>
+          <p:cNvPr id="7" name="Rectangle 6"/>
+          <p:cNvSpPr/>
+          <p:nvPr/>
+        </p:nvSpPr>
+        <p:spPr>
+          <a:xfrm rot="16200000">
+            <a:off x="-670762" y="2999164"/>
+            <a:ext cx="2717411" cy="369332"/>
+          </a:xfrm>
+          <a:prstGeom prst="rect">
+            <a:avLst/>
+          </a:prstGeom>
+        </p:spPr>
+        <p:txBody>
+          <a:bodyPr wrap="none">
+            <a:spAutoFit/>
+          </a:bodyPr>
+          <a:lstStyle/>
+          <a:p>
+            <a:r>
+              <a:rPr lang="en-US" dirty="0" smtClean="0">
+                <a:latin typeface="Consolas" panose="020B0609020204030204" pitchFamily="49" charset="0"/>
+                <a:cs typeface="Courier New" panose="02070309020205020404" pitchFamily="49" charset="0"/>
+              </a:rPr>
+              <a:t>#of covered elements</a:t>
+            </a:r>
+            <a:endParaRPr lang="en-US" dirty="0"/>
+          </a:p>
+        </p:txBody>
+      </p:sp>
+    </p:spTree>
+    <p:extLst>
+      <p:ext uri="{BB962C8B-B14F-4D97-AF65-F5344CB8AC3E}">
+        <p14:creationId xmlns:p14="http://schemas.microsoft.com/office/powerpoint/2010/main" val="3107729320"/>
+      </p:ext>
+    </p:extLst>
+  </p:cSld>
+  <p:clrMapOvr>
+    <a:masterClrMapping/>
+  </p:clrMapOvr>
+</p:sld>
+</file>
+
+<file path=ppt/slides/slide7.xml><?xml version="1.0" encoding="utf-8"?>
+<p:sld xmlns:a="http://schemas.openxmlformats.org/drawingml/2006/main" xmlns:r="http://schemas.openxmlformats.org/officeDocument/2006/relationships" xmlns:p="http://schemas.openxmlformats.org/presentationml/2006/main">
+  <p:cSld>
+    <p:spTree>
+      <p:nvGrpSpPr>
+        <p:cNvPr id="1" name=""/>
+        <p:cNvGrpSpPr/>
+        <p:nvPr/>
+      </p:nvGrpSpPr>
+      <p:grpSpPr>
+        <a:xfrm>
+          <a:off x="0" y="0"/>
+          <a:ext cx="0" cy="0"/>
+          <a:chOff x="0" y="0"/>
+          <a:chExt cx="0" cy="0"/>
+        </a:xfrm>
+      </p:grpSpPr>
+      <p:pic>
+        <p:nvPicPr>
+          <p:cNvPr id="8" name="Content Placeholder 7"/>
+          <p:cNvPicPr>
+            <a:picLocks noGrp="1" noChangeAspect="1"/>
+          </p:cNvPicPr>
+          <p:nvPr>
+            <p:ph idx="1"/>
+          </p:nvPr>
+        </p:nvPicPr>
+        <p:blipFill>
+          <a:blip r:embed="rId2">
+            <a:extLst>
+              <a:ext uri="{28A0092B-C50C-407E-A947-70E740481C1C}">
+                <a14:useLocalDpi xmlns:a14="http://schemas.microsoft.com/office/drawing/2010/main" val="0"/>
+              </a:ext>
+            </a:extLst>
+          </a:blip>
+          <a:stretch>
+            <a:fillRect/>
+          </a:stretch>
+        </p:blipFill>
+        <p:spPr>
+          <a:xfrm>
+            <a:off x="872610" y="363244"/>
+            <a:ext cx="10596497" cy="5918684"/>
+          </a:xfrm>
+        </p:spPr>
+      </p:pic>
+      <p:sp>
+        <p:nvSpPr>
+          <p:cNvPr id="6" name="Rectangle 5"/>
+          <p:cNvSpPr/>
+          <p:nvPr/>
+        </p:nvSpPr>
+        <p:spPr>
+          <a:xfrm>
+            <a:off x="6096000" y="6097262"/>
+            <a:ext cx="944489" cy="369332"/>
+          </a:xfrm>
+          <a:prstGeom prst="rect">
+            <a:avLst/>
+          </a:prstGeom>
+        </p:spPr>
+        <p:txBody>
+          <a:bodyPr wrap="none">
+            <a:spAutoFit/>
+          </a:bodyPr>
+          <a:lstStyle/>
+          <a:p>
+            <a:r>
+              <a:rPr lang="en-US" dirty="0" smtClean="0">
+                <a:latin typeface="Consolas" panose="020B0609020204030204" pitchFamily="49" charset="0"/>
+                <a:cs typeface="Courier New" panose="02070309020205020404" pitchFamily="49" charset="0"/>
+              </a:rPr>
+              <a:t>Models</a:t>
+            </a:r>
+            <a:endParaRPr lang="en-US" dirty="0"/>
+          </a:p>
+        </p:txBody>
+      </p:sp>
+      <p:sp>
+        <p:nvSpPr>
+          <p:cNvPr id="7" name="Rectangle 6"/>
+          <p:cNvSpPr/>
+          <p:nvPr/>
+        </p:nvSpPr>
+        <p:spPr>
+          <a:xfrm rot="16200000">
+            <a:off x="-670762" y="2999164"/>
+            <a:ext cx="2717411" cy="369332"/>
+          </a:xfrm>
+          <a:prstGeom prst="rect">
+            <a:avLst/>
+          </a:prstGeom>
+        </p:spPr>
+        <p:txBody>
+          <a:bodyPr wrap="none">
+            <a:spAutoFit/>
+          </a:bodyPr>
+          <a:lstStyle/>
+          <a:p>
+            <a:r>
+              <a:rPr lang="en-US" dirty="0" smtClean="0">
+                <a:latin typeface="Consolas" panose="020B0609020204030204" pitchFamily="49" charset="0"/>
+                <a:cs typeface="Courier New" panose="02070309020205020404" pitchFamily="49" charset="0"/>
+              </a:rPr>
+              <a:t>#of covered elements</a:t>
+            </a:r>
+            <a:endParaRPr lang="en-US" dirty="0"/>
+          </a:p>
+        </p:txBody>
+      </p:sp>
+      <p:pic>
+        <p:nvPicPr>
+          <p:cNvPr id="9" name="Picture 8"/>
+          <p:cNvPicPr>
+            <a:picLocks noChangeAspect="1"/>
+          </p:cNvPicPr>
+          <p:nvPr/>
+        </p:nvPicPr>
+        <p:blipFill>
+          <a:blip r:embed="rId3"/>
+          <a:stretch>
+            <a:fillRect/>
+          </a:stretch>
+        </p:blipFill>
+        <p:spPr>
+          <a:xfrm>
+            <a:off x="1241943" y="472821"/>
+            <a:ext cx="4962525" cy="1962150"/>
+          </a:xfrm>
+          <a:prstGeom prst="rect">
+            <a:avLst/>
+          </a:prstGeom>
+        </p:spPr>
+      </p:pic>
+      <p:pic>
+        <p:nvPicPr>
+          <p:cNvPr id="10" name="Picture 9"/>
+          <p:cNvPicPr>
+            <a:picLocks noChangeAspect="1"/>
+          </p:cNvPicPr>
+          <p:nvPr/>
+        </p:nvPicPr>
+        <p:blipFill rotWithShape="1">
+          <a:blip r:embed="rId3"/>
+          <a:srcRect l="1776" t="50374" r="2842" b="29523"/>
+          <a:stretch/>
+        </p:blipFill>
+        <p:spPr>
+          <a:xfrm>
+            <a:off x="1356522" y="1825124"/>
+            <a:ext cx="4733365" cy="394447"/>
+          </a:xfrm>
+          <a:prstGeom prst="rect">
+            <a:avLst/>
+          </a:prstGeom>
+        </p:spPr>
+      </p:pic>
+      <p:pic>
+        <p:nvPicPr>
+          <p:cNvPr id="11" name="Picture 10"/>
+          <p:cNvPicPr>
+            <a:picLocks noChangeAspect="1"/>
+          </p:cNvPicPr>
+          <p:nvPr/>
+        </p:nvPicPr>
+        <p:blipFill rotWithShape="1">
+          <a:blip r:embed="rId3"/>
+          <a:srcRect l="1348" t="74967" r="2547" b="8130"/>
+          <a:stretch/>
+        </p:blipFill>
+        <p:spPr>
+          <a:xfrm>
+            <a:off x="1320664" y="1493430"/>
+            <a:ext cx="4769223" cy="331694"/>
+          </a:xfrm>
+          <a:prstGeom prst="rect">
+            <a:avLst/>
+          </a:prstGeom>
+        </p:spPr>
+      </p:pic>
+    </p:spTree>
+    <p:extLst>
+      <p:ext uri="{BB962C8B-B14F-4D97-AF65-F5344CB8AC3E}">
+        <p14:creationId xmlns:p14="http://schemas.microsoft.com/office/powerpoint/2010/main" val="3204722792"/>
+      </p:ext>
+    </p:extLst>
+  </p:cSld>
+  <p:clrMapOvr>
+    <a:masterClrMapping/>
+  </p:clrMapOvr>
+</p:sld>
+</file>
+
+<file path=ppt/slides/slide8.xml><?xml version="1.0" encoding="utf-8"?>
+<p:sld xmlns:a="http://schemas.openxmlformats.org/drawingml/2006/main" xmlns:r="http://schemas.openxmlformats.org/officeDocument/2006/relationships" xmlns:p="http://schemas.openxmlformats.org/presentationml/2006/main">
+  <p:cSld>
+    <p:spTree>
+      <p:nvGrpSpPr>
+        <p:cNvPr id="1" name=""/>
+        <p:cNvGrpSpPr/>
+        <p:nvPr/>
+      </p:nvGrpSpPr>
+      <p:grpSpPr>
+        <a:xfrm>
+          <a:off x="0" y="0"/>
+          <a:ext cx="0" cy="0"/>
+          <a:chOff x="0" y="0"/>
+          <a:chExt cx="0" cy="0"/>
+        </a:xfrm>
+      </p:grpSpPr>
+      <p:pic>
+        <p:nvPicPr>
+          <p:cNvPr id="3" name="Content Placeholder 2"/>
+          <p:cNvPicPr>
+            <a:picLocks noGrp="1" noChangeAspect="1"/>
+          </p:cNvPicPr>
+          <p:nvPr>
+            <p:ph idx="1"/>
+          </p:nvPr>
+        </p:nvPicPr>
+        <p:blipFill>
+          <a:blip r:embed="rId2">
+            <a:extLst>
+              <a:ext uri="{28A0092B-C50C-407E-A947-70E740481C1C}">
+                <a14:useLocalDpi xmlns:a14="http://schemas.microsoft.com/office/drawing/2010/main" val="0"/>
+              </a:ext>
+            </a:extLst>
+          </a:blip>
+          <a:stretch>
+            <a:fillRect/>
+          </a:stretch>
+        </p:blipFill>
+        <p:spPr>
+          <a:xfrm>
+            <a:off x="740664" y="331794"/>
+            <a:ext cx="10762488" cy="5867838"/>
+          </a:xfrm>
+        </p:spPr>
+      </p:pic>
+      <p:sp>
+        <p:nvSpPr>
+          <p:cNvPr id="6" name="Rectangle 5"/>
+          <p:cNvSpPr/>
+          <p:nvPr/>
+        </p:nvSpPr>
+        <p:spPr>
+          <a:xfrm>
+            <a:off x="6096000" y="6097262"/>
+            <a:ext cx="944489" cy="369332"/>
+          </a:xfrm>
+          <a:prstGeom prst="rect">
+            <a:avLst/>
+          </a:prstGeom>
+        </p:spPr>
+        <p:txBody>
+          <a:bodyPr wrap="none">
+            <a:spAutoFit/>
+          </a:bodyPr>
+          <a:lstStyle/>
+          <a:p>
+            <a:r>
+              <a:rPr lang="en-US" dirty="0" smtClean="0">
+                <a:latin typeface="Consolas" panose="020B0609020204030204" pitchFamily="49" charset="0"/>
+                <a:cs typeface="Courier New" panose="02070309020205020404" pitchFamily="49" charset="0"/>
+              </a:rPr>
+              <a:t>Models</a:t>
+            </a:r>
+            <a:endParaRPr lang="en-US" dirty="0"/>
+          </a:p>
+        </p:txBody>
+      </p:sp>
+      <p:sp>
+        <p:nvSpPr>
+          <p:cNvPr id="7" name="Rectangle 6"/>
+          <p:cNvSpPr/>
+          <p:nvPr/>
+        </p:nvSpPr>
+        <p:spPr>
+          <a:xfrm rot="16200000">
+            <a:off x="-227530" y="2999164"/>
+            <a:ext cx="1830950" cy="369332"/>
+          </a:xfrm>
+          <a:prstGeom prst="rect">
+            <a:avLst/>
+          </a:prstGeom>
+        </p:spPr>
+        <p:txBody>
+          <a:bodyPr wrap="none">
+            <a:spAutoFit/>
+          </a:bodyPr>
+          <a:lstStyle/>
+          <a:p>
+            <a:r>
+              <a:rPr lang="en-US" dirty="0" smtClean="0">
+                <a:latin typeface="Consolas" panose="020B0609020204030204" pitchFamily="49" charset="0"/>
+                <a:cs typeface="Courier New" panose="02070309020205020404" pitchFamily="49" charset="0"/>
+              </a:rPr>
+              <a:t>Runtime (sec)</a:t>
+            </a:r>
+            <a:endParaRPr lang="en-US" dirty="0"/>
+          </a:p>
+        </p:txBody>
+      </p:sp>
+      <p:pic>
+        <p:nvPicPr>
+          <p:cNvPr id="4" name="Picture 3"/>
+          <p:cNvPicPr>
+            <a:picLocks noChangeAspect="1"/>
+          </p:cNvPicPr>
+          <p:nvPr/>
+        </p:nvPicPr>
+        <p:blipFill>
+          <a:blip r:embed="rId3"/>
+          <a:stretch>
+            <a:fillRect/>
+          </a:stretch>
+        </p:blipFill>
+        <p:spPr>
+          <a:xfrm>
+            <a:off x="1358646" y="432816"/>
+            <a:ext cx="5981700" cy="2133600"/>
+          </a:xfrm>
+          <a:prstGeom prst="rect">
+            <a:avLst/>
+          </a:prstGeom>
+        </p:spPr>
+      </p:pic>
+    </p:spTree>
+    <p:extLst>
+      <p:ext uri="{BB962C8B-B14F-4D97-AF65-F5344CB8AC3E}">
+        <p14:creationId xmlns:p14="http://schemas.microsoft.com/office/powerpoint/2010/main" val="2247863120"/>
+      </p:ext>
+    </p:extLst>
+  </p:cSld>
+  <p:clrMapOvr>
+    <a:masterClrMapping/>
+  </p:clrMapOvr>
+</p:sld>
+</file>
+
 <file path=ppt/theme/theme1.xml><?xml version="1.0" encoding="utf-8"?>
 <a:theme xmlns:a="http://schemas.openxmlformats.org/drawingml/2006/main" name="Office Theme">
   <a:themeElements>

--- a/completeness/completeness_TEX/figs/figs.pptx
+++ b/completeness/completeness_TEX/figs/figs.pptx
@@ -8408,13 +8408,11 @@
       </p:grpSpPr>
       <p:pic>
         <p:nvPicPr>
-          <p:cNvPr id="3" name="Content Placeholder 2"/>
+          <p:cNvPr id="2" name="Picture 1"/>
           <p:cNvPicPr>
-            <a:picLocks noGrp="1" noChangeAspect="1"/>
+            <a:picLocks noChangeAspect="1"/>
           </p:cNvPicPr>
-          <p:nvPr>
-            <p:ph idx="1"/>
-          </p:nvPr>
+          <p:nvPr/>
         </p:nvPicPr>
         <p:blipFill>
           <a:blip r:embed="rId2">
@@ -8430,9 +8428,12 @@
         </p:blipFill>
         <p:spPr>
           <a:xfrm>
-            <a:off x="740664" y="331794"/>
-            <a:ext cx="10762488" cy="5867838"/>
+            <a:off x="801866" y="294848"/>
+            <a:ext cx="10853950" cy="6062484"/>
           </a:xfrm>
+          <a:prstGeom prst="rect">
+            <a:avLst/>
+          </a:prstGeom>
         </p:spPr>
       </p:pic>
       <p:sp>
@@ -8443,7 +8444,7 @@
         </p:nvSpPr>
         <p:spPr>
           <a:xfrm>
-            <a:off x="6096000" y="6097262"/>
+            <a:off x="6114473" y="6172666"/>
             <a:ext cx="944489" cy="369332"/>
           </a:xfrm>
           <a:prstGeom prst="rect">

--- a/completeness/completeness_TEX/figs/figs.pptx
+++ b/completeness/completeness_TEX/figs/figs.pptx
@@ -250,7 +250,7 @@
           <a:p>
             <a:fld id="{5A779009-EA30-43A9-A43B-F006CC3D9B84}" type="datetimeFigureOut">
               <a:rPr lang="en-US" smtClean="0"/>
-              <a:t>5/10/2017</a:t>
+              <a:t>5/12/2017</a:t>
             </a:fld>
             <a:endParaRPr lang="en-US"/>
           </a:p>
@@ -420,7 +420,7 @@
           <a:p>
             <a:fld id="{5A779009-EA30-43A9-A43B-F006CC3D9B84}" type="datetimeFigureOut">
               <a:rPr lang="en-US" smtClean="0"/>
-              <a:t>5/10/2017</a:t>
+              <a:t>5/12/2017</a:t>
             </a:fld>
             <a:endParaRPr lang="en-US"/>
           </a:p>
@@ -600,7 +600,7 @@
           <a:p>
             <a:fld id="{5A779009-EA30-43A9-A43B-F006CC3D9B84}" type="datetimeFigureOut">
               <a:rPr lang="en-US" smtClean="0"/>
-              <a:t>5/10/2017</a:t>
+              <a:t>5/12/2017</a:t>
             </a:fld>
             <a:endParaRPr lang="en-US"/>
           </a:p>
@@ -770,7 +770,7 @@
           <a:p>
             <a:fld id="{5A779009-EA30-43A9-A43B-F006CC3D9B84}" type="datetimeFigureOut">
               <a:rPr lang="en-US" smtClean="0"/>
-              <a:t>5/10/2017</a:t>
+              <a:t>5/12/2017</a:t>
             </a:fld>
             <a:endParaRPr lang="en-US"/>
           </a:p>
@@ -1016,7 +1016,7 @@
           <a:p>
             <a:fld id="{5A779009-EA30-43A9-A43B-F006CC3D9B84}" type="datetimeFigureOut">
               <a:rPr lang="en-US" smtClean="0"/>
-              <a:t>5/10/2017</a:t>
+              <a:t>5/12/2017</a:t>
             </a:fld>
             <a:endParaRPr lang="en-US"/>
           </a:p>
@@ -1248,7 +1248,7 @@
           <a:p>
             <a:fld id="{5A779009-EA30-43A9-A43B-F006CC3D9B84}" type="datetimeFigureOut">
               <a:rPr lang="en-US" smtClean="0"/>
-              <a:t>5/10/2017</a:t>
+              <a:t>5/12/2017</a:t>
             </a:fld>
             <a:endParaRPr lang="en-US"/>
           </a:p>
@@ -1615,7 +1615,7 @@
           <a:p>
             <a:fld id="{5A779009-EA30-43A9-A43B-F006CC3D9B84}" type="datetimeFigureOut">
               <a:rPr lang="en-US" smtClean="0"/>
-              <a:t>5/10/2017</a:t>
+              <a:t>5/12/2017</a:t>
             </a:fld>
             <a:endParaRPr lang="en-US"/>
           </a:p>
@@ -1733,7 +1733,7 @@
           <a:p>
             <a:fld id="{5A779009-EA30-43A9-A43B-F006CC3D9B84}" type="datetimeFigureOut">
               <a:rPr lang="en-US" smtClean="0"/>
-              <a:t>5/10/2017</a:t>
+              <a:t>5/12/2017</a:t>
             </a:fld>
             <a:endParaRPr lang="en-US"/>
           </a:p>
@@ -1828,7 +1828,7 @@
           <a:p>
             <a:fld id="{5A779009-EA30-43A9-A43B-F006CC3D9B84}" type="datetimeFigureOut">
               <a:rPr lang="en-US" smtClean="0"/>
-              <a:t>5/10/2017</a:t>
+              <a:t>5/12/2017</a:t>
             </a:fld>
             <a:endParaRPr lang="en-US"/>
           </a:p>
@@ -2105,7 +2105,7 @@
           <a:p>
             <a:fld id="{5A779009-EA30-43A9-A43B-F006CC3D9B84}" type="datetimeFigureOut">
               <a:rPr lang="en-US" smtClean="0"/>
-              <a:t>5/10/2017</a:t>
+              <a:t>5/12/2017</a:t>
             </a:fld>
             <a:endParaRPr lang="en-US"/>
           </a:p>
@@ -2358,7 +2358,7 @@
           <a:p>
             <a:fld id="{5A779009-EA30-43A9-A43B-F006CC3D9B84}" type="datetimeFigureOut">
               <a:rPr lang="en-US" smtClean="0"/>
-              <a:t>5/10/2017</a:t>
+              <a:t>5/12/2017</a:t>
             </a:fld>
             <a:endParaRPr lang="en-US"/>
           </a:p>
@@ -2571,7 +2571,7 @@
           <a:p>
             <a:fld id="{5A779009-EA30-43A9-A43B-F006CC3D9B84}" type="datetimeFigureOut">
               <a:rPr lang="en-US" smtClean="0"/>
-              <a:t>5/10/2017</a:t>
+              <a:t>5/12/2017</a:t>
             </a:fld>
             <a:endParaRPr lang="en-US"/>
           </a:p>
@@ -4324,8 +4324,8 @@
         </p:nvSpPr>
         <p:spPr>
           <a:xfrm>
-            <a:off x="2114910" y="155276"/>
-            <a:ext cx="5636226" cy="6199804"/>
+            <a:off x="2007333" y="191852"/>
+            <a:ext cx="5639561" cy="6199804"/>
           </a:xfrm>
         </p:spPr>
         <p:txBody>
@@ -5334,7 +5334,7 @@
         <p:spPr>
           <a:xfrm>
             <a:off x="1928546" y="2269997"/>
-            <a:ext cx="582211" cy="3533275"/>
+            <a:ext cx="582211" cy="3681008"/>
           </a:xfrm>
           <a:prstGeom prst="rect">
             <a:avLst/>
@@ -5416,7 +5416,7 @@
           <a:p>
             <a:pPr>
               <a:lnSpc>
-                <a:spcPct val="120000"/>
+                <a:spcPct val="150000"/>
               </a:lnSpc>
               <a:spcBef>
                 <a:spcPts val="600"/>
@@ -5433,7 +5433,7 @@
           <a:p>
             <a:pPr>
               <a:lnSpc>
-                <a:spcPct val="120000"/>
+                <a:spcPct val="150000"/>
               </a:lnSpc>
               <a:spcBef>
                 <a:spcPts val="600"/>
@@ -5528,8 +5528,8 @@
         </p:nvSpPr>
         <p:spPr>
           <a:xfrm>
-            <a:off x="1746504" y="0"/>
-            <a:ext cx="6108192" cy="6391656"/>
+            <a:off x="1928546" y="0"/>
+            <a:ext cx="5718348" cy="6391656"/>
           </a:xfrm>
           <a:prstGeom prst="rect">
             <a:avLst/>

--- a/completeness/completeness_TEX/figs/figs.pptx
+++ b/completeness/completeness_TEX/figs/figs.pptx
@@ -250,7 +250,7 @@
           <a:p>
             <a:fld id="{5A779009-EA30-43A9-A43B-F006CC3D9B84}" type="datetimeFigureOut">
               <a:rPr lang="en-US" smtClean="0"/>
-              <a:t>5/12/2017</a:t>
+              <a:t>9/24/2017</a:t>
             </a:fld>
             <a:endParaRPr lang="en-US"/>
           </a:p>
@@ -420,7 +420,7 @@
           <a:p>
             <a:fld id="{5A779009-EA30-43A9-A43B-F006CC3D9B84}" type="datetimeFigureOut">
               <a:rPr lang="en-US" smtClean="0"/>
-              <a:t>5/12/2017</a:t>
+              <a:t>9/24/2017</a:t>
             </a:fld>
             <a:endParaRPr lang="en-US"/>
           </a:p>
@@ -600,7 +600,7 @@
           <a:p>
             <a:fld id="{5A779009-EA30-43A9-A43B-F006CC3D9B84}" type="datetimeFigureOut">
               <a:rPr lang="en-US" smtClean="0"/>
-              <a:t>5/12/2017</a:t>
+              <a:t>9/24/2017</a:t>
             </a:fld>
             <a:endParaRPr lang="en-US"/>
           </a:p>
@@ -770,7 +770,7 @@
           <a:p>
             <a:fld id="{5A779009-EA30-43A9-A43B-F006CC3D9B84}" type="datetimeFigureOut">
               <a:rPr lang="en-US" smtClean="0"/>
-              <a:t>5/12/2017</a:t>
+              <a:t>9/24/2017</a:t>
             </a:fld>
             <a:endParaRPr lang="en-US"/>
           </a:p>
@@ -1016,7 +1016,7 @@
           <a:p>
             <a:fld id="{5A779009-EA30-43A9-A43B-F006CC3D9B84}" type="datetimeFigureOut">
               <a:rPr lang="en-US" smtClean="0"/>
-              <a:t>5/12/2017</a:t>
+              <a:t>9/24/2017</a:t>
             </a:fld>
             <a:endParaRPr lang="en-US"/>
           </a:p>
@@ -1248,7 +1248,7 @@
           <a:p>
             <a:fld id="{5A779009-EA30-43A9-A43B-F006CC3D9B84}" type="datetimeFigureOut">
               <a:rPr lang="en-US" smtClean="0"/>
-              <a:t>5/12/2017</a:t>
+              <a:t>9/24/2017</a:t>
             </a:fld>
             <a:endParaRPr lang="en-US"/>
           </a:p>
@@ -1615,7 +1615,7 @@
           <a:p>
             <a:fld id="{5A779009-EA30-43A9-A43B-F006CC3D9B84}" type="datetimeFigureOut">
               <a:rPr lang="en-US" smtClean="0"/>
-              <a:t>5/12/2017</a:t>
+              <a:t>9/24/2017</a:t>
             </a:fld>
             <a:endParaRPr lang="en-US"/>
           </a:p>
@@ -1733,7 +1733,7 @@
           <a:p>
             <a:fld id="{5A779009-EA30-43A9-A43B-F006CC3D9B84}" type="datetimeFigureOut">
               <a:rPr lang="en-US" smtClean="0"/>
-              <a:t>5/12/2017</a:t>
+              <a:t>9/24/2017</a:t>
             </a:fld>
             <a:endParaRPr lang="en-US"/>
           </a:p>
@@ -1828,7 +1828,7 @@
           <a:p>
             <a:fld id="{5A779009-EA30-43A9-A43B-F006CC3D9B84}" type="datetimeFigureOut">
               <a:rPr lang="en-US" smtClean="0"/>
-              <a:t>5/12/2017</a:t>
+              <a:t>9/24/2017</a:t>
             </a:fld>
             <a:endParaRPr lang="en-US"/>
           </a:p>
@@ -2105,7 +2105,7 @@
           <a:p>
             <a:fld id="{5A779009-EA30-43A9-A43B-F006CC3D9B84}" type="datetimeFigureOut">
               <a:rPr lang="en-US" smtClean="0"/>
-              <a:t>5/12/2017</a:t>
+              <a:t>9/24/2017</a:t>
             </a:fld>
             <a:endParaRPr lang="en-US"/>
           </a:p>
@@ -2358,7 +2358,7 @@
           <a:p>
             <a:fld id="{5A779009-EA30-43A9-A43B-F006CC3D9B84}" type="datetimeFigureOut">
               <a:rPr lang="en-US" smtClean="0"/>
-              <a:t>5/12/2017</a:t>
+              <a:t>9/24/2017</a:t>
             </a:fld>
             <a:endParaRPr lang="en-US"/>
           </a:p>
@@ -2571,7 +2571,7 @@
           <a:p>
             <a:fld id="{5A779009-EA30-43A9-A43B-F006CC3D9B84}" type="datetimeFigureOut">
               <a:rPr lang="en-US" smtClean="0"/>
-              <a:t>5/12/2017</a:t>
+              <a:t>9/24/2017</a:t>
             </a:fld>
             <a:endParaRPr lang="en-US"/>
           </a:p>
@@ -4348,7 +4348,17 @@
                 <a:latin typeface="Consolas" panose="020B0609020204030204" pitchFamily="49" charset="0"/>
                 <a:cs typeface="Courier New" panose="02070309020205020404" pitchFamily="49" charset="0"/>
               </a:rPr>
-              <a:t>  node</a:t>
+              <a:t>  </a:t>
+            </a:r>
+            <a:r>
+              <a:rPr lang="en-US" sz="1600" b="1" dirty="0" smtClean="0">
+                <a:solidFill>
+                  <a:srgbClr val="920049"/>
+                </a:solidFill>
+                <a:latin typeface="Consolas" panose="020B0609020204030204" pitchFamily="49" charset="0"/>
+                <a:cs typeface="Courier New" panose="02070309020205020404" pitchFamily="49" charset="0"/>
+              </a:rPr>
+              <a:t>node</a:t>
             </a:r>
             <a:r>
               <a:rPr lang="en-US" sz="1600" dirty="0" smtClean="0">
@@ -4358,46 +4368,109 @@
               <a:t> </a:t>
             </a:r>
             <a:r>
-              <a:rPr lang="en-US" sz="1600" dirty="0" err="1">
+              <a:rPr lang="en-US" sz="1600" dirty="0" err="1" smtClean="0">
                 <a:latin typeface="Consolas" panose="020B0609020204030204" pitchFamily="49" charset="0"/>
                 <a:cs typeface="Courier New" panose="02070309020205020404" pitchFamily="49" charset="0"/>
               </a:rPr>
               <a:t>asw</a:t>
             </a:r>
             <a:r>
+              <a:rPr lang="en-US" sz="1600" dirty="0" smtClean="0">
+                <a:latin typeface="Consolas" panose="020B0609020204030204" pitchFamily="49" charset="0"/>
+                <a:cs typeface="Courier New" panose="02070309020205020404" pitchFamily="49" charset="0"/>
+              </a:rPr>
+              <a:t> </a:t>
+            </a:r>
+            <a:r>
+              <a:rPr lang="en-US" sz="1600" b="1" dirty="0" smtClean="0">
+                <a:solidFill>
+                  <a:srgbClr val="920049"/>
+                </a:solidFill>
+                <a:latin typeface="Consolas" panose="020B0609020204030204" pitchFamily="49" charset="0"/>
+                <a:cs typeface="Courier New" panose="02070309020205020404" pitchFamily="49" charset="0"/>
+              </a:rPr>
+              <a:t>(</a:t>
+            </a:r>
+            <a:r>
               <a:rPr lang="en-US" sz="1600" dirty="0">
                 <a:latin typeface="Consolas" panose="020B0609020204030204" pitchFamily="49" charset="0"/>
                 <a:cs typeface="Courier New" panose="02070309020205020404" pitchFamily="49" charset="0"/>
               </a:rPr>
-              <a:t>(alt1, alt2: </a:t>
+              <a:t>alt1</a:t>
+            </a:r>
+            <a:r>
+              <a:rPr lang="en-US" sz="1600" b="1" dirty="0">
+                <a:solidFill>
+                  <a:srgbClr val="920049"/>
+                </a:solidFill>
+                <a:latin typeface="Consolas" panose="020B0609020204030204" pitchFamily="49" charset="0"/>
+                <a:cs typeface="Courier New" panose="02070309020205020404" pitchFamily="49" charset="0"/>
+              </a:rPr>
+              <a:t>,</a:t>
+            </a:r>
+            <a:r>
+              <a:rPr lang="en-US" sz="1600" dirty="0">
+                <a:latin typeface="Consolas" panose="020B0609020204030204" pitchFamily="49" charset="0"/>
+                <a:cs typeface="Courier New" panose="02070309020205020404" pitchFamily="49" charset="0"/>
+              </a:rPr>
+              <a:t> alt2</a:t>
+            </a:r>
+            <a:r>
+              <a:rPr lang="en-US" sz="1600" b="1" dirty="0">
+                <a:solidFill>
+                  <a:srgbClr val="920049"/>
+                </a:solidFill>
+                <a:latin typeface="Consolas" panose="020B0609020204030204" pitchFamily="49" charset="0"/>
+                <a:cs typeface="Courier New" panose="02070309020205020404" pitchFamily="49" charset="0"/>
+              </a:rPr>
+              <a:t>:</a:t>
+            </a:r>
+            <a:r>
+              <a:rPr lang="en-US" sz="1600" dirty="0">
+                <a:solidFill>
+                  <a:srgbClr val="920049"/>
+                </a:solidFill>
+                <a:latin typeface="Consolas" panose="020B0609020204030204" pitchFamily="49" charset="0"/>
+                <a:cs typeface="Courier New" panose="02070309020205020404" pitchFamily="49" charset="0"/>
+              </a:rPr>
+              <a:t> </a:t>
             </a:r>
             <a:r>
               <a:rPr lang="en-US" sz="1600" b="1" dirty="0" err="1">
+                <a:solidFill>
+                  <a:srgbClr val="920049"/>
+                </a:solidFill>
                 <a:latin typeface="Consolas" panose="020B0609020204030204" pitchFamily="49" charset="0"/>
                 <a:cs typeface="Courier New" panose="02070309020205020404" pitchFamily="49" charset="0"/>
               </a:rPr>
               <a:t>int</a:t>
             </a:r>
             <a:r>
+              <a:rPr lang="en-US" sz="1600" b="1" dirty="0">
+                <a:solidFill>
+                  <a:srgbClr val="920049"/>
+                </a:solidFill>
+                <a:latin typeface="Consolas" panose="020B0609020204030204" pitchFamily="49" charset="0"/>
+                <a:cs typeface="Courier New" panose="02070309020205020404" pitchFamily="49" charset="0"/>
+              </a:rPr>
+              <a:t>; </a:t>
+            </a:r>
+            <a:r>
               <a:rPr lang="en-US" sz="1600" dirty="0">
                 <a:latin typeface="Consolas" panose="020B0609020204030204" pitchFamily="49" charset="0"/>
                 <a:cs typeface="Courier New" panose="02070309020205020404" pitchFamily="49" charset="0"/>
               </a:rPr>
-              <a:t>; inhibit: </a:t>
+              <a:t>inhibit</a:t>
             </a:r>
             <a:r>
               <a:rPr lang="en-US" sz="1600" b="1" dirty="0">
-                <a:latin typeface="Consolas" panose="020B0609020204030204" pitchFamily="49" charset="0"/>
-                <a:cs typeface="Courier New" panose="02070309020205020404" pitchFamily="49" charset="0"/>
-              </a:rPr>
-              <a:t>bool</a:t>
-            </a:r>
-            <a:r>
-              <a:rPr lang="en-US" sz="1600" dirty="0">
-                <a:latin typeface="Consolas" panose="020B0609020204030204" pitchFamily="49" charset="0"/>
-                <a:cs typeface="Courier New" panose="02070309020205020404" pitchFamily="49" charset="0"/>
-              </a:rPr>
-              <a:t>)</a:t>
+                <a:solidFill>
+                  <a:srgbClr val="920049"/>
+                </a:solidFill>
+                <a:latin typeface="Consolas" panose="020B0609020204030204" pitchFamily="49" charset="0"/>
+                <a:cs typeface="Courier New" panose="02070309020205020404" pitchFamily="49" charset="0"/>
+              </a:rPr>
+              <a:t>: bool)</a:t>
             </a:r>
           </a:p>
           <a:p>
@@ -4426,20 +4499,19 @@
             </a:r>
             <a:r>
               <a:rPr lang="en-US" sz="1600" b="1" dirty="0" smtClean="0">
-                <a:latin typeface="Consolas" panose="020B0609020204030204" pitchFamily="49" charset="0"/>
-                <a:cs typeface="Courier New" panose="02070309020205020404" pitchFamily="49" charset="0"/>
-              </a:rPr>
-              <a:t>returns</a:t>
-            </a:r>
-            <a:r>
-              <a:rPr lang="en-US" sz="1600" dirty="0" smtClean="0">
-                <a:latin typeface="Consolas" panose="020B0609020204030204" pitchFamily="49" charset="0"/>
-                <a:cs typeface="Courier New" panose="02070309020205020404" pitchFamily="49" charset="0"/>
-              </a:rPr>
-              <a:t> </a:t>
-            </a:r>
-            <a:r>
-              <a:rPr lang="en-US" sz="1600" dirty="0">
+                <a:solidFill>
+                  <a:srgbClr val="920049"/>
+                </a:solidFill>
+                <a:latin typeface="Consolas" panose="020B0609020204030204" pitchFamily="49" charset="0"/>
+                <a:cs typeface="Courier New" panose="02070309020205020404" pitchFamily="49" charset="0"/>
+              </a:rPr>
+              <a:t>returns </a:t>
+            </a:r>
+            <a:r>
+              <a:rPr lang="en-US" sz="1600" b="1" dirty="0">
+                <a:solidFill>
+                  <a:srgbClr val="920049"/>
+                </a:solidFill>
                 <a:latin typeface="Consolas" panose="020B0609020204030204" pitchFamily="49" charset="0"/>
                 <a:cs typeface="Courier New" panose="02070309020205020404" pitchFamily="49" charset="0"/>
               </a:rPr>
@@ -4453,25 +4525,14 @@
               <a:t>doi_on</a:t>
             </a:r>
             <a:r>
-              <a:rPr lang="en-US" sz="1600" dirty="0">
-                <a:latin typeface="Consolas" panose="020B0609020204030204" pitchFamily="49" charset="0"/>
-                <a:cs typeface="Courier New" panose="02070309020205020404" pitchFamily="49" charset="0"/>
-              </a:rPr>
-              <a:t>: </a:t>
-            </a:r>
-            <a:r>
               <a:rPr lang="en-US" sz="1600" b="1" dirty="0">
-                <a:latin typeface="Consolas" panose="020B0609020204030204" pitchFamily="49" charset="0"/>
-                <a:cs typeface="Courier New" panose="02070309020205020404" pitchFamily="49" charset="0"/>
-              </a:rPr>
-              <a:t>bool</a:t>
-            </a:r>
-            <a:r>
-              <a:rPr lang="en-US" sz="1600" dirty="0">
-                <a:latin typeface="Consolas" panose="020B0609020204030204" pitchFamily="49" charset="0"/>
-                <a:cs typeface="Courier New" panose="02070309020205020404" pitchFamily="49" charset="0"/>
-              </a:rPr>
-              <a:t>);</a:t>
+                <a:solidFill>
+                  <a:srgbClr val="920049"/>
+                </a:solidFill>
+                <a:latin typeface="Consolas" panose="020B0609020204030204" pitchFamily="49" charset="0"/>
+                <a:cs typeface="Courier New" panose="02070309020205020404" pitchFamily="49" charset="0"/>
+              </a:rPr>
+              <a:t>: bool);</a:t>
             </a:r>
           </a:p>
           <a:p>
@@ -4493,12 +4554,18 @@
             </a:r>
             <a:r>
               <a:rPr lang="en-US" sz="1600" b="1" dirty="0" err="1" smtClean="0">
+                <a:solidFill>
+                  <a:srgbClr val="920049"/>
+                </a:solidFill>
                 <a:latin typeface="Consolas" panose="020B0609020204030204" pitchFamily="49" charset="0"/>
                 <a:cs typeface="Courier New" panose="02070309020205020404" pitchFamily="49" charset="0"/>
               </a:rPr>
               <a:t>var</a:t>
             </a:r>
             <a:endParaRPr lang="en-US" sz="1600" b="1" dirty="0">
+              <a:solidFill>
+                <a:srgbClr val="920049"/>
+              </a:solidFill>
               <a:latin typeface="Consolas" panose="020B0609020204030204" pitchFamily="49" charset="0"/>
               <a:cs typeface="Courier New" panose="02070309020205020404" pitchFamily="49" charset="0"/>
             </a:endParaRPr>
@@ -4521,11 +4588,65 @@
               <a:t>	 a1_below</a:t>
             </a:r>
             <a:r>
+              <a:rPr lang="en-US" sz="1600" b="1" dirty="0">
+                <a:solidFill>
+                  <a:srgbClr val="920049"/>
+                </a:solidFill>
+                <a:latin typeface="Consolas" panose="020B0609020204030204" pitchFamily="49" charset="0"/>
+                <a:cs typeface="Courier New" panose="02070309020205020404" pitchFamily="49" charset="0"/>
+              </a:rPr>
+              <a:t>,</a:t>
+            </a:r>
+            <a:r>
               <a:rPr lang="en-US" sz="1600" dirty="0">
                 <a:latin typeface="Consolas" panose="020B0609020204030204" pitchFamily="49" charset="0"/>
                 <a:cs typeface="Courier New" panose="02070309020205020404" pitchFamily="49" charset="0"/>
               </a:rPr>
-              <a:t>, a2_below, a1_above, a2_above,</a:t>
+              <a:t> a2_below</a:t>
+            </a:r>
+            <a:r>
+              <a:rPr lang="en-US" sz="1600" b="1" dirty="0">
+                <a:solidFill>
+                  <a:srgbClr val="920049"/>
+                </a:solidFill>
+                <a:latin typeface="Consolas" panose="020B0609020204030204" pitchFamily="49" charset="0"/>
+                <a:cs typeface="Courier New" panose="02070309020205020404" pitchFamily="49" charset="0"/>
+              </a:rPr>
+              <a:t>,</a:t>
+            </a:r>
+            <a:r>
+              <a:rPr lang="en-US" sz="1600" dirty="0">
+                <a:latin typeface="Consolas" panose="020B0609020204030204" pitchFamily="49" charset="0"/>
+                <a:cs typeface="Courier New" panose="02070309020205020404" pitchFamily="49" charset="0"/>
+              </a:rPr>
+              <a:t> a1_above</a:t>
+            </a:r>
+            <a:r>
+              <a:rPr lang="en-US" sz="1600" b="1" dirty="0">
+                <a:solidFill>
+                  <a:srgbClr val="920049"/>
+                </a:solidFill>
+                <a:latin typeface="Consolas" panose="020B0609020204030204" pitchFamily="49" charset="0"/>
+                <a:cs typeface="Courier New" panose="02070309020205020404" pitchFamily="49" charset="0"/>
+              </a:rPr>
+              <a:t>,</a:t>
+            </a:r>
+            <a:r>
+              <a:rPr lang="en-US" sz="1600" dirty="0">
+                <a:latin typeface="Consolas" panose="020B0609020204030204" pitchFamily="49" charset="0"/>
+                <a:cs typeface="Courier New" panose="02070309020205020404" pitchFamily="49" charset="0"/>
+              </a:rPr>
+              <a:t> a2_above</a:t>
+            </a:r>
+            <a:r>
+              <a:rPr lang="en-US" sz="1600" b="1" dirty="0">
+                <a:solidFill>
+                  <a:srgbClr val="920049"/>
+                </a:solidFill>
+                <a:latin typeface="Consolas" panose="020B0609020204030204" pitchFamily="49" charset="0"/>
+                <a:cs typeface="Courier New" panose="02070309020205020404" pitchFamily="49" charset="0"/>
+              </a:rPr>
+              <a:t>,</a:t>
             </a:r>
           </a:p>
           <a:p>
@@ -4546,11 +4667,21 @@
               <a:t>	 below</a:t>
             </a:r>
             <a:r>
+              <a:rPr lang="en-US" sz="1600" b="1" dirty="0">
+                <a:solidFill>
+                  <a:srgbClr val="920049"/>
+                </a:solidFill>
+                <a:latin typeface="Consolas" panose="020B0609020204030204" pitchFamily="49" charset="0"/>
+                <a:cs typeface="Courier New" panose="02070309020205020404" pitchFamily="49" charset="0"/>
+              </a:rPr>
+              <a:t>,</a:t>
+            </a:r>
+            <a:r>
               <a:rPr lang="en-US" sz="1600" dirty="0">
                 <a:latin typeface="Consolas" panose="020B0609020204030204" pitchFamily="49" charset="0"/>
                 <a:cs typeface="Courier New" panose="02070309020205020404" pitchFamily="49" charset="0"/>
               </a:rPr>
-              <a:t>, </a:t>
+              <a:t> </a:t>
             </a:r>
             <a:r>
               <a:rPr lang="en-US" sz="1600" dirty="0" err="1">
@@ -4560,21 +4691,64 @@
               <a:t>above_hyst</a:t>
             </a:r>
             <a:r>
+              <a:rPr lang="en-US" sz="1600" b="1" dirty="0">
+                <a:solidFill>
+                  <a:srgbClr val="920049"/>
+                </a:solidFill>
+                <a:latin typeface="Consolas" panose="020B0609020204030204" pitchFamily="49" charset="0"/>
+                <a:cs typeface="Courier New" panose="02070309020205020404" pitchFamily="49" charset="0"/>
+              </a:rPr>
+              <a:t>,</a:t>
+            </a:r>
+            <a:r>
               <a:rPr lang="en-US" sz="1600" dirty="0">
                 <a:latin typeface="Consolas" panose="020B0609020204030204" pitchFamily="49" charset="0"/>
                 <a:cs typeface="Courier New" panose="02070309020205020404" pitchFamily="49" charset="0"/>
               </a:rPr>
-              <a:t>, d1, d2: </a:t>
+              <a:t> d1</a:t>
             </a:r>
             <a:r>
               <a:rPr lang="en-US" sz="1600" b="1" dirty="0">
-                <a:latin typeface="Consolas" panose="020B0609020204030204" pitchFamily="49" charset="0"/>
-                <a:cs typeface="Courier New" panose="02070309020205020404" pitchFamily="49" charset="0"/>
-              </a:rPr>
-              <a:t>bool</a:t>
+                <a:solidFill>
+                  <a:srgbClr val="920049"/>
+                </a:solidFill>
+                <a:latin typeface="Consolas" panose="020B0609020204030204" pitchFamily="49" charset="0"/>
+                <a:cs typeface="Courier New" panose="02070309020205020404" pitchFamily="49" charset="0"/>
+              </a:rPr>
+              <a:t>,</a:t>
             </a:r>
             <a:r>
               <a:rPr lang="en-US" sz="1600" dirty="0">
+                <a:latin typeface="Consolas" panose="020B0609020204030204" pitchFamily="49" charset="0"/>
+                <a:cs typeface="Courier New" panose="02070309020205020404" pitchFamily="49" charset="0"/>
+              </a:rPr>
+              <a:t> d2</a:t>
+            </a:r>
+            <a:r>
+              <a:rPr lang="en-US" sz="1600" b="1" dirty="0">
+                <a:solidFill>
+                  <a:srgbClr val="D20069"/>
+                </a:solidFill>
+                <a:latin typeface="Consolas" panose="020B0609020204030204" pitchFamily="49" charset="0"/>
+                <a:cs typeface="Courier New" panose="02070309020205020404" pitchFamily="49" charset="0"/>
+              </a:rPr>
+              <a:t>:</a:t>
+            </a:r>
+            <a:r>
+              <a:rPr lang="en-US" sz="1600" b="1" dirty="0">
+                <a:solidFill>
+                  <a:srgbClr val="920049"/>
+                </a:solidFill>
+                <a:latin typeface="Consolas" panose="020B0609020204030204" pitchFamily="49" charset="0"/>
+                <a:cs typeface="Courier New" panose="02070309020205020404" pitchFamily="49" charset="0"/>
+              </a:rPr>
+              <a:t> bool</a:t>
+            </a:r>
+            <a:r>
+              <a:rPr lang="en-US" sz="1600" dirty="0">
+                <a:solidFill>
+                  <a:srgbClr val="920049"/>
+                </a:solidFill>
                 <a:latin typeface="Consolas" panose="020B0609020204030204" pitchFamily="49" charset="0"/>
                 <a:cs typeface="Courier New" panose="02070309020205020404" pitchFamily="49" charset="0"/>
               </a:rPr>
@@ -4607,12 +4781,18 @@
             </a:r>
             <a:r>
               <a:rPr lang="en-US" sz="1600" b="1" dirty="0" smtClean="0">
+                <a:solidFill>
+                  <a:srgbClr val="920049"/>
+                </a:solidFill>
                 <a:latin typeface="Consolas" panose="020B0609020204030204" pitchFamily="49" charset="0"/>
                 <a:cs typeface="Courier New" panose="02070309020205020404" pitchFamily="49" charset="0"/>
               </a:rPr>
               <a:t>let</a:t>
             </a:r>
             <a:endParaRPr lang="en-US" sz="1600" b="1" dirty="0">
+              <a:solidFill>
+                <a:srgbClr val="920049"/>
+              </a:solidFill>
               <a:latin typeface="Consolas" panose="020B0609020204030204" pitchFamily="49" charset="0"/>
               <a:cs typeface="Courier New" panose="02070309020205020404" pitchFamily="49" charset="0"/>
             </a:endParaRPr>
@@ -4635,14 +4815,27 @@
               <a:t>	 a1_below </a:t>
             </a:r>
             <a:r>
+              <a:rPr lang="en-US" sz="1600" b="1" dirty="0">
+                <a:solidFill>
+                  <a:srgbClr val="920049"/>
+                </a:solidFill>
+                <a:latin typeface="Consolas" panose="020B0609020204030204" pitchFamily="49" charset="0"/>
+                <a:cs typeface="Courier New" panose="02070309020205020404" pitchFamily="49" charset="0"/>
+              </a:rPr>
+              <a:t>= (</a:t>
+            </a:r>
+            <a:r>
               <a:rPr lang="en-US" sz="1600" dirty="0">
                 <a:latin typeface="Consolas" panose="020B0609020204030204" pitchFamily="49" charset="0"/>
                 <a:cs typeface="Courier New" panose="02070309020205020404" pitchFamily="49" charset="0"/>
               </a:rPr>
-              <a:t>= (alt1 </a:t>
+              <a:t>alt1 </a:t>
             </a:r>
             <a:r>
               <a:rPr lang="en-US" sz="1600" b="1" dirty="0">
+                <a:solidFill>
+                  <a:srgbClr val="920049"/>
+                </a:solidFill>
                 <a:latin typeface="Consolas" panose="020B0609020204030204" pitchFamily="49" charset="0"/>
                 <a:cs typeface="Courier New" panose="02070309020205020404" pitchFamily="49" charset="0"/>
               </a:rPr>
@@ -4653,7 +4846,24 @@
                 <a:latin typeface="Consolas" panose="020B0609020204030204" pitchFamily="49" charset="0"/>
                 <a:cs typeface="Courier New" panose="02070309020205020404" pitchFamily="49" charset="0"/>
               </a:rPr>
-              <a:t> THRESHOLD); </a:t>
+              <a:t> THRESHOLD</a:t>
+            </a:r>
+            <a:r>
+              <a:rPr lang="en-US" sz="1600" b="1" dirty="0">
+                <a:solidFill>
+                  <a:srgbClr val="920049"/>
+                </a:solidFill>
+                <a:latin typeface="Consolas" panose="020B0609020204030204" pitchFamily="49" charset="0"/>
+                <a:cs typeface="Courier New" panose="02070309020205020404" pitchFamily="49" charset="0"/>
+              </a:rPr>
+              <a:t>);</a:t>
+            </a:r>
+            <a:r>
+              <a:rPr lang="en-US" sz="1600" dirty="0">
+                <a:latin typeface="Consolas" panose="020B0609020204030204" pitchFamily="49" charset="0"/>
+                <a:cs typeface="Courier New" panose="02070309020205020404" pitchFamily="49" charset="0"/>
+              </a:rPr>
+              <a:t> </a:t>
             </a:r>
             <a:r>
               <a:rPr lang="en-US" sz="1600" dirty="0" smtClean="0">
@@ -4685,14 +4895,27 @@
               <a:t>	 a2_below </a:t>
             </a:r>
             <a:r>
+              <a:rPr lang="en-US" sz="1600" b="1" dirty="0">
+                <a:solidFill>
+                  <a:srgbClr val="920049"/>
+                </a:solidFill>
+                <a:latin typeface="Consolas" panose="020B0609020204030204" pitchFamily="49" charset="0"/>
+                <a:cs typeface="Courier New" panose="02070309020205020404" pitchFamily="49" charset="0"/>
+              </a:rPr>
+              <a:t>= (</a:t>
+            </a:r>
+            <a:r>
               <a:rPr lang="en-US" sz="1600" dirty="0">
                 <a:latin typeface="Consolas" panose="020B0609020204030204" pitchFamily="49" charset="0"/>
                 <a:cs typeface="Courier New" panose="02070309020205020404" pitchFamily="49" charset="0"/>
               </a:rPr>
-              <a:t>= (alt2 </a:t>
+              <a:t>alt2 </a:t>
             </a:r>
             <a:r>
               <a:rPr lang="en-US" sz="1600" b="1" dirty="0">
+                <a:solidFill>
+                  <a:srgbClr val="920049"/>
+                </a:solidFill>
                 <a:latin typeface="Consolas" panose="020B0609020204030204" pitchFamily="49" charset="0"/>
                 <a:cs typeface="Courier New" panose="02070309020205020404" pitchFamily="49" charset="0"/>
               </a:rPr>
@@ -4703,7 +4926,24 @@
                 <a:latin typeface="Consolas" panose="020B0609020204030204" pitchFamily="49" charset="0"/>
                 <a:cs typeface="Courier New" panose="02070309020205020404" pitchFamily="49" charset="0"/>
               </a:rPr>
-              <a:t> THRESHOLD); </a:t>
+              <a:t> THRESHOLD</a:t>
+            </a:r>
+            <a:r>
+              <a:rPr lang="en-US" sz="1600" b="1" dirty="0">
+                <a:solidFill>
+                  <a:srgbClr val="920049"/>
+                </a:solidFill>
+                <a:latin typeface="Consolas" panose="020B0609020204030204" pitchFamily="49" charset="0"/>
+                <a:cs typeface="Courier New" panose="02070309020205020404" pitchFamily="49" charset="0"/>
+              </a:rPr>
+              <a:t>);</a:t>
+            </a:r>
+            <a:r>
+              <a:rPr lang="en-US" sz="1600" dirty="0">
+                <a:latin typeface="Consolas" panose="020B0609020204030204" pitchFamily="49" charset="0"/>
+                <a:cs typeface="Courier New" panose="02070309020205020404" pitchFamily="49" charset="0"/>
+              </a:rPr>
+              <a:t> </a:t>
             </a:r>
             <a:r>
               <a:rPr lang="en-US" sz="1600" dirty="0" smtClean="0">
@@ -4735,14 +4975,27 @@
               <a:t>	 a1_above </a:t>
             </a:r>
             <a:r>
+              <a:rPr lang="en-US" sz="1600" b="1" dirty="0">
+                <a:solidFill>
+                  <a:srgbClr val="920049"/>
+                </a:solidFill>
+                <a:latin typeface="Consolas" panose="020B0609020204030204" pitchFamily="49" charset="0"/>
+                <a:cs typeface="Courier New" panose="02070309020205020404" pitchFamily="49" charset="0"/>
+              </a:rPr>
+              <a:t>= (</a:t>
+            </a:r>
+            <a:r>
               <a:rPr lang="en-US" sz="1600" dirty="0">
                 <a:latin typeface="Consolas" panose="020B0609020204030204" pitchFamily="49" charset="0"/>
                 <a:cs typeface="Courier New" panose="02070309020205020404" pitchFamily="49" charset="0"/>
               </a:rPr>
-              <a:t>= (alt1 </a:t>
+              <a:t>alt1 </a:t>
             </a:r>
             <a:r>
               <a:rPr lang="en-US" sz="1600" b="1" dirty="0">
+                <a:solidFill>
+                  <a:srgbClr val="920049"/>
+                </a:solidFill>
                 <a:latin typeface="Consolas" panose="020B0609020204030204" pitchFamily="49" charset="0"/>
                 <a:cs typeface="Courier New" panose="02070309020205020404" pitchFamily="49" charset="0"/>
               </a:rPr>
@@ -4753,7 +5006,24 @@
                 <a:latin typeface="Consolas" panose="020B0609020204030204" pitchFamily="49" charset="0"/>
                 <a:cs typeface="Courier New" panose="02070309020205020404" pitchFamily="49" charset="0"/>
               </a:rPr>
-              <a:t> T_HYST); </a:t>
+              <a:t> T_HYST</a:t>
+            </a:r>
+            <a:r>
+              <a:rPr lang="en-US" sz="1600" b="1" dirty="0">
+                <a:solidFill>
+                  <a:srgbClr val="920049"/>
+                </a:solidFill>
+                <a:latin typeface="Consolas" panose="020B0609020204030204" pitchFamily="49" charset="0"/>
+                <a:cs typeface="Courier New" panose="02070309020205020404" pitchFamily="49" charset="0"/>
+              </a:rPr>
+              <a:t>);</a:t>
+            </a:r>
+            <a:r>
+              <a:rPr lang="en-US" sz="1600" dirty="0">
+                <a:latin typeface="Consolas" panose="020B0609020204030204" pitchFamily="49" charset="0"/>
+                <a:cs typeface="Courier New" panose="02070309020205020404" pitchFamily="49" charset="0"/>
+              </a:rPr>
+              <a:t> </a:t>
             </a:r>
             <a:r>
               <a:rPr lang="en-US" sz="1600" dirty="0" smtClean="0">
@@ -4785,14 +5055,27 @@
               <a:t>	 a2_above </a:t>
             </a:r>
             <a:r>
+              <a:rPr lang="en-US" sz="1600" b="1" dirty="0">
+                <a:solidFill>
+                  <a:srgbClr val="920049"/>
+                </a:solidFill>
+                <a:latin typeface="Consolas" panose="020B0609020204030204" pitchFamily="49" charset="0"/>
+                <a:cs typeface="Courier New" panose="02070309020205020404" pitchFamily="49" charset="0"/>
+              </a:rPr>
+              <a:t>= (</a:t>
+            </a:r>
+            <a:r>
               <a:rPr lang="en-US" sz="1600" dirty="0">
                 <a:latin typeface="Consolas" panose="020B0609020204030204" pitchFamily="49" charset="0"/>
                 <a:cs typeface="Courier New" panose="02070309020205020404" pitchFamily="49" charset="0"/>
               </a:rPr>
-              <a:t>= (alt2 </a:t>
+              <a:t>alt2 </a:t>
             </a:r>
             <a:r>
               <a:rPr lang="en-US" sz="1600" b="1" dirty="0">
+                <a:solidFill>
+                  <a:srgbClr val="920049"/>
+                </a:solidFill>
                 <a:latin typeface="Consolas" panose="020B0609020204030204" pitchFamily="49" charset="0"/>
                 <a:cs typeface="Courier New" panose="02070309020205020404" pitchFamily="49" charset="0"/>
               </a:rPr>
@@ -4806,7 +5089,10 @@
               <a:t> T_HYST</a:t>
             </a:r>
             <a:r>
-              <a:rPr lang="en-US" sz="1600" dirty="0" smtClean="0">
+              <a:rPr lang="en-US" sz="1600" b="1" dirty="0" smtClean="0">
+                <a:solidFill>
+                  <a:srgbClr val="920049"/>
+                </a:solidFill>
                 <a:latin typeface="Consolas" panose="020B0609020204030204" pitchFamily="49" charset="0"/>
                 <a:cs typeface="Courier New" panose="02070309020205020404" pitchFamily="49" charset="0"/>
               </a:rPr>
@@ -4831,25 +5117,69 @@
               <a:t>	 below </a:t>
             </a:r>
             <a:r>
+              <a:rPr lang="en-US" sz="1600" b="1" dirty="0">
+                <a:solidFill>
+                  <a:srgbClr val="920049"/>
+                </a:solidFill>
+                <a:latin typeface="Consolas" panose="020B0609020204030204" pitchFamily="49" charset="0"/>
+                <a:cs typeface="Courier New" panose="02070309020205020404" pitchFamily="49" charset="0"/>
+              </a:rPr>
+              <a:t>=</a:t>
+            </a:r>
+            <a:r>
               <a:rPr lang="en-US" sz="1600" dirty="0">
                 <a:latin typeface="Consolas" panose="020B0609020204030204" pitchFamily="49" charset="0"/>
                 <a:cs typeface="Courier New" panose="02070309020205020404" pitchFamily="49" charset="0"/>
               </a:rPr>
-              <a:t>= a1_below</a:t>
+              <a:t> a1_below</a:t>
             </a:r>
             <a:r>
               <a:rPr lang="en-US" sz="1600" b="1" dirty="0">
                 <a:latin typeface="Consolas" panose="020B0609020204030204" pitchFamily="49" charset="0"/>
                 <a:cs typeface="Courier New" panose="02070309020205020404" pitchFamily="49" charset="0"/>
               </a:rPr>
-              <a:t> or </a:t>
+              <a:t> </a:t>
+            </a:r>
+            <a:r>
+              <a:rPr lang="en-US" sz="1600" b="1" dirty="0">
+                <a:solidFill>
+                  <a:srgbClr val="920049"/>
+                </a:solidFill>
+                <a:latin typeface="Consolas" panose="020B0609020204030204" pitchFamily="49" charset="0"/>
+                <a:cs typeface="Courier New" panose="02070309020205020404" pitchFamily="49" charset="0"/>
+              </a:rPr>
+              <a:t>or</a:t>
+            </a:r>
+            <a:r>
+              <a:rPr lang="en-US" sz="1600" b="1" dirty="0">
+                <a:latin typeface="Consolas" panose="020B0609020204030204" pitchFamily="49" charset="0"/>
+                <a:cs typeface="Courier New" panose="02070309020205020404" pitchFamily="49" charset="0"/>
+              </a:rPr>
+              <a:t> </a:t>
             </a:r>
             <a:r>
               <a:rPr lang="en-US" sz="1600" dirty="0">
                 <a:latin typeface="Consolas" panose="020B0609020204030204" pitchFamily="49" charset="0"/>
                 <a:cs typeface="Courier New" panose="02070309020205020404" pitchFamily="49" charset="0"/>
               </a:rPr>
-              <a:t>a2_below; </a:t>
+              <a:t>a2_below</a:t>
+            </a:r>
+            <a:r>
+              <a:rPr lang="en-US" sz="1600" b="1" dirty="0">
+                <a:solidFill>
+                  <a:srgbClr val="920049"/>
+                </a:solidFill>
+                <a:latin typeface="Consolas" panose="020B0609020204030204" pitchFamily="49" charset="0"/>
+                <a:cs typeface="Courier New" panose="02070309020205020404" pitchFamily="49" charset="0"/>
+              </a:rPr>
+              <a:t>;</a:t>
+            </a:r>
+            <a:r>
+              <a:rPr lang="en-US" sz="1600" dirty="0">
+                <a:latin typeface="Consolas" panose="020B0609020204030204" pitchFamily="49" charset="0"/>
+                <a:cs typeface="Courier New" panose="02070309020205020404" pitchFamily="49" charset="0"/>
+              </a:rPr>
+              <a:t> </a:t>
             </a:r>
             <a:r>
               <a:rPr lang="en-US" sz="1600" dirty="0" smtClean="0">
@@ -4895,14 +5225,27 @@
               <a:t> </a:t>
             </a:r>
             <a:r>
+              <a:rPr lang="en-US" sz="1600" b="1" dirty="0">
+                <a:solidFill>
+                  <a:srgbClr val="920049"/>
+                </a:solidFill>
+                <a:latin typeface="Consolas" panose="020B0609020204030204" pitchFamily="49" charset="0"/>
+                <a:cs typeface="Courier New" panose="02070309020205020404" pitchFamily="49" charset="0"/>
+              </a:rPr>
+              <a:t>=</a:t>
+            </a:r>
+            <a:r>
               <a:rPr lang="en-US" sz="1600" dirty="0">
                 <a:latin typeface="Consolas" panose="020B0609020204030204" pitchFamily="49" charset="0"/>
                 <a:cs typeface="Courier New" panose="02070309020205020404" pitchFamily="49" charset="0"/>
               </a:rPr>
-              <a:t>= a1_above </a:t>
+              <a:t> a1_above </a:t>
             </a:r>
             <a:r>
               <a:rPr lang="en-US" sz="1600" b="1" dirty="0">
+                <a:solidFill>
+                  <a:srgbClr val="920049"/>
+                </a:solidFill>
                 <a:latin typeface="Consolas" panose="020B0609020204030204" pitchFamily="49" charset="0"/>
                 <a:cs typeface="Courier New" panose="02070309020205020404" pitchFamily="49" charset="0"/>
               </a:rPr>
@@ -4913,7 +5256,24 @@
                 <a:latin typeface="Consolas" panose="020B0609020204030204" pitchFamily="49" charset="0"/>
                 <a:cs typeface="Courier New" panose="02070309020205020404" pitchFamily="49" charset="0"/>
               </a:rPr>
-              <a:t> a2_above; </a:t>
+              <a:t> a2_above</a:t>
+            </a:r>
+            <a:r>
+              <a:rPr lang="en-US" sz="1600" b="1" dirty="0">
+                <a:solidFill>
+                  <a:srgbClr val="920049"/>
+                </a:solidFill>
+                <a:latin typeface="Consolas" panose="020B0609020204030204" pitchFamily="49" charset="0"/>
+                <a:cs typeface="Courier New" panose="02070309020205020404" pitchFamily="49" charset="0"/>
+              </a:rPr>
+              <a:t>;</a:t>
+            </a:r>
+            <a:r>
+              <a:rPr lang="en-US" sz="1600" dirty="0">
+                <a:latin typeface="Consolas" panose="020B0609020204030204" pitchFamily="49" charset="0"/>
+                <a:cs typeface="Courier New" panose="02070309020205020404" pitchFamily="49" charset="0"/>
+              </a:rPr>
+              <a:t> </a:t>
             </a:r>
             <a:r>
               <a:rPr lang="en-US" sz="1600" dirty="0" smtClean="0">
@@ -4959,60 +5319,55 @@
               <a:t> </a:t>
             </a:r>
             <a:r>
+              <a:rPr lang="en-US" sz="1600" b="1" dirty="0">
+                <a:solidFill>
+                  <a:srgbClr val="920049"/>
+                </a:solidFill>
+                <a:latin typeface="Consolas" panose="020B0609020204030204" pitchFamily="49" charset="0"/>
+                <a:cs typeface="Courier New" panose="02070309020205020404" pitchFamily="49" charset="0"/>
+              </a:rPr>
+              <a:t>= if (</a:t>
+            </a:r>
+            <a:r>
               <a:rPr lang="en-US" sz="1600" dirty="0">
                 <a:latin typeface="Consolas" panose="020B0609020204030204" pitchFamily="49" charset="0"/>
                 <a:cs typeface="Courier New" panose="02070309020205020404" pitchFamily="49" charset="0"/>
               </a:rPr>
-              <a:t>= </a:t>
+              <a:t>below </a:t>
             </a:r>
             <a:r>
               <a:rPr lang="en-US" sz="1600" b="1" dirty="0">
-                <a:latin typeface="Consolas" panose="020B0609020204030204" pitchFamily="49" charset="0"/>
-                <a:cs typeface="Courier New" panose="02070309020205020404" pitchFamily="49" charset="0"/>
-              </a:rPr>
-              <a:t>if</a:t>
-            </a:r>
-            <a:r>
-              <a:rPr lang="en-US" sz="1600" dirty="0">
-                <a:latin typeface="Consolas" panose="020B0609020204030204" pitchFamily="49" charset="0"/>
-                <a:cs typeface="Courier New" panose="02070309020205020404" pitchFamily="49" charset="0"/>
-              </a:rPr>
-              <a:t> (below </a:t>
-            </a:r>
-            <a:r>
-              <a:rPr lang="en-US" sz="1600" b="1" dirty="0">
-                <a:latin typeface="Consolas" panose="020B0609020204030204" pitchFamily="49" charset="0"/>
-                <a:cs typeface="Courier New" panose="02070309020205020404" pitchFamily="49" charset="0"/>
-              </a:rPr>
-              <a:t>and</a:t>
-            </a:r>
-            <a:r>
-              <a:rPr lang="en-US" sz="1600" dirty="0">
-                <a:latin typeface="Consolas" panose="020B0609020204030204" pitchFamily="49" charset="0"/>
-                <a:cs typeface="Courier New" panose="02070309020205020404" pitchFamily="49" charset="0"/>
-              </a:rPr>
-              <a:t> </a:t>
-            </a:r>
-            <a:r>
-              <a:rPr lang="en-US" sz="1600" b="1" dirty="0">
-                <a:latin typeface="Consolas" panose="020B0609020204030204" pitchFamily="49" charset="0"/>
-                <a:cs typeface="Courier New" panose="02070309020205020404" pitchFamily="49" charset="0"/>
-              </a:rPr>
-              <a:t>not</a:t>
-            </a:r>
-            <a:r>
-              <a:rPr lang="en-US" sz="1600" dirty="0">
-                <a:latin typeface="Consolas" panose="020B0609020204030204" pitchFamily="49" charset="0"/>
-                <a:cs typeface="Courier New" panose="02070309020205020404" pitchFamily="49" charset="0"/>
-              </a:rPr>
-              <a:t> </a:t>
+                <a:solidFill>
+                  <a:srgbClr val="920049"/>
+                </a:solidFill>
+                <a:latin typeface="Consolas" panose="020B0609020204030204" pitchFamily="49" charset="0"/>
+                <a:cs typeface="Courier New" panose="02070309020205020404" pitchFamily="49" charset="0"/>
+              </a:rPr>
+              <a:t>and not </a:t>
             </a:r>
             <a:r>
               <a:rPr lang="en-US" sz="1600" dirty="0" smtClean="0">
                 <a:latin typeface="Consolas" panose="020B0609020204030204" pitchFamily="49" charset="0"/>
                 <a:cs typeface="Courier New" panose="02070309020205020404" pitchFamily="49" charset="0"/>
               </a:rPr>
-              <a:t>inhibit)</a:t>
+              <a:t>inhibit</a:t>
+            </a:r>
+            <a:r>
+              <a:rPr lang="en-US" sz="1600" b="1" dirty="0" smtClean="0">
+                <a:solidFill>
+                  <a:srgbClr val="920049"/>
+                </a:solidFill>
+                <a:latin typeface="Consolas" panose="020B0609020204030204" pitchFamily="49" charset="0"/>
+                <a:cs typeface="Courier New" panose="02070309020205020404" pitchFamily="49" charset="0"/>
+              </a:rPr>
+              <a:t>)</a:t>
+            </a:r>
+            <a:r>
+              <a:rPr lang="en-US" sz="1600" dirty="0" smtClean="0">
+                <a:latin typeface="Consolas" panose="020B0609020204030204" pitchFamily="49" charset="0"/>
+                <a:cs typeface="Courier New" panose="02070309020205020404" pitchFamily="49" charset="0"/>
+              </a:rPr>
+              <a:t/>
             </a:r>
             <a:br>
               <a:rPr lang="en-US" sz="1600" dirty="0" smtClean="0">
@@ -5029,6 +5384,9 @@
             </a:r>
             <a:r>
               <a:rPr lang="en-US" sz="1600" b="1" dirty="0" smtClean="0">
+                <a:solidFill>
+                  <a:srgbClr val="920049"/>
+                </a:solidFill>
                 <a:latin typeface="Consolas" panose="020B0609020204030204" pitchFamily="49" charset="0"/>
                 <a:cs typeface="Courier New" panose="02070309020205020404" pitchFamily="49" charset="0"/>
               </a:rPr>
@@ -5036,13 +5394,19 @@
             </a:r>
             <a:r>
               <a:rPr lang="en-US" sz="1600" dirty="0" smtClean="0">
+                <a:solidFill>
+                  <a:srgbClr val="920049"/>
+                </a:solidFill>
                 <a:latin typeface="Consolas" panose="020B0609020204030204" pitchFamily="49" charset="0"/>
                 <a:cs typeface="Courier New" panose="02070309020205020404" pitchFamily="49" charset="0"/>
               </a:rPr>
               <a:t> </a:t>
             </a:r>
             <a:r>
-              <a:rPr lang="en-US" sz="1600" i="1" dirty="0">
+              <a:rPr lang="en-US" sz="1600" b="1" dirty="0">
+                <a:solidFill>
+                  <a:srgbClr val="920049"/>
+                </a:solidFill>
                 <a:latin typeface="Consolas" panose="020B0609020204030204" pitchFamily="49" charset="0"/>
                 <a:cs typeface="Courier New" panose="02070309020205020404" pitchFamily="49" charset="0"/>
               </a:rPr>
@@ -5050,6 +5414,9 @@
             </a:r>
             <a:r>
               <a:rPr lang="en-US" sz="1600" dirty="0">
+                <a:solidFill>
+                  <a:srgbClr val="920049"/>
+                </a:solidFill>
                 <a:latin typeface="Consolas" panose="020B0609020204030204" pitchFamily="49" charset="0"/>
                 <a:cs typeface="Courier New" panose="02070309020205020404" pitchFamily="49" charset="0"/>
               </a:rPr>
@@ -5057,6 +5424,9 @@
             </a:r>
             <a:r>
               <a:rPr lang="en-US" sz="1600" b="1" dirty="0">
+                <a:solidFill>
+                  <a:srgbClr val="920049"/>
+                </a:solidFill>
                 <a:latin typeface="Consolas" panose="020B0609020204030204" pitchFamily="49" charset="0"/>
                 <a:cs typeface="Courier New" panose="02070309020205020404" pitchFamily="49" charset="0"/>
               </a:rPr>
@@ -5064,10 +5434,30 @@
             </a:r>
             <a:r>
               <a:rPr lang="en-US" sz="1600" dirty="0">
-                <a:latin typeface="Consolas" panose="020B0609020204030204" pitchFamily="49" charset="0"/>
-                <a:cs typeface="Courier New" panose="02070309020205020404" pitchFamily="49" charset="0"/>
-              </a:rPr>
-              <a:t> d1;</a:t>
+                <a:solidFill>
+                  <a:srgbClr val="920049"/>
+                </a:solidFill>
+                <a:latin typeface="Consolas" panose="020B0609020204030204" pitchFamily="49" charset="0"/>
+                <a:cs typeface="Courier New" panose="02070309020205020404" pitchFamily="49" charset="0"/>
+              </a:rPr>
+              <a:t> </a:t>
+            </a:r>
+            <a:r>
+              <a:rPr lang="en-US" sz="1600" dirty="0">
+                <a:latin typeface="Consolas" panose="020B0609020204030204" pitchFamily="49" charset="0"/>
+                <a:cs typeface="Courier New" panose="02070309020205020404" pitchFamily="49" charset="0"/>
+              </a:rPr>
+              <a:t>d1</a:t>
+            </a:r>
+            <a:r>
+              <a:rPr lang="en-US" sz="1600" dirty="0">
+                <a:solidFill>
+                  <a:srgbClr val="920049"/>
+                </a:solidFill>
+                <a:latin typeface="Consolas" panose="020B0609020204030204" pitchFamily="49" charset="0"/>
+                <a:cs typeface="Courier New" panose="02070309020205020404" pitchFamily="49" charset="0"/>
+              </a:rPr>
+              <a:t>;</a:t>
             </a:r>
           </a:p>
           <a:p>
@@ -5088,38 +5478,37 @@
               <a:t>	 d1 </a:t>
             </a:r>
             <a:r>
+              <a:rPr lang="en-US" sz="1600" b="1" dirty="0">
+                <a:solidFill>
+                  <a:srgbClr val="920049"/>
+                </a:solidFill>
+                <a:latin typeface="Consolas" panose="020B0609020204030204" pitchFamily="49" charset="0"/>
+                <a:cs typeface="Courier New" panose="02070309020205020404" pitchFamily="49" charset="0"/>
+              </a:rPr>
+              <a:t>= if (</a:t>
+            </a:r>
+            <a:r>
               <a:rPr lang="en-US" sz="1600" dirty="0">
                 <a:latin typeface="Consolas" panose="020B0609020204030204" pitchFamily="49" charset="0"/>
                 <a:cs typeface="Courier New" panose="02070309020205020404" pitchFamily="49" charset="0"/>
               </a:rPr>
-              <a:t>= </a:t>
+              <a:t>inhibit </a:t>
             </a:r>
             <a:r>
               <a:rPr lang="en-US" sz="1600" b="1" dirty="0">
-                <a:latin typeface="Consolas" panose="020B0609020204030204" pitchFamily="49" charset="0"/>
-                <a:cs typeface="Courier New" panose="02070309020205020404" pitchFamily="49" charset="0"/>
-              </a:rPr>
-              <a:t>if</a:t>
+                <a:solidFill>
+                  <a:srgbClr val="920049"/>
+                </a:solidFill>
+                <a:latin typeface="Consolas" panose="020B0609020204030204" pitchFamily="49" charset="0"/>
+                <a:cs typeface="Courier New" panose="02070309020205020404" pitchFamily="49" charset="0"/>
+              </a:rPr>
+              <a:t>or</a:t>
             </a:r>
             <a:r>
               <a:rPr lang="en-US" sz="1600" dirty="0">
                 <a:latin typeface="Consolas" panose="020B0609020204030204" pitchFamily="49" charset="0"/>
                 <a:cs typeface="Courier New" panose="02070309020205020404" pitchFamily="49" charset="0"/>
               </a:rPr>
-              <a:t> (inhibit </a:t>
-            </a:r>
-            <a:r>
-              <a:rPr lang="en-US" sz="1600" b="1" dirty="0">
-                <a:latin typeface="Consolas" panose="020B0609020204030204" pitchFamily="49" charset="0"/>
-                <a:cs typeface="Courier New" panose="02070309020205020404" pitchFamily="49" charset="0"/>
-              </a:rPr>
-              <a:t>or</a:t>
-            </a:r>
-            <a:r>
-              <a:rPr lang="en-US" sz="1600" dirty="0">
-                <a:latin typeface="Consolas" panose="020B0609020204030204" pitchFamily="49" charset="0"/>
-                <a:cs typeface="Courier New" panose="02070309020205020404" pitchFamily="49" charset="0"/>
-              </a:rPr>
               <a:t> </a:t>
             </a:r>
             <a:r>
@@ -5130,11 +5519,21 @@
               <a:t>above_hyst</a:t>
             </a:r>
             <a:r>
+              <a:rPr lang="en-US" sz="1600" b="1" dirty="0" smtClean="0">
+                <a:solidFill>
+                  <a:srgbClr val="920049"/>
+                </a:solidFill>
+                <a:latin typeface="Consolas" panose="020B0609020204030204" pitchFamily="49" charset="0"/>
+                <a:cs typeface="Courier New" panose="02070309020205020404" pitchFamily="49" charset="0"/>
+              </a:rPr>
+              <a:t>)</a:t>
+            </a:r>
+            <a:r>
               <a:rPr lang="en-US" sz="1600" dirty="0" smtClean="0">
                 <a:latin typeface="Consolas" panose="020B0609020204030204" pitchFamily="49" charset="0"/>
                 <a:cs typeface="Courier New" panose="02070309020205020404" pitchFamily="49" charset="0"/>
               </a:rPr>
-              <a:t>)</a:t>
+              <a:t/>
             </a:r>
             <a:br>
               <a:rPr lang="en-US" sz="1600" dirty="0" smtClean="0">
@@ -5151,45 +5550,40 @@
             </a:r>
             <a:r>
               <a:rPr lang="en-US" sz="1600" b="1" dirty="0" smtClean="0">
-                <a:latin typeface="Consolas" panose="020B0609020204030204" pitchFamily="49" charset="0"/>
-                <a:cs typeface="Courier New" panose="02070309020205020404" pitchFamily="49" charset="0"/>
-              </a:rPr>
-              <a:t>then</a:t>
-            </a:r>
-            <a:r>
-              <a:rPr lang="en-US" sz="1600" dirty="0" smtClean="0">
-                <a:latin typeface="Consolas" panose="020B0609020204030204" pitchFamily="49" charset="0"/>
-                <a:cs typeface="Courier New" panose="02070309020205020404" pitchFamily="49" charset="0"/>
-              </a:rPr>
-              <a:t> </a:t>
-            </a:r>
-            <a:r>
-              <a:rPr lang="en-US" sz="1600" i="1" dirty="0">
-                <a:latin typeface="Consolas" panose="020B0609020204030204" pitchFamily="49" charset="0"/>
-                <a:cs typeface="Courier New" panose="02070309020205020404" pitchFamily="49" charset="0"/>
-              </a:rPr>
-              <a:t>false</a:t>
+                <a:solidFill>
+                  <a:srgbClr val="920049"/>
+                </a:solidFill>
+                <a:latin typeface="Consolas" panose="020B0609020204030204" pitchFamily="49" charset="0"/>
+                <a:cs typeface="Courier New" panose="02070309020205020404" pitchFamily="49" charset="0"/>
+              </a:rPr>
+              <a:t>then </a:t>
+            </a:r>
+            <a:r>
+              <a:rPr lang="en-US" sz="1600" b="1" dirty="0">
+                <a:solidFill>
+                  <a:srgbClr val="920049"/>
+                </a:solidFill>
+                <a:latin typeface="Consolas" panose="020B0609020204030204" pitchFamily="49" charset="0"/>
+                <a:cs typeface="Courier New" panose="02070309020205020404" pitchFamily="49" charset="0"/>
+              </a:rPr>
+              <a:t>false else </a:t>
             </a:r>
             <a:r>
               <a:rPr lang="en-US" sz="1600" dirty="0">
                 <a:latin typeface="Consolas" panose="020B0609020204030204" pitchFamily="49" charset="0"/>
                 <a:cs typeface="Courier New" panose="02070309020205020404" pitchFamily="49" charset="0"/>
               </a:rPr>
-              <a:t> </a:t>
+              <a:t>d2</a:t>
             </a:r>
             <a:r>
               <a:rPr lang="en-US" sz="1600" b="1" dirty="0">
-                <a:latin typeface="Consolas" panose="020B0609020204030204" pitchFamily="49" charset="0"/>
-                <a:cs typeface="Courier New" panose="02070309020205020404" pitchFamily="49" charset="0"/>
-              </a:rPr>
-              <a:t>else</a:t>
-            </a:r>
-            <a:r>
-              <a:rPr lang="en-US" sz="1600" dirty="0">
-                <a:latin typeface="Consolas" panose="020B0609020204030204" pitchFamily="49" charset="0"/>
-                <a:cs typeface="Courier New" panose="02070309020205020404" pitchFamily="49" charset="0"/>
-              </a:rPr>
-              <a:t> d2;</a:t>
+                <a:solidFill>
+                  <a:srgbClr val="920049"/>
+                </a:solidFill>
+                <a:latin typeface="Consolas" panose="020B0609020204030204" pitchFamily="49" charset="0"/>
+                <a:cs typeface="Courier New" panose="02070309020205020404" pitchFamily="49" charset="0"/>
+              </a:rPr>
+              <a:t>;</a:t>
             </a:r>
           </a:p>
           <a:p>
@@ -5210,67 +5604,38 @@
               <a:t>	 d2 </a:t>
             </a:r>
             <a:r>
+              <a:rPr lang="en-US" sz="1600" b="1" dirty="0">
+                <a:solidFill>
+                  <a:srgbClr val="920049"/>
+                </a:solidFill>
+                <a:latin typeface="Consolas" panose="020B0609020204030204" pitchFamily="49" charset="0"/>
+                <a:cs typeface="Courier New" panose="02070309020205020404" pitchFamily="49" charset="0"/>
+              </a:rPr>
+              <a:t>= (false -&gt; pre(</a:t>
+            </a:r>
+            <a:r>
+              <a:rPr lang="en-US" sz="1600" dirty="0" err="1">
+                <a:latin typeface="Consolas" panose="020B0609020204030204" pitchFamily="49" charset="0"/>
+                <a:cs typeface="Courier New" panose="02070309020205020404" pitchFamily="49" charset="0"/>
+              </a:rPr>
+              <a:t>doi_on</a:t>
+            </a:r>
+            <a:r>
+              <a:rPr lang="en-US" sz="1600" b="1" dirty="0">
+                <a:solidFill>
+                  <a:srgbClr val="920049"/>
+                </a:solidFill>
+                <a:latin typeface="Consolas" panose="020B0609020204030204" pitchFamily="49" charset="0"/>
+                <a:cs typeface="Courier New" panose="02070309020205020404" pitchFamily="49" charset="0"/>
+              </a:rPr>
+              <a:t>));</a:t>
+            </a:r>
+            <a:r>
               <a:rPr lang="en-US" sz="1600" dirty="0">
                 <a:latin typeface="Consolas" panose="020B0609020204030204" pitchFamily="49" charset="0"/>
                 <a:cs typeface="Courier New" panose="02070309020205020404" pitchFamily="49" charset="0"/>
               </a:rPr>
-              <a:t>= (</a:t>
-            </a:r>
-            <a:r>
-              <a:rPr lang="en-US" sz="1600" i="1" dirty="0">
-                <a:latin typeface="Consolas" panose="020B0609020204030204" pitchFamily="49" charset="0"/>
-                <a:cs typeface="Courier New" panose="02070309020205020404" pitchFamily="49" charset="0"/>
-              </a:rPr>
-              <a:t>false</a:t>
-            </a:r>
-            <a:r>
-              <a:rPr lang="en-US" sz="1600" dirty="0">
-                <a:latin typeface="Consolas" panose="020B0609020204030204" pitchFamily="49" charset="0"/>
-                <a:cs typeface="Courier New" panose="02070309020205020404" pitchFamily="49" charset="0"/>
-              </a:rPr>
               <a:t> </a:t>
-            </a:r>
-            <a:r>
-              <a:rPr lang="en-US" sz="1600" b="1" dirty="0">
-                <a:latin typeface="Consolas" panose="020B0609020204030204" pitchFamily="49" charset="0"/>
-                <a:cs typeface="Courier New" panose="02070309020205020404" pitchFamily="49" charset="0"/>
-              </a:rPr>
-              <a:t>-&gt;</a:t>
-            </a:r>
-            <a:r>
-              <a:rPr lang="en-US" sz="1600" dirty="0">
-                <a:latin typeface="Consolas" panose="020B0609020204030204" pitchFamily="49" charset="0"/>
-                <a:cs typeface="Courier New" panose="02070309020205020404" pitchFamily="49" charset="0"/>
-              </a:rPr>
-              <a:t> </a:t>
-            </a:r>
-            <a:r>
-              <a:rPr lang="en-US" sz="1600" i="1" dirty="0">
-                <a:latin typeface="Consolas" panose="020B0609020204030204" pitchFamily="49" charset="0"/>
-                <a:cs typeface="Courier New" panose="02070309020205020404" pitchFamily="49" charset="0"/>
-              </a:rPr>
-              <a:t>pre</a:t>
-            </a:r>
-            <a:r>
-              <a:rPr lang="en-US" sz="1600" dirty="0">
-                <a:latin typeface="Consolas" panose="020B0609020204030204" pitchFamily="49" charset="0"/>
-                <a:cs typeface="Courier New" panose="02070309020205020404" pitchFamily="49" charset="0"/>
-              </a:rPr>
-              <a:t>(</a:t>
-            </a:r>
-            <a:r>
-              <a:rPr lang="en-US" sz="1600" dirty="0" err="1">
-                <a:latin typeface="Consolas" panose="020B0609020204030204" pitchFamily="49" charset="0"/>
-                <a:cs typeface="Courier New" panose="02070309020205020404" pitchFamily="49" charset="0"/>
-              </a:rPr>
-              <a:t>doi_on</a:t>
-            </a:r>
-            <a:r>
-              <a:rPr lang="en-US" sz="1600" dirty="0">
-                <a:latin typeface="Consolas" panose="020B0609020204030204" pitchFamily="49" charset="0"/>
-                <a:cs typeface="Courier New" panose="02070309020205020404" pitchFamily="49" charset="0"/>
-              </a:rPr>
-              <a:t>)); </a:t>
             </a:r>
             <a:r>
               <a:rPr lang="en-US" sz="1600" dirty="0" smtClean="0">
@@ -5310,6 +5675,9 @@
             </a:r>
             <a:r>
               <a:rPr lang="en-US" sz="1600" b="1" dirty="0" err="1" smtClean="0">
+                <a:solidFill>
+                  <a:srgbClr val="920049"/>
+                </a:solidFill>
                 <a:latin typeface="Consolas" panose="020B0609020204030204" pitchFamily="49" charset="0"/>
                 <a:cs typeface="Courier New" panose="02070309020205020404" pitchFamily="49" charset="0"/>
               </a:rPr>
@@ -5317,6 +5685,9 @@
             </a:r>
             <a:r>
               <a:rPr lang="en-US" sz="1600" dirty="0">
+                <a:solidFill>
+                  <a:srgbClr val="920049"/>
+                </a:solidFill>
                 <a:latin typeface="Consolas" panose="020B0609020204030204" pitchFamily="49" charset="0"/>
                 <a:cs typeface="Courier New" panose="02070309020205020404" pitchFamily="49" charset="0"/>
               </a:rPr>
